--- a/Lectures/Lecture 8 Model Comparison.pptx
+++ b/Lectures/Lecture 8 Model Comparison.pptx
@@ -5,7 +5,7 @@
     <p:sldMasterId id="2147483648" r:id="rId1"/>
   </p:sldMasterIdLst>
   <p:notesMasterIdLst>
-    <p:notesMasterId r:id="rId22"/>
+    <p:notesMasterId r:id="rId23"/>
   </p:notesMasterIdLst>
   <p:sldIdLst>
     <p:sldId id="256" r:id="rId2"/>
@@ -28,6 +28,7 @@
     <p:sldId id="693" r:id="rId19"/>
     <p:sldId id="694" r:id="rId20"/>
     <p:sldId id="695" r:id="rId21"/>
+    <p:sldId id="699" r:id="rId22"/>
   </p:sldIdLst>
   <p:sldSz cx="12192000" cy="6858000"/>
   <p:notesSz cx="7102475" cy="10234613"/>
@@ -216,7 +217,7 @@
           <a:p>
             <a:fld id="{9CF176CD-15D1-4787-BBAA-B7F61FF9E394}" type="datetimeFigureOut">
               <a:rPr lang="en-GB" smtClean="0"/>
-              <a:t>04/05/2025</a:t>
+              <a:t>05/05/2025</a:t>
             </a:fld>
             <a:endParaRPr lang="en-GB"/>
           </a:p>
@@ -615,7 +616,7 @@
           <a:p>
             <a:fld id="{C56CA8F5-E68A-4115-9C25-E96C286CB035}" type="datetime1">
               <a:rPr lang="en-GB" smtClean="0"/>
-              <a:t>04/05/2025</a:t>
+              <a:t>05/05/2025</a:t>
             </a:fld>
             <a:endParaRPr lang="en-GB"/>
           </a:p>
@@ -785,7 +786,7 @@
           <a:p>
             <a:fld id="{7FD65654-1D4B-4B33-B8CE-F5581D9C13AC}" type="datetime1">
               <a:rPr lang="en-GB" smtClean="0"/>
-              <a:t>04/05/2025</a:t>
+              <a:t>05/05/2025</a:t>
             </a:fld>
             <a:endParaRPr lang="en-GB"/>
           </a:p>
@@ -965,7 +966,7 @@
           <a:p>
             <a:fld id="{50B3557C-D1F8-4213-9381-806C9A51FC91}" type="datetime1">
               <a:rPr lang="en-GB" smtClean="0"/>
-              <a:t>04/05/2025</a:t>
+              <a:t>05/05/2025</a:t>
             </a:fld>
             <a:endParaRPr lang="en-GB"/>
           </a:p>
@@ -1135,7 +1136,7 @@
           <a:p>
             <a:fld id="{5EAB202B-C763-46C3-A636-9DFD853B4605}" type="datetime1">
               <a:rPr lang="en-GB" smtClean="0"/>
-              <a:t>04/05/2025</a:t>
+              <a:t>05/05/2025</a:t>
             </a:fld>
             <a:endParaRPr lang="en-GB"/>
           </a:p>
@@ -1381,7 +1382,7 @@
           <a:p>
             <a:fld id="{D381E87C-49EE-449B-BBE1-C8D9F03709E3}" type="datetime1">
               <a:rPr lang="en-GB" smtClean="0"/>
-              <a:t>04/05/2025</a:t>
+              <a:t>05/05/2025</a:t>
             </a:fld>
             <a:endParaRPr lang="en-GB"/>
           </a:p>
@@ -1613,7 +1614,7 @@
           <a:p>
             <a:fld id="{E72DF79F-283F-4921-8EFE-03DC0706D514}" type="datetime1">
               <a:rPr lang="en-GB" smtClean="0"/>
-              <a:t>04/05/2025</a:t>
+              <a:t>05/05/2025</a:t>
             </a:fld>
             <a:endParaRPr lang="en-GB"/>
           </a:p>
@@ -1980,7 +1981,7 @@
           <a:p>
             <a:fld id="{FAB6B75B-49C2-4C52-A9AA-29208F1CA2A2}" type="datetime1">
               <a:rPr lang="en-GB" smtClean="0"/>
-              <a:t>04/05/2025</a:t>
+              <a:t>05/05/2025</a:t>
             </a:fld>
             <a:endParaRPr lang="en-GB"/>
           </a:p>
@@ -2098,7 +2099,7 @@
           <a:p>
             <a:fld id="{1338CB34-9D44-4B11-81FA-362E39680C1C}" type="datetime1">
               <a:rPr lang="en-GB" smtClean="0"/>
-              <a:t>04/05/2025</a:t>
+              <a:t>05/05/2025</a:t>
             </a:fld>
             <a:endParaRPr lang="en-GB"/>
           </a:p>
@@ -2193,7 +2194,7 @@
           <a:p>
             <a:fld id="{A4CEA9AC-502E-4271-B4D2-4510E701B0BB}" type="datetime1">
               <a:rPr lang="en-GB" smtClean="0"/>
-              <a:t>04/05/2025</a:t>
+              <a:t>05/05/2025</a:t>
             </a:fld>
             <a:endParaRPr lang="en-GB"/>
           </a:p>
@@ -2470,7 +2471,7 @@
           <a:p>
             <a:fld id="{5CDFC0ED-09ED-410F-BE71-C5A0E5CAF45C}" type="datetime1">
               <a:rPr lang="en-GB" smtClean="0"/>
-              <a:t>04/05/2025</a:t>
+              <a:t>05/05/2025</a:t>
             </a:fld>
             <a:endParaRPr lang="en-GB"/>
           </a:p>
@@ -2723,7 +2724,7 @@
           <a:p>
             <a:fld id="{3BB4F426-D937-485B-A737-9052C677CC14}" type="datetime1">
               <a:rPr lang="en-GB" smtClean="0"/>
-              <a:t>04/05/2025</a:t>
+              <a:t>05/05/2025</a:t>
             </a:fld>
             <a:endParaRPr lang="en-GB"/>
           </a:p>
@@ -2936,7 +2937,7 @@
           <a:p>
             <a:fld id="{5029E2CA-F4BC-40A0-B78C-A9A7478F92E3}" type="datetime1">
               <a:rPr lang="en-GB" smtClean="0"/>
-              <a:t>04/05/2025</a:t>
+              <a:t>05/05/2025</a:t>
             </a:fld>
             <a:endParaRPr lang="en-GB"/>
           </a:p>
@@ -5517,8 +5518,8 @@
           </a:graphicData>
         </a:graphic>
       </p:graphicFrame>
-      <mc:AlternateContent xmlns:mc="http://schemas.openxmlformats.org/markup-compatibility/2006">
-        <mc:Choice xmlns:a14="http://schemas.microsoft.com/office/drawing/2010/main" Requires="a14">
+      <mc:AlternateContent xmlns:mc="http://schemas.openxmlformats.org/markup-compatibility/2006" xmlns:a14="http://schemas.microsoft.com/office/drawing/2010/main">
+        <mc:Choice Requires="a14">
           <p:sp>
             <p:nvSpPr>
               <p:cNvPr id="10" name="TextBox 9">
@@ -5585,7 +5586,7 @@
             </p:txBody>
           </p:sp>
         </mc:Choice>
-        <mc:Fallback>
+        <mc:Fallback xmlns="">
           <p:sp>
             <p:nvSpPr>
               <p:cNvPr id="10" name="TextBox 9">
@@ -5791,8 +5792,8 @@
           <a:chExt cx="0" cy="0"/>
         </a:xfrm>
       </p:grpSpPr>
-      <mc:AlternateContent xmlns:mc="http://schemas.openxmlformats.org/markup-compatibility/2006">
-        <mc:Choice xmlns:a14="http://schemas.microsoft.com/office/drawing/2010/main" Requires="a14">
+      <mc:AlternateContent xmlns:mc="http://schemas.openxmlformats.org/markup-compatibility/2006" xmlns:a14="http://schemas.microsoft.com/office/drawing/2010/main">
+        <mc:Choice Requires="a14">
           <p:sp>
             <p:nvSpPr>
               <p:cNvPr id="5" name="Title 4">
@@ -5852,7 +5853,7 @@
             </p:txBody>
           </p:sp>
         </mc:Choice>
-        <mc:Fallback>
+        <mc:Fallback xmlns="">
           <p:sp>
             <p:nvSpPr>
               <p:cNvPr id="5" name="Title 4">
@@ -5943,7 +5944,7 @@
         </p:blipFill>
         <p:spPr>
           <a:xfrm>
-            <a:off x="506964" y="1958887"/>
+            <a:off x="419878" y="2138175"/>
             <a:ext cx="11100318" cy="3770688"/>
           </a:xfrm>
           <a:prstGeom prst="rect">
@@ -5955,6 +5956,119 @@
     <p:extLst>
       <p:ext uri="{BB962C8B-B14F-4D97-AF65-F5344CB8AC3E}">
         <p14:creationId xmlns:p14="http://schemas.microsoft.com/office/powerpoint/2010/main" val="3551294259"/>
+      </p:ext>
+    </p:extLst>
+  </p:cSld>
+  <p:clrMapOvr>
+    <a:masterClrMapping/>
+  </p:clrMapOvr>
+</p:sld>
+</file>
+
+<file path=ppt/slides/slide21.xml><?xml version="1.0" encoding="utf-8"?>
+<p:sld xmlns:a="http://schemas.openxmlformats.org/drawingml/2006/main" xmlns:r="http://schemas.openxmlformats.org/officeDocument/2006/relationships" xmlns:p="http://schemas.openxmlformats.org/presentationml/2006/main">
+  <p:cSld>
+    <p:spTree>
+      <p:nvGrpSpPr>
+        <p:cNvPr id="1" name=""/>
+        <p:cNvGrpSpPr/>
+        <p:nvPr/>
+      </p:nvGrpSpPr>
+      <p:grpSpPr>
+        <a:xfrm>
+          <a:off x="0" y="0"/>
+          <a:ext cx="0" cy="0"/>
+          <a:chOff x="0" y="0"/>
+          <a:chExt cx="0" cy="0"/>
+        </a:xfrm>
+      </p:grpSpPr>
+      <p:sp>
+        <p:nvSpPr>
+          <p:cNvPr id="2" name="Title 1">
+            <a:extLst>
+              <a:ext uri="{FF2B5EF4-FFF2-40B4-BE49-F238E27FC236}">
+                <a16:creationId xmlns:a16="http://schemas.microsoft.com/office/drawing/2014/main" id="{F2C9376F-668E-45CA-956C-5AE7C1F8ECCA}"/>
+              </a:ext>
+            </a:extLst>
+          </p:cNvPr>
+          <p:cNvSpPr>
+            <a:spLocks noGrp="1"/>
+          </p:cNvSpPr>
+          <p:nvPr>
+            <p:ph type="title"/>
+          </p:nvPr>
+        </p:nvSpPr>
+        <p:spPr/>
+        <p:txBody>
+          <a:bodyPr/>
+          <a:lstStyle/>
+          <a:p>
+            <a:r>
+              <a:rPr lang="en-US" dirty="0"/>
+              <a:t>Criteria for a good model</a:t>
+            </a:r>
+            <a:endParaRPr lang="he-IL" dirty="0"/>
+          </a:p>
+        </p:txBody>
+      </p:sp>
+      <p:sp>
+        <p:nvSpPr>
+          <p:cNvPr id="4" name="Content Placeholder 3">
+            <a:extLst>
+              <a:ext uri="{FF2B5EF4-FFF2-40B4-BE49-F238E27FC236}">
+                <a16:creationId xmlns:a16="http://schemas.microsoft.com/office/drawing/2014/main" id="{9FD5571C-27B5-BE74-7132-9F15109533E6}"/>
+              </a:ext>
+            </a:extLst>
+          </p:cNvPr>
+          <p:cNvSpPr>
+            <a:spLocks noGrp="1"/>
+          </p:cNvSpPr>
+          <p:nvPr>
+            <p:ph idx="1"/>
+          </p:nvPr>
+        </p:nvSpPr>
+        <p:spPr/>
+        <p:txBody>
+          <a:bodyPr/>
+          <a:lstStyle/>
+          <a:p>
+            <a:endParaRPr lang="he-IL"/>
+          </a:p>
+        </p:txBody>
+      </p:sp>
+      <p:sp>
+        <p:nvSpPr>
+          <p:cNvPr id="3" name="Slide Number Placeholder 2">
+            <a:extLst>
+              <a:ext uri="{FF2B5EF4-FFF2-40B4-BE49-F238E27FC236}">
+                <a16:creationId xmlns:a16="http://schemas.microsoft.com/office/drawing/2014/main" id="{F9EA3DF0-749C-CE88-27E3-9A1E099EF6F5}"/>
+              </a:ext>
+            </a:extLst>
+          </p:cNvPr>
+          <p:cNvSpPr>
+            <a:spLocks noGrp="1"/>
+          </p:cNvSpPr>
+          <p:nvPr>
+            <p:ph type="sldNum" sz="quarter" idx="12"/>
+          </p:nvPr>
+        </p:nvSpPr>
+        <p:spPr/>
+        <p:txBody>
+          <a:bodyPr/>
+          <a:lstStyle/>
+          <a:p>
+            <a:fld id="{E0DC7AD3-7C2E-418B-8082-788996B615FB}" type="slidenum">
+              <a:rPr lang="en-GB" smtClean="0"/>
+              <a:t>21</a:t>
+            </a:fld>
+            <a:endParaRPr lang="en-GB"/>
+          </a:p>
+        </p:txBody>
+      </p:sp>
+    </p:spTree>
+    <p:extLst>
+      <p:ext uri="{BB962C8B-B14F-4D97-AF65-F5344CB8AC3E}">
+        <p14:creationId xmlns:p14="http://schemas.microsoft.com/office/powerpoint/2010/main" val="1257399335"/>
       </p:ext>
     </p:extLst>
   </p:cSld>

--- a/Lectures/Lecture 8 Model Comparison.pptx
+++ b/Lectures/Lecture 8 Model Comparison.pptx
@@ -5,30 +5,32 @@
     <p:sldMasterId id="2147483648" r:id="rId1"/>
   </p:sldMasterIdLst>
   <p:notesMasterIdLst>
-    <p:notesMasterId r:id="rId23"/>
+    <p:notesMasterId r:id="rId25"/>
   </p:notesMasterIdLst>
   <p:sldIdLst>
     <p:sldId id="256" r:id="rId2"/>
     <p:sldId id="513" r:id="rId3"/>
-    <p:sldId id="681" r:id="rId4"/>
-    <p:sldId id="682" r:id="rId5"/>
-    <p:sldId id="683" r:id="rId6"/>
-    <p:sldId id="684" r:id="rId7"/>
-    <p:sldId id="686" r:id="rId8"/>
-    <p:sldId id="685" r:id="rId9"/>
-    <p:sldId id="687" r:id="rId10"/>
-    <p:sldId id="696" r:id="rId11"/>
-    <p:sldId id="697" r:id="rId12"/>
-    <p:sldId id="698" r:id="rId13"/>
-    <p:sldId id="689" r:id="rId14"/>
-    <p:sldId id="688" r:id="rId15"/>
-    <p:sldId id="690" r:id="rId16"/>
-    <p:sldId id="691" r:id="rId17"/>
-    <p:sldId id="692" r:id="rId18"/>
-    <p:sldId id="693" r:id="rId19"/>
-    <p:sldId id="694" r:id="rId20"/>
-    <p:sldId id="695" r:id="rId21"/>
-    <p:sldId id="699" r:id="rId22"/>
+    <p:sldId id="689" r:id="rId4"/>
+    <p:sldId id="688" r:id="rId5"/>
+    <p:sldId id="690" r:id="rId6"/>
+    <p:sldId id="691" r:id="rId7"/>
+    <p:sldId id="692" r:id="rId8"/>
+    <p:sldId id="693" r:id="rId9"/>
+    <p:sldId id="694" r:id="rId10"/>
+    <p:sldId id="695" r:id="rId11"/>
+    <p:sldId id="699" r:id="rId12"/>
+    <p:sldId id="701" r:id="rId13"/>
+    <p:sldId id="681" r:id="rId14"/>
+    <p:sldId id="682" r:id="rId15"/>
+    <p:sldId id="683" r:id="rId16"/>
+    <p:sldId id="684" r:id="rId17"/>
+    <p:sldId id="686" r:id="rId18"/>
+    <p:sldId id="685" r:id="rId19"/>
+    <p:sldId id="687" r:id="rId20"/>
+    <p:sldId id="696" r:id="rId21"/>
+    <p:sldId id="697" r:id="rId22"/>
+    <p:sldId id="698" r:id="rId23"/>
+    <p:sldId id="700" r:id="rId24"/>
   </p:sldIdLst>
   <p:sldSz cx="12192000" cy="6858000"/>
   <p:notesSz cx="7102475" cy="10234613"/>
@@ -217,7 +219,7 @@
           <a:p>
             <a:fld id="{9CF176CD-15D1-4787-BBAA-B7F61FF9E394}" type="datetimeFigureOut">
               <a:rPr lang="en-GB" smtClean="0"/>
-              <a:t>05/05/2025</a:t>
+              <a:t>06/05/2025</a:t>
             </a:fld>
             <a:endParaRPr lang="en-GB"/>
           </a:p>
@@ -616,7 +618,7 @@
           <a:p>
             <a:fld id="{C56CA8F5-E68A-4115-9C25-E96C286CB035}" type="datetime1">
               <a:rPr lang="en-GB" smtClean="0"/>
-              <a:t>05/05/2025</a:t>
+              <a:t>06/05/2025</a:t>
             </a:fld>
             <a:endParaRPr lang="en-GB"/>
           </a:p>
@@ -786,7 +788,7 @@
           <a:p>
             <a:fld id="{7FD65654-1D4B-4B33-B8CE-F5581D9C13AC}" type="datetime1">
               <a:rPr lang="en-GB" smtClean="0"/>
-              <a:t>05/05/2025</a:t>
+              <a:t>06/05/2025</a:t>
             </a:fld>
             <a:endParaRPr lang="en-GB"/>
           </a:p>
@@ -966,7 +968,7 @@
           <a:p>
             <a:fld id="{50B3557C-D1F8-4213-9381-806C9A51FC91}" type="datetime1">
               <a:rPr lang="en-GB" smtClean="0"/>
-              <a:t>05/05/2025</a:t>
+              <a:t>06/05/2025</a:t>
             </a:fld>
             <a:endParaRPr lang="en-GB"/>
           </a:p>
@@ -1136,7 +1138,7 @@
           <a:p>
             <a:fld id="{5EAB202B-C763-46C3-A636-9DFD853B4605}" type="datetime1">
               <a:rPr lang="en-GB" smtClean="0"/>
-              <a:t>05/05/2025</a:t>
+              <a:t>06/05/2025</a:t>
             </a:fld>
             <a:endParaRPr lang="en-GB"/>
           </a:p>
@@ -1382,7 +1384,7 @@
           <a:p>
             <a:fld id="{D381E87C-49EE-449B-BBE1-C8D9F03709E3}" type="datetime1">
               <a:rPr lang="en-GB" smtClean="0"/>
-              <a:t>05/05/2025</a:t>
+              <a:t>06/05/2025</a:t>
             </a:fld>
             <a:endParaRPr lang="en-GB"/>
           </a:p>
@@ -1614,7 +1616,7 @@
           <a:p>
             <a:fld id="{E72DF79F-283F-4921-8EFE-03DC0706D514}" type="datetime1">
               <a:rPr lang="en-GB" smtClean="0"/>
-              <a:t>05/05/2025</a:t>
+              <a:t>06/05/2025</a:t>
             </a:fld>
             <a:endParaRPr lang="en-GB"/>
           </a:p>
@@ -1981,7 +1983,7 @@
           <a:p>
             <a:fld id="{FAB6B75B-49C2-4C52-A9AA-29208F1CA2A2}" type="datetime1">
               <a:rPr lang="en-GB" smtClean="0"/>
-              <a:t>05/05/2025</a:t>
+              <a:t>06/05/2025</a:t>
             </a:fld>
             <a:endParaRPr lang="en-GB"/>
           </a:p>
@@ -2099,7 +2101,7 @@
           <a:p>
             <a:fld id="{1338CB34-9D44-4B11-81FA-362E39680C1C}" type="datetime1">
               <a:rPr lang="en-GB" smtClean="0"/>
-              <a:t>05/05/2025</a:t>
+              <a:t>06/05/2025</a:t>
             </a:fld>
             <a:endParaRPr lang="en-GB"/>
           </a:p>
@@ -2194,7 +2196,7 @@
           <a:p>
             <a:fld id="{A4CEA9AC-502E-4271-B4D2-4510E701B0BB}" type="datetime1">
               <a:rPr lang="en-GB" smtClean="0"/>
-              <a:t>05/05/2025</a:t>
+              <a:t>06/05/2025</a:t>
             </a:fld>
             <a:endParaRPr lang="en-GB"/>
           </a:p>
@@ -2471,7 +2473,7 @@
           <a:p>
             <a:fld id="{5CDFC0ED-09ED-410F-BE71-C5A0E5CAF45C}" type="datetime1">
               <a:rPr lang="en-GB" smtClean="0"/>
-              <a:t>05/05/2025</a:t>
+              <a:t>06/05/2025</a:t>
             </a:fld>
             <a:endParaRPr lang="en-GB"/>
           </a:p>
@@ -2724,7 +2726,7 @@
           <a:p>
             <a:fld id="{3BB4F426-D937-485B-A737-9052C677CC14}" type="datetime1">
               <a:rPr lang="en-GB" smtClean="0"/>
-              <a:t>05/05/2025</a:t>
+              <a:t>06/05/2025</a:t>
             </a:fld>
             <a:endParaRPr lang="en-GB"/>
           </a:p>
@@ -2937,7 +2939,7 @@
           <a:p>
             <a:fld id="{5029E2CA-F4BC-40A0-B78C-A9A7478F92E3}" type="datetime1">
               <a:rPr lang="en-GB" smtClean="0"/>
-              <a:t>05/05/2025</a:t>
+              <a:t>06/05/2025</a:t>
             </a:fld>
             <a:endParaRPr lang="en-GB"/>
           </a:p>
@@ -3433,2353 +3435,6 @@
   <p:cSld>
     <p:spTree>
       <p:nvGrpSpPr>
-        <p:cNvPr id="1" name="">
-          <a:extLst>
-            <a:ext uri="{FF2B5EF4-FFF2-40B4-BE49-F238E27FC236}">
-              <a16:creationId xmlns:a16="http://schemas.microsoft.com/office/drawing/2014/main" id="{EAD5DFBF-B798-CF04-ADA3-3689E905BF92}"/>
-            </a:ext>
-          </a:extLst>
-        </p:cNvPr>
-        <p:cNvGrpSpPr/>
-        <p:nvPr/>
-      </p:nvGrpSpPr>
-      <p:grpSpPr>
-        <a:xfrm>
-          <a:off x="0" y="0"/>
-          <a:ext cx="0" cy="0"/>
-          <a:chOff x="0" y="0"/>
-          <a:chExt cx="0" cy="0"/>
-        </a:xfrm>
-      </p:grpSpPr>
-      <p:sp>
-        <p:nvSpPr>
-          <p:cNvPr id="6" name="Title 5">
-            <a:extLst>
-              <a:ext uri="{FF2B5EF4-FFF2-40B4-BE49-F238E27FC236}">
-                <a16:creationId xmlns:a16="http://schemas.microsoft.com/office/drawing/2014/main" id="{4233CD83-0AB0-CAF3-771E-EFE74826BAE7}"/>
-              </a:ext>
-            </a:extLst>
-          </p:cNvPr>
-          <p:cNvSpPr>
-            <a:spLocks noGrp="1"/>
-          </p:cNvSpPr>
-          <p:nvPr>
-            <p:ph type="title"/>
-          </p:nvPr>
-        </p:nvSpPr>
-        <p:spPr/>
-        <p:txBody>
-          <a:bodyPr/>
-          <a:lstStyle/>
-          <a:p>
-            <a:endParaRPr lang="en-IL"/>
-          </a:p>
-        </p:txBody>
-      </p:sp>
-      <p:sp>
-        <p:nvSpPr>
-          <p:cNvPr id="7" name="Text Placeholder 6">
-            <a:extLst>
-              <a:ext uri="{FF2B5EF4-FFF2-40B4-BE49-F238E27FC236}">
-                <a16:creationId xmlns:a16="http://schemas.microsoft.com/office/drawing/2014/main" id="{A70E4589-AB26-9C3B-D278-539103CF2E97}"/>
-              </a:ext>
-            </a:extLst>
-          </p:cNvPr>
-          <p:cNvSpPr>
-            <a:spLocks noGrp="1"/>
-          </p:cNvSpPr>
-          <p:nvPr>
-            <p:ph type="body" idx="1"/>
-          </p:nvPr>
-        </p:nvSpPr>
-        <p:spPr/>
-        <p:txBody>
-          <a:bodyPr>
-            <a:normAutofit/>
-          </a:bodyPr>
-          <a:lstStyle/>
-          <a:p>
-            <a:pPr algn="ctr"/>
-            <a:r>
-              <a:rPr lang="en-US" sz="7200" dirty="0"/>
-              <a:t>8C ROPE and HDI</a:t>
-            </a:r>
-            <a:endParaRPr lang="en-IL" sz="7200" dirty="0"/>
-          </a:p>
-        </p:txBody>
-      </p:sp>
-      <p:sp>
-        <p:nvSpPr>
-          <p:cNvPr id="5" name="Slide Number Placeholder 4">
-            <a:extLst>
-              <a:ext uri="{FF2B5EF4-FFF2-40B4-BE49-F238E27FC236}">
-                <a16:creationId xmlns:a16="http://schemas.microsoft.com/office/drawing/2014/main" id="{C11B7548-CF5F-DCF2-B922-E4E5982FC176}"/>
-              </a:ext>
-            </a:extLst>
-          </p:cNvPr>
-          <p:cNvSpPr>
-            <a:spLocks noGrp="1"/>
-          </p:cNvSpPr>
-          <p:nvPr>
-            <p:ph type="sldNum" sz="quarter" idx="12"/>
-          </p:nvPr>
-        </p:nvSpPr>
-        <p:spPr/>
-        <p:txBody>
-          <a:bodyPr/>
-          <a:lstStyle/>
-          <a:p>
-            <a:pPr>
-              <a:defRPr/>
-            </a:pPr>
-            <a:fld id="{3469EAC8-EFAD-49DA-A425-6225312A328A}" type="slidenum">
-              <a:rPr lang="he-IL" altLang="en-US" smtClean="0"/>
-              <a:pPr>
-                <a:defRPr/>
-              </a:pPr>
-              <a:t>10</a:t>
-            </a:fld>
-            <a:r>
-              <a:rPr lang="en-US" altLang="en-US"/>
-              <a:t> /  72</a:t>
-            </a:r>
-          </a:p>
-        </p:txBody>
-      </p:sp>
-    </p:spTree>
-    <p:extLst>
-      <p:ext uri="{BB962C8B-B14F-4D97-AF65-F5344CB8AC3E}">
-        <p14:creationId xmlns:p14="http://schemas.microsoft.com/office/powerpoint/2010/main" val="1108716515"/>
-      </p:ext>
-    </p:extLst>
-  </p:cSld>
-  <p:clrMapOvr>
-    <a:masterClrMapping/>
-  </p:clrMapOvr>
-</p:sld>
-</file>
-
-<file path=ppt/slides/slide11.xml><?xml version="1.0" encoding="utf-8"?>
-<p:sld xmlns:a="http://schemas.openxmlformats.org/drawingml/2006/main" xmlns:r="http://schemas.openxmlformats.org/officeDocument/2006/relationships" xmlns:p="http://schemas.openxmlformats.org/presentationml/2006/main">
-  <p:cSld>
-    <p:spTree>
-      <p:nvGrpSpPr>
-        <p:cNvPr id="1" name=""/>
-        <p:cNvGrpSpPr/>
-        <p:nvPr/>
-      </p:nvGrpSpPr>
-      <p:grpSpPr>
-        <a:xfrm>
-          <a:off x="0" y="0"/>
-          <a:ext cx="0" cy="0"/>
-          <a:chOff x="0" y="0"/>
-          <a:chExt cx="0" cy="0"/>
-        </a:xfrm>
-      </p:grpSpPr>
-      <p:sp>
-        <p:nvSpPr>
-          <p:cNvPr id="5" name="Title 4">
-            <a:extLst>
-              <a:ext uri="{FF2B5EF4-FFF2-40B4-BE49-F238E27FC236}">
-                <a16:creationId xmlns:a16="http://schemas.microsoft.com/office/drawing/2014/main" id="{20DDEC64-0068-DE7D-62C6-8A672128E205}"/>
-              </a:ext>
-            </a:extLst>
-          </p:cNvPr>
-          <p:cNvSpPr>
-            <a:spLocks noGrp="1"/>
-          </p:cNvSpPr>
-          <p:nvPr>
-            <p:ph type="title"/>
-          </p:nvPr>
-        </p:nvSpPr>
-        <p:spPr/>
-        <p:txBody>
-          <a:bodyPr/>
-          <a:lstStyle/>
-          <a:p>
-            <a:r>
-              <a:rPr lang="en-US" dirty="0"/>
-              <a:t>Reminder: Using the HDI and the ROPE</a:t>
-            </a:r>
-            <a:endParaRPr lang="en-IL" dirty="0"/>
-          </a:p>
-        </p:txBody>
-      </p:sp>
-      <p:sp>
-        <p:nvSpPr>
-          <p:cNvPr id="7" name="Content Placeholder 6">
-            <a:extLst>
-              <a:ext uri="{FF2B5EF4-FFF2-40B4-BE49-F238E27FC236}">
-                <a16:creationId xmlns:a16="http://schemas.microsoft.com/office/drawing/2014/main" id="{855310EE-A75E-A0E5-AF3E-A628A9A7C85A}"/>
-              </a:ext>
-            </a:extLst>
-          </p:cNvPr>
-          <p:cNvSpPr>
-            <a:spLocks noGrp="1"/>
-          </p:cNvSpPr>
-          <p:nvPr>
-            <p:ph idx="1"/>
-          </p:nvPr>
-        </p:nvSpPr>
-        <p:spPr>
-          <a:xfrm>
-            <a:off x="368820" y="1825625"/>
-            <a:ext cx="5405816" cy="4351338"/>
-          </a:xfrm>
-        </p:spPr>
-        <p:txBody>
-          <a:bodyPr/>
-          <a:lstStyle/>
-          <a:p>
-            <a:r>
-              <a:rPr lang="en-US" dirty="0"/>
-              <a:t>HDI doesn’t overlap ROPE</a:t>
-            </a:r>
-          </a:p>
-          <a:p>
-            <a:pPr lvl="1"/>
-            <a:r>
-              <a:rPr lang="en-US" dirty="0"/>
-              <a:t>Reject null model</a:t>
-            </a:r>
-          </a:p>
-          <a:p>
-            <a:pPr lvl="2"/>
-            <a:r>
-              <a:rPr lang="en-US" dirty="0"/>
-              <a:t>Falsified!!</a:t>
-            </a:r>
-          </a:p>
-          <a:p>
-            <a:pPr lvl="1"/>
-            <a:r>
-              <a:rPr lang="en-US" dirty="0"/>
-              <a:t>Popperian hypothesis testing</a:t>
-            </a:r>
-          </a:p>
-          <a:p>
-            <a:r>
-              <a:rPr lang="en-US" dirty="0"/>
-              <a:t>HDI within ROPE</a:t>
-            </a:r>
-          </a:p>
-          <a:p>
-            <a:pPr lvl="1"/>
-            <a:r>
-              <a:rPr lang="en-US" dirty="0"/>
-              <a:t>Accept null model?</a:t>
-            </a:r>
-          </a:p>
-          <a:p>
-            <a:pPr lvl="2"/>
-            <a:r>
-              <a:rPr lang="en-US" dirty="0"/>
-              <a:t>Falsify vague alternative possibilities</a:t>
-            </a:r>
-          </a:p>
-          <a:p>
-            <a:r>
-              <a:rPr lang="en-US" dirty="0"/>
-              <a:t>Otherwise</a:t>
-            </a:r>
-          </a:p>
-          <a:p>
-            <a:pPr lvl="1"/>
-            <a:r>
-              <a:rPr lang="en-US" dirty="0"/>
-              <a:t>Inconclusive</a:t>
-            </a:r>
-          </a:p>
-          <a:p>
-            <a:pPr lvl="2"/>
-            <a:r>
-              <a:rPr lang="en-US" dirty="0"/>
-              <a:t>Get more data or rethink experiment</a:t>
-            </a:r>
-          </a:p>
-          <a:p>
-            <a:endParaRPr lang="en-IL" dirty="0"/>
-          </a:p>
-        </p:txBody>
-      </p:sp>
-      <p:sp>
-        <p:nvSpPr>
-          <p:cNvPr id="4" name="Slide Number Placeholder 3">
-            <a:extLst>
-              <a:ext uri="{FF2B5EF4-FFF2-40B4-BE49-F238E27FC236}">
-                <a16:creationId xmlns:a16="http://schemas.microsoft.com/office/drawing/2014/main" id="{70688E58-C718-A7C3-F7A8-2E5438284652}"/>
-              </a:ext>
-            </a:extLst>
-          </p:cNvPr>
-          <p:cNvSpPr>
-            <a:spLocks noGrp="1"/>
-          </p:cNvSpPr>
-          <p:nvPr>
-            <p:ph type="sldNum" sz="quarter" idx="12"/>
-          </p:nvPr>
-        </p:nvSpPr>
-        <p:spPr/>
-        <p:txBody>
-          <a:bodyPr/>
-          <a:lstStyle/>
-          <a:p>
-            <a:fld id="{E0DC7AD3-7C2E-418B-8082-788996B615FB}" type="slidenum">
-              <a:rPr lang="en-GB" smtClean="0"/>
-              <a:t>11</a:t>
-            </a:fld>
-            <a:endParaRPr lang="en-GB"/>
-          </a:p>
-        </p:txBody>
-      </p:sp>
-      <p:pic>
-        <p:nvPicPr>
-          <p:cNvPr id="6" name="Picture 5">
-            <a:extLst>
-              <a:ext uri="{FF2B5EF4-FFF2-40B4-BE49-F238E27FC236}">
-                <a16:creationId xmlns:a16="http://schemas.microsoft.com/office/drawing/2014/main" id="{361954E3-BAE5-9D8D-0746-85FC36E50B05}"/>
-              </a:ext>
-            </a:extLst>
-          </p:cNvPr>
-          <p:cNvPicPr>
-            <a:picLocks noChangeAspect="1"/>
-          </p:cNvPicPr>
-          <p:nvPr/>
-        </p:nvPicPr>
-        <p:blipFill>
-          <a:blip r:embed="rId2" cstate="email">
-            <a:extLst>
-              <a:ext uri="{28A0092B-C50C-407E-A947-70E740481C1C}">
-                <a14:useLocalDpi xmlns:a14="http://schemas.microsoft.com/office/drawing/2010/main" val="0"/>
-              </a:ext>
-            </a:extLst>
-          </a:blip>
-          <a:srcRect/>
-          <a:stretch/>
-        </p:blipFill>
-        <p:spPr>
-          <a:xfrm>
-            <a:off x="6241135" y="1570381"/>
-            <a:ext cx="5582046" cy="4922493"/>
-          </a:xfrm>
-          <a:prstGeom prst="rect">
-            <a:avLst/>
-          </a:prstGeom>
-        </p:spPr>
-      </p:pic>
-    </p:spTree>
-    <p:extLst>
-      <p:ext uri="{BB962C8B-B14F-4D97-AF65-F5344CB8AC3E}">
-        <p14:creationId xmlns:p14="http://schemas.microsoft.com/office/powerpoint/2010/main" val="3013090218"/>
-      </p:ext>
-    </p:extLst>
-  </p:cSld>
-  <p:clrMapOvr>
-    <a:masterClrMapping/>
-  </p:clrMapOvr>
-</p:sld>
-</file>
-
-<file path=ppt/slides/slide12.xml><?xml version="1.0" encoding="utf-8"?>
-<p:sld xmlns:a="http://schemas.openxmlformats.org/drawingml/2006/main" xmlns:r="http://schemas.openxmlformats.org/officeDocument/2006/relationships" xmlns:p="http://schemas.openxmlformats.org/presentationml/2006/main">
-  <p:cSld>
-    <p:spTree>
-      <p:nvGrpSpPr>
-        <p:cNvPr id="1" name=""/>
-        <p:cNvGrpSpPr/>
-        <p:nvPr/>
-      </p:nvGrpSpPr>
-      <p:grpSpPr>
-        <a:xfrm>
-          <a:off x="0" y="0"/>
-          <a:ext cx="0" cy="0"/>
-          <a:chOff x="0" y="0"/>
-          <a:chExt cx="0" cy="0"/>
-        </a:xfrm>
-      </p:grpSpPr>
-      <p:sp>
-        <p:nvSpPr>
-          <p:cNvPr id="2" name="Title 1">
-            <a:extLst>
-              <a:ext uri="{FF2B5EF4-FFF2-40B4-BE49-F238E27FC236}">
-                <a16:creationId xmlns:a16="http://schemas.microsoft.com/office/drawing/2014/main" id="{CF43A61F-EA9B-3E7F-299E-3CB559DFD5F4}"/>
-              </a:ext>
-            </a:extLst>
-          </p:cNvPr>
-          <p:cNvSpPr>
-            <a:spLocks noGrp="1"/>
-          </p:cNvSpPr>
-          <p:nvPr>
-            <p:ph type="title"/>
-          </p:nvPr>
-        </p:nvSpPr>
-        <p:spPr/>
-        <p:txBody>
-          <a:bodyPr/>
-          <a:lstStyle/>
-          <a:p>
-            <a:r>
-              <a:rPr lang="en-US" dirty="0"/>
-              <a:t>HDI and ROPE as model comparison</a:t>
-            </a:r>
-            <a:endParaRPr lang="en-IL" dirty="0"/>
-          </a:p>
-        </p:txBody>
-      </p:sp>
-      <p:sp>
-        <p:nvSpPr>
-          <p:cNvPr id="3" name="Content Placeholder 2">
-            <a:extLst>
-              <a:ext uri="{FF2B5EF4-FFF2-40B4-BE49-F238E27FC236}">
-                <a16:creationId xmlns:a16="http://schemas.microsoft.com/office/drawing/2014/main" id="{6975D424-FAAB-FEC5-D502-A5A0A00C7BEF}"/>
-              </a:ext>
-            </a:extLst>
-          </p:cNvPr>
-          <p:cNvSpPr>
-            <a:spLocks noGrp="1"/>
-          </p:cNvSpPr>
-          <p:nvPr>
-            <p:ph sz="half" idx="1"/>
-          </p:nvPr>
-        </p:nvSpPr>
-        <p:spPr/>
-        <p:txBody>
-          <a:bodyPr>
-            <a:normAutofit/>
-          </a:bodyPr>
-          <a:lstStyle/>
-          <a:p>
-            <a:r>
-              <a:rPr lang="en-US" dirty="0"/>
-              <a:t>Compare</a:t>
-            </a:r>
-          </a:p>
-          <a:p>
-            <a:pPr lvl="1"/>
-            <a:r>
-              <a:rPr lang="en-US" dirty="0"/>
-              <a:t>A model centered near the null value</a:t>
-            </a:r>
-          </a:p>
-          <a:p>
-            <a:pPr lvl="1"/>
-            <a:r>
-              <a:rPr lang="en-US" dirty="0"/>
-              <a:t>All other models</a:t>
-            </a:r>
-          </a:p>
-          <a:p>
-            <a:r>
-              <a:rPr lang="en-US" dirty="0"/>
-              <a:t>If one is falsified</a:t>
-            </a:r>
-          </a:p>
-          <a:p>
-            <a:pPr lvl="1"/>
-            <a:r>
-              <a:rPr lang="en-US" dirty="0"/>
-              <a:t>The other model is better</a:t>
-            </a:r>
-          </a:p>
-          <a:p>
-            <a:pPr lvl="1"/>
-            <a:endParaRPr lang="en-US" dirty="0"/>
-          </a:p>
-        </p:txBody>
-      </p:sp>
-      <p:sp>
-        <p:nvSpPr>
-          <p:cNvPr id="5" name="Content Placeholder 4">
-            <a:extLst>
-              <a:ext uri="{FF2B5EF4-FFF2-40B4-BE49-F238E27FC236}">
-                <a16:creationId xmlns:a16="http://schemas.microsoft.com/office/drawing/2014/main" id="{65713EF7-36C3-B0F4-E2B1-43696DD4C5DE}"/>
-              </a:ext>
-            </a:extLst>
-          </p:cNvPr>
-          <p:cNvSpPr>
-            <a:spLocks noGrp="1"/>
-          </p:cNvSpPr>
-          <p:nvPr>
-            <p:ph sz="half" idx="2"/>
-          </p:nvPr>
-        </p:nvSpPr>
-        <p:spPr/>
-        <p:txBody>
-          <a:bodyPr>
-            <a:normAutofit/>
-          </a:bodyPr>
-          <a:lstStyle/>
-          <a:p>
-            <a:r>
-              <a:rPr lang="en-US" dirty="0"/>
-              <a:t>Weaknesses</a:t>
-            </a:r>
-          </a:p>
-          <a:p>
-            <a:pPr lvl="1"/>
-            <a:r>
-              <a:rPr lang="en-US" dirty="0"/>
-              <a:t>Arbitrary ROPE</a:t>
-            </a:r>
-          </a:p>
-          <a:p>
-            <a:pPr lvl="1"/>
-            <a:r>
-              <a:rPr lang="en-US" dirty="0"/>
-              <a:t>Arbitrary HDI width</a:t>
-            </a:r>
-          </a:p>
-          <a:p>
-            <a:pPr lvl="1"/>
-            <a:r>
-              <a:rPr lang="en-US" dirty="0"/>
-              <a:t>Poorly specified alternatives</a:t>
-            </a:r>
-            <a:endParaRPr lang="en-IL" dirty="0"/>
-          </a:p>
-          <a:p>
-            <a:r>
-              <a:rPr lang="en-US" dirty="0"/>
-              <a:t>Strengths</a:t>
-            </a:r>
-          </a:p>
-          <a:p>
-            <a:pPr lvl="1"/>
-            <a:r>
-              <a:rPr lang="en-US" dirty="0"/>
-              <a:t>Simple to apply</a:t>
-            </a:r>
-          </a:p>
-          <a:p>
-            <a:pPr lvl="1"/>
-            <a:r>
-              <a:rPr lang="en-US" dirty="0"/>
-              <a:t>Simple to understand</a:t>
-            </a:r>
-          </a:p>
-          <a:p>
-            <a:pPr lvl="1"/>
-            <a:r>
-              <a:rPr lang="en-US" dirty="0"/>
-              <a:t>Clear parallels in frequentist methods</a:t>
-            </a:r>
-          </a:p>
-        </p:txBody>
-      </p:sp>
-      <p:sp>
-        <p:nvSpPr>
-          <p:cNvPr id="4" name="Slide Number Placeholder 3">
-            <a:extLst>
-              <a:ext uri="{FF2B5EF4-FFF2-40B4-BE49-F238E27FC236}">
-                <a16:creationId xmlns:a16="http://schemas.microsoft.com/office/drawing/2014/main" id="{0DCBD676-9BE5-5B74-1A5E-07B140707ED0}"/>
-              </a:ext>
-            </a:extLst>
-          </p:cNvPr>
-          <p:cNvSpPr>
-            <a:spLocks noGrp="1"/>
-          </p:cNvSpPr>
-          <p:nvPr>
-            <p:ph type="sldNum" sz="quarter" idx="12"/>
-          </p:nvPr>
-        </p:nvSpPr>
-        <p:spPr/>
-        <p:txBody>
-          <a:bodyPr/>
-          <a:lstStyle/>
-          <a:p>
-            <a:fld id="{E0DC7AD3-7C2E-418B-8082-788996B615FB}" type="slidenum">
-              <a:rPr lang="en-GB" smtClean="0"/>
-              <a:t>12</a:t>
-            </a:fld>
-            <a:endParaRPr lang="en-GB"/>
-          </a:p>
-        </p:txBody>
-      </p:sp>
-    </p:spTree>
-    <p:extLst>
-      <p:ext uri="{BB962C8B-B14F-4D97-AF65-F5344CB8AC3E}">
-        <p14:creationId xmlns:p14="http://schemas.microsoft.com/office/powerpoint/2010/main" val="578022685"/>
-      </p:ext>
-    </p:extLst>
-  </p:cSld>
-  <p:clrMapOvr>
-    <a:masterClrMapping/>
-  </p:clrMapOvr>
-</p:sld>
-</file>
-
-<file path=ppt/slides/slide13.xml><?xml version="1.0" encoding="utf-8"?>
-<p:sld xmlns:a="http://schemas.openxmlformats.org/drawingml/2006/main" xmlns:r="http://schemas.openxmlformats.org/officeDocument/2006/relationships" xmlns:p="http://schemas.openxmlformats.org/presentationml/2006/main">
-  <p:cSld>
-    <p:spTree>
-      <p:nvGrpSpPr>
-        <p:cNvPr id="1" name="">
-          <a:extLst>
-            <a:ext uri="{FF2B5EF4-FFF2-40B4-BE49-F238E27FC236}">
-              <a16:creationId xmlns:a16="http://schemas.microsoft.com/office/drawing/2014/main" id="{42324501-CF21-4119-1252-FA5CBAEBF296}"/>
-            </a:ext>
-          </a:extLst>
-        </p:cNvPr>
-        <p:cNvGrpSpPr/>
-        <p:nvPr/>
-      </p:nvGrpSpPr>
-      <p:grpSpPr>
-        <a:xfrm>
-          <a:off x="0" y="0"/>
-          <a:ext cx="0" cy="0"/>
-          <a:chOff x="0" y="0"/>
-          <a:chExt cx="0" cy="0"/>
-        </a:xfrm>
-      </p:grpSpPr>
-      <p:sp>
-        <p:nvSpPr>
-          <p:cNvPr id="6" name="Title 5">
-            <a:extLst>
-              <a:ext uri="{FF2B5EF4-FFF2-40B4-BE49-F238E27FC236}">
-                <a16:creationId xmlns:a16="http://schemas.microsoft.com/office/drawing/2014/main" id="{92F8815B-65D2-3D74-FECC-90AB1A240C72}"/>
-              </a:ext>
-            </a:extLst>
-          </p:cNvPr>
-          <p:cNvSpPr>
-            <a:spLocks noGrp="1"/>
-          </p:cNvSpPr>
-          <p:nvPr>
-            <p:ph type="title"/>
-          </p:nvPr>
-        </p:nvSpPr>
-        <p:spPr/>
-        <p:txBody>
-          <a:bodyPr/>
-          <a:lstStyle/>
-          <a:p>
-            <a:endParaRPr lang="en-IL"/>
-          </a:p>
-        </p:txBody>
-      </p:sp>
-      <p:sp>
-        <p:nvSpPr>
-          <p:cNvPr id="7" name="Text Placeholder 6">
-            <a:extLst>
-              <a:ext uri="{FF2B5EF4-FFF2-40B4-BE49-F238E27FC236}">
-                <a16:creationId xmlns:a16="http://schemas.microsoft.com/office/drawing/2014/main" id="{6022E3A7-54C1-F892-6552-809F16904057}"/>
-              </a:ext>
-            </a:extLst>
-          </p:cNvPr>
-          <p:cNvSpPr>
-            <a:spLocks noGrp="1"/>
-          </p:cNvSpPr>
-          <p:nvPr>
-            <p:ph type="body" idx="1"/>
-          </p:nvPr>
-        </p:nvSpPr>
-        <p:spPr/>
-        <p:txBody>
-          <a:bodyPr>
-            <a:normAutofit fontScale="85000" lnSpcReduction="10000"/>
-          </a:bodyPr>
-          <a:lstStyle/>
-          <a:p>
-            <a:pPr algn="ctr"/>
-            <a:r>
-              <a:rPr lang="en-US" sz="7200" dirty="0"/>
-              <a:t>8C Overfitting and underfitting</a:t>
-            </a:r>
-            <a:endParaRPr lang="en-IL" sz="7200" dirty="0"/>
-          </a:p>
-        </p:txBody>
-      </p:sp>
-      <p:sp>
-        <p:nvSpPr>
-          <p:cNvPr id="5" name="Slide Number Placeholder 4">
-            <a:extLst>
-              <a:ext uri="{FF2B5EF4-FFF2-40B4-BE49-F238E27FC236}">
-                <a16:creationId xmlns:a16="http://schemas.microsoft.com/office/drawing/2014/main" id="{3C7D7606-2528-021C-25F9-6CA56999FCC7}"/>
-              </a:ext>
-            </a:extLst>
-          </p:cNvPr>
-          <p:cNvSpPr>
-            <a:spLocks noGrp="1"/>
-          </p:cNvSpPr>
-          <p:nvPr>
-            <p:ph type="sldNum" sz="quarter" idx="12"/>
-          </p:nvPr>
-        </p:nvSpPr>
-        <p:spPr/>
-        <p:txBody>
-          <a:bodyPr/>
-          <a:lstStyle/>
-          <a:p>
-            <a:pPr>
-              <a:defRPr/>
-            </a:pPr>
-            <a:fld id="{3469EAC8-EFAD-49DA-A425-6225312A328A}" type="slidenum">
-              <a:rPr lang="he-IL" altLang="en-US" smtClean="0"/>
-              <a:pPr>
-                <a:defRPr/>
-              </a:pPr>
-              <a:t>13</a:t>
-            </a:fld>
-            <a:r>
-              <a:rPr lang="en-US" altLang="en-US"/>
-              <a:t> /  72</a:t>
-            </a:r>
-          </a:p>
-        </p:txBody>
-      </p:sp>
-    </p:spTree>
-    <p:extLst>
-      <p:ext uri="{BB962C8B-B14F-4D97-AF65-F5344CB8AC3E}">
-        <p14:creationId xmlns:p14="http://schemas.microsoft.com/office/powerpoint/2010/main" val="1054043426"/>
-      </p:ext>
-    </p:extLst>
-  </p:cSld>
-  <p:clrMapOvr>
-    <a:masterClrMapping/>
-  </p:clrMapOvr>
-</p:sld>
-</file>
-
-<file path=ppt/slides/slide14.xml><?xml version="1.0" encoding="utf-8"?>
-<p:sld xmlns:a="http://schemas.openxmlformats.org/drawingml/2006/main" xmlns:r="http://schemas.openxmlformats.org/officeDocument/2006/relationships" xmlns:p="http://schemas.openxmlformats.org/presentationml/2006/main">
-  <p:cSld>
-    <p:spTree>
-      <p:nvGrpSpPr>
-        <p:cNvPr id="1" name=""/>
-        <p:cNvGrpSpPr/>
-        <p:nvPr/>
-      </p:nvGrpSpPr>
-      <p:grpSpPr>
-        <a:xfrm>
-          <a:off x="0" y="0"/>
-          <a:ext cx="0" cy="0"/>
-          <a:chOff x="0" y="0"/>
-          <a:chExt cx="0" cy="0"/>
-        </a:xfrm>
-      </p:grpSpPr>
-      <p:sp>
-        <p:nvSpPr>
-          <p:cNvPr id="2" name="Title 1">
-            <a:extLst>
-              <a:ext uri="{FF2B5EF4-FFF2-40B4-BE49-F238E27FC236}">
-                <a16:creationId xmlns:a16="http://schemas.microsoft.com/office/drawing/2014/main" id="{5334833A-A9A2-99D0-40FD-4AFE6D91F890}"/>
-              </a:ext>
-            </a:extLst>
-          </p:cNvPr>
-          <p:cNvSpPr>
-            <a:spLocks noGrp="1"/>
-          </p:cNvSpPr>
-          <p:nvPr>
-            <p:ph type="title"/>
-          </p:nvPr>
-        </p:nvSpPr>
-        <p:spPr>
-          <a:xfrm>
-            <a:off x="838200" y="365125"/>
-            <a:ext cx="10515600" cy="707895"/>
-          </a:xfrm>
-        </p:spPr>
-        <p:txBody>
-          <a:bodyPr/>
-          <a:lstStyle/>
-          <a:p>
-            <a:r>
-              <a:rPr lang="en-US" dirty="0"/>
-              <a:t>Occam’s razor</a:t>
-            </a:r>
-            <a:endParaRPr lang="en-IL" dirty="0"/>
-          </a:p>
-        </p:txBody>
-      </p:sp>
-      <p:sp>
-        <p:nvSpPr>
-          <p:cNvPr id="3" name="Content Placeholder 2">
-            <a:extLst>
-              <a:ext uri="{FF2B5EF4-FFF2-40B4-BE49-F238E27FC236}">
-                <a16:creationId xmlns:a16="http://schemas.microsoft.com/office/drawing/2014/main" id="{58E9E594-3ABB-F879-1353-104420C3CADA}"/>
-              </a:ext>
-            </a:extLst>
-          </p:cNvPr>
-          <p:cNvSpPr>
-            <a:spLocks noGrp="1"/>
-          </p:cNvSpPr>
-          <p:nvPr>
-            <p:ph idx="1"/>
-          </p:nvPr>
-        </p:nvSpPr>
-        <p:spPr>
-          <a:xfrm>
-            <a:off x="838200" y="1117730"/>
-            <a:ext cx="10515600" cy="2642507"/>
-          </a:xfrm>
-        </p:spPr>
-        <p:txBody>
-          <a:bodyPr/>
-          <a:lstStyle/>
-          <a:p>
-            <a:r>
-              <a:rPr lang="en-US" dirty="0"/>
-              <a:t>Given two explanations that both explain the phenomena</a:t>
-            </a:r>
-          </a:p>
-          <a:p>
-            <a:pPr lvl="1"/>
-            <a:r>
-              <a:rPr lang="en-US" dirty="0"/>
-              <a:t>Prefer the simpler</a:t>
-            </a:r>
-          </a:p>
-          <a:p>
-            <a:r>
-              <a:rPr lang="en-US" dirty="0"/>
-              <a:t>William of Ockham 1287-1347</a:t>
-            </a:r>
-          </a:p>
-          <a:p>
-            <a:pPr lvl="1"/>
-            <a:r>
-              <a:rPr lang="en-US" dirty="0"/>
-              <a:t>English Friar and Theologian</a:t>
-            </a:r>
-          </a:p>
-          <a:p>
-            <a:pPr lvl="1"/>
-            <a:r>
-              <a:rPr lang="en-US" dirty="0"/>
-              <a:t>Used the principle effectively</a:t>
-            </a:r>
-          </a:p>
-          <a:p>
-            <a:pPr lvl="1"/>
-            <a:r>
-              <a:rPr lang="en-US" dirty="0"/>
-              <a:t>Attributed to him by philosophers in 1600s</a:t>
-            </a:r>
-          </a:p>
-          <a:p>
-            <a:endParaRPr lang="en-IL" dirty="0"/>
-          </a:p>
-        </p:txBody>
-      </p:sp>
-      <p:sp>
-        <p:nvSpPr>
-          <p:cNvPr id="4" name="Slide Number Placeholder 3">
-            <a:extLst>
-              <a:ext uri="{FF2B5EF4-FFF2-40B4-BE49-F238E27FC236}">
-                <a16:creationId xmlns:a16="http://schemas.microsoft.com/office/drawing/2014/main" id="{F4A45E16-C23F-1007-B386-5BE016144128}"/>
-              </a:ext>
-            </a:extLst>
-          </p:cNvPr>
-          <p:cNvSpPr>
-            <a:spLocks noGrp="1"/>
-          </p:cNvSpPr>
-          <p:nvPr>
-            <p:ph type="sldNum" sz="quarter" idx="12"/>
-          </p:nvPr>
-        </p:nvSpPr>
-        <p:spPr/>
-        <p:txBody>
-          <a:bodyPr/>
-          <a:lstStyle/>
-          <a:p>
-            <a:fld id="{E0DC7AD3-7C2E-418B-8082-788996B615FB}" type="slidenum">
-              <a:rPr lang="en-GB" smtClean="0"/>
-              <a:t>14</a:t>
-            </a:fld>
-            <a:endParaRPr lang="en-GB"/>
-          </a:p>
-        </p:txBody>
-      </p:sp>
-      <p:sp>
-        <p:nvSpPr>
-          <p:cNvPr id="5" name="Title 1">
-            <a:extLst>
-              <a:ext uri="{FF2B5EF4-FFF2-40B4-BE49-F238E27FC236}">
-                <a16:creationId xmlns:a16="http://schemas.microsoft.com/office/drawing/2014/main" id="{0FB47CB3-E092-4F99-54DF-A3EC40986DA3}"/>
-              </a:ext>
-            </a:extLst>
-          </p:cNvPr>
-          <p:cNvSpPr txBox="1">
-            <a:spLocks/>
-          </p:cNvSpPr>
-          <p:nvPr/>
-        </p:nvSpPr>
-        <p:spPr>
-          <a:xfrm>
-            <a:off x="838200" y="3956183"/>
-            <a:ext cx="10515600" cy="707895"/>
-          </a:xfrm>
-          <a:prstGeom prst="rect">
-            <a:avLst/>
-          </a:prstGeom>
-        </p:spPr>
-        <p:txBody>
-          <a:bodyPr vert="horz" lIns="91440" tIns="45720" rIns="91440" bIns="45720" rtlCol="0" anchor="ctr">
-            <a:normAutofit/>
-          </a:bodyPr>
-          <a:lstStyle>
-            <a:lvl1pPr algn="l" defTabSz="914400" rtl="0" eaLnBrk="1" latinLnBrk="0" hangingPunct="1">
-              <a:lnSpc>
-                <a:spcPct val="90000"/>
-              </a:lnSpc>
-              <a:spcBef>
-                <a:spcPct val="0"/>
-              </a:spcBef>
-              <a:buNone/>
-              <a:defRPr sz="4400" kern="1200">
-                <a:solidFill>
-                  <a:schemeClr val="tx1"/>
-                </a:solidFill>
-                <a:latin typeface="+mj-lt"/>
-                <a:ea typeface="+mj-ea"/>
-                <a:cs typeface="+mj-cs"/>
-              </a:defRPr>
-            </a:lvl1pPr>
-          </a:lstStyle>
-          <a:p>
-            <a:r>
-              <a:rPr lang="en-US" dirty="0" err="1"/>
-              <a:t>Chatton’s</a:t>
-            </a:r>
-            <a:r>
-              <a:rPr lang="en-US" dirty="0"/>
-              <a:t> anti-razor</a:t>
-            </a:r>
-            <a:endParaRPr lang="en-IL" dirty="0"/>
-          </a:p>
-        </p:txBody>
-      </p:sp>
-      <p:sp>
-        <p:nvSpPr>
-          <p:cNvPr id="6" name="Content Placeholder 2">
-            <a:extLst>
-              <a:ext uri="{FF2B5EF4-FFF2-40B4-BE49-F238E27FC236}">
-                <a16:creationId xmlns:a16="http://schemas.microsoft.com/office/drawing/2014/main" id="{BD8BB9CF-94DF-A04A-FDF9-5E1A2888A24A}"/>
-              </a:ext>
-            </a:extLst>
-          </p:cNvPr>
-          <p:cNvSpPr txBox="1">
-            <a:spLocks/>
-          </p:cNvSpPr>
-          <p:nvPr/>
-        </p:nvSpPr>
-        <p:spPr>
-          <a:xfrm>
-            <a:off x="838200" y="4708788"/>
-            <a:ext cx="10515600" cy="1412097"/>
-          </a:xfrm>
-          <a:prstGeom prst="rect">
-            <a:avLst/>
-          </a:prstGeom>
-        </p:spPr>
-        <p:txBody>
-          <a:bodyPr vert="horz" lIns="91440" tIns="45720" rIns="91440" bIns="45720" rtlCol="0">
-            <a:normAutofit/>
-          </a:bodyPr>
-          <a:lstStyle>
-            <a:lvl1pPr marL="228600" indent="-228600" algn="l" defTabSz="914400" rtl="0" eaLnBrk="1" latinLnBrk="0" hangingPunct="1">
-              <a:lnSpc>
-                <a:spcPct val="90000"/>
-              </a:lnSpc>
-              <a:spcBef>
-                <a:spcPts val="1000"/>
-              </a:spcBef>
-              <a:buFont typeface="Arial" panose="020B0604020202020204" pitchFamily="34" charset="0"/>
-              <a:buChar char="•"/>
-              <a:defRPr sz="2800" kern="1200">
-                <a:solidFill>
-                  <a:schemeClr val="tx1"/>
-                </a:solidFill>
-                <a:latin typeface="+mn-lt"/>
-                <a:ea typeface="+mn-ea"/>
-                <a:cs typeface="+mn-cs"/>
-              </a:defRPr>
-            </a:lvl1pPr>
-            <a:lvl2pPr marL="685800" indent="-228600" algn="l" defTabSz="914400" rtl="0" eaLnBrk="1" latinLnBrk="0" hangingPunct="1">
-              <a:lnSpc>
-                <a:spcPct val="90000"/>
-              </a:lnSpc>
-              <a:spcBef>
-                <a:spcPts val="500"/>
-              </a:spcBef>
-              <a:buFont typeface="Arial" panose="020B0604020202020204" pitchFamily="34" charset="0"/>
-              <a:buChar char="•"/>
-              <a:defRPr sz="2400" kern="1200">
-                <a:solidFill>
-                  <a:schemeClr val="tx1"/>
-                </a:solidFill>
-                <a:latin typeface="+mn-lt"/>
-                <a:ea typeface="+mn-ea"/>
-                <a:cs typeface="+mn-cs"/>
-              </a:defRPr>
-            </a:lvl2pPr>
-            <a:lvl3pPr marL="1143000" indent="-228600" algn="l" defTabSz="914400" rtl="0" eaLnBrk="1" latinLnBrk="0" hangingPunct="1">
-              <a:lnSpc>
-                <a:spcPct val="90000"/>
-              </a:lnSpc>
-              <a:spcBef>
-                <a:spcPts val="500"/>
-              </a:spcBef>
-              <a:buFont typeface="Arial" panose="020B0604020202020204" pitchFamily="34" charset="0"/>
-              <a:buChar char="•"/>
-              <a:defRPr sz="2000" kern="1200">
-                <a:solidFill>
-                  <a:schemeClr val="tx1"/>
-                </a:solidFill>
-                <a:latin typeface="+mn-lt"/>
-                <a:ea typeface="+mn-ea"/>
-                <a:cs typeface="+mn-cs"/>
-              </a:defRPr>
-            </a:lvl3pPr>
-            <a:lvl4pPr marL="1600200" indent="-228600" algn="l" defTabSz="914400" rtl="0" eaLnBrk="1" latinLnBrk="0" hangingPunct="1">
-              <a:lnSpc>
-                <a:spcPct val="90000"/>
-              </a:lnSpc>
-              <a:spcBef>
-                <a:spcPts val="500"/>
-              </a:spcBef>
-              <a:buFont typeface="Arial" panose="020B0604020202020204" pitchFamily="34" charset="0"/>
-              <a:buChar char="•"/>
-              <a:defRPr sz="1800" kern="1200">
-                <a:solidFill>
-                  <a:schemeClr val="tx1"/>
-                </a:solidFill>
-                <a:latin typeface="+mn-lt"/>
-                <a:ea typeface="+mn-ea"/>
-                <a:cs typeface="+mn-cs"/>
-              </a:defRPr>
-            </a:lvl4pPr>
-            <a:lvl5pPr marL="2057400" indent="-228600" algn="l" defTabSz="914400" rtl="0" eaLnBrk="1" latinLnBrk="0" hangingPunct="1">
-              <a:lnSpc>
-                <a:spcPct val="90000"/>
-              </a:lnSpc>
-              <a:spcBef>
-                <a:spcPts val="500"/>
-              </a:spcBef>
-              <a:buFont typeface="Arial" panose="020B0604020202020204" pitchFamily="34" charset="0"/>
-              <a:buChar char="•"/>
-              <a:defRPr sz="1800" kern="1200">
-                <a:solidFill>
-                  <a:schemeClr val="tx1"/>
-                </a:solidFill>
-                <a:latin typeface="+mn-lt"/>
-                <a:ea typeface="+mn-ea"/>
-                <a:cs typeface="+mn-cs"/>
-              </a:defRPr>
-            </a:lvl5pPr>
-            <a:lvl6pPr marL="2514600" indent="-228600" algn="l" defTabSz="914400" rtl="0" eaLnBrk="1" latinLnBrk="0" hangingPunct="1">
-              <a:lnSpc>
-                <a:spcPct val="90000"/>
-              </a:lnSpc>
-              <a:spcBef>
-                <a:spcPts val="500"/>
-              </a:spcBef>
-              <a:buFont typeface="Arial" panose="020B0604020202020204" pitchFamily="34" charset="0"/>
-              <a:buChar char="•"/>
-              <a:defRPr sz="1800" kern="1200">
-                <a:solidFill>
-                  <a:schemeClr val="tx1"/>
-                </a:solidFill>
-                <a:latin typeface="+mn-lt"/>
-                <a:ea typeface="+mn-ea"/>
-                <a:cs typeface="+mn-cs"/>
-              </a:defRPr>
-            </a:lvl6pPr>
-            <a:lvl7pPr marL="2971800" indent="-228600" algn="l" defTabSz="914400" rtl="0" eaLnBrk="1" latinLnBrk="0" hangingPunct="1">
-              <a:lnSpc>
-                <a:spcPct val="90000"/>
-              </a:lnSpc>
-              <a:spcBef>
-                <a:spcPts val="500"/>
-              </a:spcBef>
-              <a:buFont typeface="Arial" panose="020B0604020202020204" pitchFamily="34" charset="0"/>
-              <a:buChar char="•"/>
-              <a:defRPr sz="1800" kern="1200">
-                <a:solidFill>
-                  <a:schemeClr val="tx1"/>
-                </a:solidFill>
-                <a:latin typeface="+mn-lt"/>
-                <a:ea typeface="+mn-ea"/>
-                <a:cs typeface="+mn-cs"/>
-              </a:defRPr>
-            </a:lvl7pPr>
-            <a:lvl8pPr marL="3429000" indent="-228600" algn="l" defTabSz="914400" rtl="0" eaLnBrk="1" latinLnBrk="0" hangingPunct="1">
-              <a:lnSpc>
-                <a:spcPct val="90000"/>
-              </a:lnSpc>
-              <a:spcBef>
-                <a:spcPts val="500"/>
-              </a:spcBef>
-              <a:buFont typeface="Arial" panose="020B0604020202020204" pitchFamily="34" charset="0"/>
-              <a:buChar char="•"/>
-              <a:defRPr sz="1800" kern="1200">
-                <a:solidFill>
-                  <a:schemeClr val="tx1"/>
-                </a:solidFill>
-                <a:latin typeface="+mn-lt"/>
-                <a:ea typeface="+mn-ea"/>
-                <a:cs typeface="+mn-cs"/>
-              </a:defRPr>
-            </a:lvl8pPr>
-            <a:lvl9pPr marL="3886200" indent="-228600" algn="l" defTabSz="914400" rtl="0" eaLnBrk="1" latinLnBrk="0" hangingPunct="1">
-              <a:lnSpc>
-                <a:spcPct val="90000"/>
-              </a:lnSpc>
-              <a:spcBef>
-                <a:spcPts val="500"/>
-              </a:spcBef>
-              <a:buFont typeface="Arial" panose="020B0604020202020204" pitchFamily="34" charset="0"/>
-              <a:buChar char="•"/>
-              <a:defRPr sz="1800" kern="1200">
-                <a:solidFill>
-                  <a:schemeClr val="tx1"/>
-                </a:solidFill>
-                <a:latin typeface="+mn-lt"/>
-                <a:ea typeface="+mn-ea"/>
-                <a:cs typeface="+mn-cs"/>
-              </a:defRPr>
-            </a:lvl9pPr>
-          </a:lstStyle>
-          <a:p>
-            <a:r>
-              <a:rPr lang="en-US" dirty="0"/>
-              <a:t>Contemporary disputant of William of Ockham</a:t>
-            </a:r>
-          </a:p>
-          <a:p>
-            <a:r>
-              <a:rPr lang="en-US" dirty="0"/>
-              <a:t>If three assumptions are not enough to explain the phenomena</a:t>
-            </a:r>
-          </a:p>
-          <a:p>
-            <a:pPr lvl="1"/>
-            <a:r>
-              <a:rPr lang="en-US" dirty="0"/>
-              <a:t>A fourth will be necessary</a:t>
-            </a:r>
-          </a:p>
-          <a:p>
-            <a:endParaRPr lang="en-IL" dirty="0"/>
-          </a:p>
-        </p:txBody>
-      </p:sp>
-    </p:spTree>
-    <p:extLst>
-      <p:ext uri="{BB962C8B-B14F-4D97-AF65-F5344CB8AC3E}">
-        <p14:creationId xmlns:p14="http://schemas.microsoft.com/office/powerpoint/2010/main" val="1614905393"/>
-      </p:ext>
-    </p:extLst>
-  </p:cSld>
-  <p:clrMapOvr>
-    <a:masterClrMapping/>
-  </p:clrMapOvr>
-</p:sld>
-</file>
-
-<file path=ppt/slides/slide15.xml><?xml version="1.0" encoding="utf-8"?>
-<p:sld xmlns:a="http://schemas.openxmlformats.org/drawingml/2006/main" xmlns:r="http://schemas.openxmlformats.org/officeDocument/2006/relationships" xmlns:p="http://schemas.openxmlformats.org/presentationml/2006/main">
-  <p:cSld>
-    <p:spTree>
-      <p:nvGrpSpPr>
-        <p:cNvPr id="1" name=""/>
-        <p:cNvGrpSpPr/>
-        <p:nvPr/>
-      </p:nvGrpSpPr>
-      <p:grpSpPr>
-        <a:xfrm>
-          <a:off x="0" y="0"/>
-          <a:ext cx="0" cy="0"/>
-          <a:chOff x="0" y="0"/>
-          <a:chExt cx="0" cy="0"/>
-        </a:xfrm>
-      </p:grpSpPr>
-      <p:sp>
-        <p:nvSpPr>
-          <p:cNvPr id="2" name="Title 1">
-            <a:extLst>
-              <a:ext uri="{FF2B5EF4-FFF2-40B4-BE49-F238E27FC236}">
-                <a16:creationId xmlns:a16="http://schemas.microsoft.com/office/drawing/2014/main" id="{106E984F-6720-DCA6-93DA-50386DAC9E2C}"/>
-              </a:ext>
-            </a:extLst>
-          </p:cNvPr>
-          <p:cNvSpPr>
-            <a:spLocks noGrp="1"/>
-          </p:cNvSpPr>
-          <p:nvPr>
-            <p:ph type="title"/>
-          </p:nvPr>
-        </p:nvSpPr>
-        <p:spPr/>
-        <p:txBody>
-          <a:bodyPr/>
-          <a:lstStyle/>
-          <a:p>
-            <a:r>
-              <a:rPr lang="en-US" dirty="0"/>
-              <a:t>Some data</a:t>
-            </a:r>
-            <a:endParaRPr lang="en-IL" dirty="0"/>
-          </a:p>
-        </p:txBody>
-      </p:sp>
-      <p:sp>
-        <p:nvSpPr>
-          <p:cNvPr id="4" name="Slide Number Placeholder 3">
-            <a:extLst>
-              <a:ext uri="{FF2B5EF4-FFF2-40B4-BE49-F238E27FC236}">
-                <a16:creationId xmlns:a16="http://schemas.microsoft.com/office/drawing/2014/main" id="{82B9D95D-F34D-03DC-9E59-2F393686D7FB}"/>
-              </a:ext>
-            </a:extLst>
-          </p:cNvPr>
-          <p:cNvSpPr>
-            <a:spLocks noGrp="1"/>
-          </p:cNvSpPr>
-          <p:nvPr>
-            <p:ph type="sldNum" sz="quarter" idx="12"/>
-          </p:nvPr>
-        </p:nvSpPr>
-        <p:spPr/>
-        <p:txBody>
-          <a:bodyPr/>
-          <a:lstStyle/>
-          <a:p>
-            <a:fld id="{E0DC7AD3-7C2E-418B-8082-788996B615FB}" type="slidenum">
-              <a:rPr lang="en-GB" smtClean="0"/>
-              <a:t>15</a:t>
-            </a:fld>
-            <a:endParaRPr lang="en-GB"/>
-          </a:p>
-        </p:txBody>
-      </p:sp>
-      <p:pic>
-        <p:nvPicPr>
-          <p:cNvPr id="5" name="Picture 4">
-            <a:extLst>
-              <a:ext uri="{FF2B5EF4-FFF2-40B4-BE49-F238E27FC236}">
-                <a16:creationId xmlns:a16="http://schemas.microsoft.com/office/drawing/2014/main" id="{B5FCDE8D-9DCF-C25A-000E-095C3297DB32}"/>
-              </a:ext>
-            </a:extLst>
-          </p:cNvPr>
-          <p:cNvPicPr>
-            <a:picLocks noChangeAspect="1"/>
-          </p:cNvPicPr>
-          <p:nvPr/>
-        </p:nvPicPr>
-        <p:blipFill>
-          <a:blip r:embed="rId2" cstate="email">
-            <a:extLst>
-              <a:ext uri="{28A0092B-C50C-407E-A947-70E740481C1C}">
-                <a14:useLocalDpi xmlns:a14="http://schemas.microsoft.com/office/drawing/2010/main" val="0"/>
-              </a:ext>
-            </a:extLst>
-          </a:blip>
-          <a:srcRect/>
-          <a:stretch/>
-        </p:blipFill>
-        <p:spPr>
-          <a:xfrm>
-            <a:off x="813417" y="2027721"/>
-            <a:ext cx="10868509" cy="3691943"/>
-          </a:xfrm>
-          <a:prstGeom prst="rect">
-            <a:avLst/>
-          </a:prstGeom>
-        </p:spPr>
-      </p:pic>
-    </p:spTree>
-    <p:extLst>
-      <p:ext uri="{BB962C8B-B14F-4D97-AF65-F5344CB8AC3E}">
-        <p14:creationId xmlns:p14="http://schemas.microsoft.com/office/powerpoint/2010/main" val="428981973"/>
-      </p:ext>
-    </p:extLst>
-  </p:cSld>
-  <p:clrMapOvr>
-    <a:masterClrMapping/>
-  </p:clrMapOvr>
-</p:sld>
-</file>
-
-<file path=ppt/slides/slide16.xml><?xml version="1.0" encoding="utf-8"?>
-<p:sld xmlns:a="http://schemas.openxmlformats.org/drawingml/2006/main" xmlns:r="http://schemas.openxmlformats.org/officeDocument/2006/relationships" xmlns:p="http://schemas.openxmlformats.org/presentationml/2006/main">
-  <p:cSld>
-    <p:spTree>
-      <p:nvGrpSpPr>
-        <p:cNvPr id="1" name="">
-          <a:extLst>
-            <a:ext uri="{FF2B5EF4-FFF2-40B4-BE49-F238E27FC236}">
-              <a16:creationId xmlns:a16="http://schemas.microsoft.com/office/drawing/2014/main" id="{AB771894-79A5-A639-FE3E-8DDED5531A36}"/>
-            </a:ext>
-          </a:extLst>
-        </p:cNvPr>
-        <p:cNvGrpSpPr/>
-        <p:nvPr/>
-      </p:nvGrpSpPr>
-      <p:grpSpPr>
-        <a:xfrm>
-          <a:off x="0" y="0"/>
-          <a:ext cx="0" cy="0"/>
-          <a:chOff x="0" y="0"/>
-          <a:chExt cx="0" cy="0"/>
-        </a:xfrm>
-      </p:grpSpPr>
-      <p:sp>
-        <p:nvSpPr>
-          <p:cNvPr id="2" name="Title 1">
-            <a:extLst>
-              <a:ext uri="{FF2B5EF4-FFF2-40B4-BE49-F238E27FC236}">
-                <a16:creationId xmlns:a16="http://schemas.microsoft.com/office/drawing/2014/main" id="{E4FB70B3-2ADF-E6ED-BFA2-5EEE93D06CF7}"/>
-              </a:ext>
-            </a:extLst>
-          </p:cNvPr>
-          <p:cNvSpPr>
-            <a:spLocks noGrp="1"/>
-          </p:cNvSpPr>
-          <p:nvPr>
-            <p:ph type="title"/>
-          </p:nvPr>
-        </p:nvSpPr>
-        <p:spPr/>
-        <p:txBody>
-          <a:bodyPr/>
-          <a:lstStyle/>
-          <a:p>
-            <a:r>
-              <a:rPr lang="en-US" dirty="0"/>
-              <a:t>A model that underfits</a:t>
-            </a:r>
-            <a:endParaRPr lang="en-IL" dirty="0"/>
-          </a:p>
-        </p:txBody>
-      </p:sp>
-      <p:sp>
-        <p:nvSpPr>
-          <p:cNvPr id="4" name="Slide Number Placeholder 3">
-            <a:extLst>
-              <a:ext uri="{FF2B5EF4-FFF2-40B4-BE49-F238E27FC236}">
-                <a16:creationId xmlns:a16="http://schemas.microsoft.com/office/drawing/2014/main" id="{531C08A4-E9A6-2FD2-8724-6211C2384F17}"/>
-              </a:ext>
-            </a:extLst>
-          </p:cNvPr>
-          <p:cNvSpPr>
-            <a:spLocks noGrp="1"/>
-          </p:cNvSpPr>
-          <p:nvPr>
-            <p:ph type="sldNum" sz="quarter" idx="12"/>
-          </p:nvPr>
-        </p:nvSpPr>
-        <p:spPr/>
-        <p:txBody>
-          <a:bodyPr/>
-          <a:lstStyle/>
-          <a:p>
-            <a:fld id="{E0DC7AD3-7C2E-418B-8082-788996B615FB}" type="slidenum">
-              <a:rPr lang="en-GB" smtClean="0"/>
-              <a:t>16</a:t>
-            </a:fld>
-            <a:endParaRPr lang="en-GB"/>
-          </a:p>
-        </p:txBody>
-      </p:sp>
-      <p:pic>
-        <p:nvPicPr>
-          <p:cNvPr id="5" name="Picture 4">
-            <a:extLst>
-              <a:ext uri="{FF2B5EF4-FFF2-40B4-BE49-F238E27FC236}">
-                <a16:creationId xmlns:a16="http://schemas.microsoft.com/office/drawing/2014/main" id="{980BACEA-AAD8-C685-1459-5FC24AC3929F}"/>
-              </a:ext>
-            </a:extLst>
-          </p:cNvPr>
-          <p:cNvPicPr>
-            <a:picLocks noChangeAspect="1"/>
-          </p:cNvPicPr>
-          <p:nvPr/>
-        </p:nvPicPr>
-        <p:blipFill>
-          <a:blip r:embed="rId2" cstate="email">
-            <a:extLst>
-              <a:ext uri="{28A0092B-C50C-407E-A947-70E740481C1C}">
-                <a14:useLocalDpi xmlns:a14="http://schemas.microsoft.com/office/drawing/2010/main" val="0"/>
-              </a:ext>
-            </a:extLst>
-          </a:blip>
-          <a:srcRect/>
-          <a:stretch/>
-        </p:blipFill>
-        <p:spPr>
-          <a:xfrm>
-            <a:off x="813417" y="2027721"/>
-            <a:ext cx="10868509" cy="3691943"/>
-          </a:xfrm>
-          <a:prstGeom prst="rect">
-            <a:avLst/>
-          </a:prstGeom>
-        </p:spPr>
-      </p:pic>
-    </p:spTree>
-    <p:extLst>
-      <p:ext uri="{BB962C8B-B14F-4D97-AF65-F5344CB8AC3E}">
-        <p14:creationId xmlns:p14="http://schemas.microsoft.com/office/powerpoint/2010/main" val="1854877960"/>
-      </p:ext>
-    </p:extLst>
-  </p:cSld>
-  <p:clrMapOvr>
-    <a:masterClrMapping/>
-  </p:clrMapOvr>
-</p:sld>
-</file>
-
-<file path=ppt/slides/slide17.xml><?xml version="1.0" encoding="utf-8"?>
-<p:sld xmlns:a="http://schemas.openxmlformats.org/drawingml/2006/main" xmlns:r="http://schemas.openxmlformats.org/officeDocument/2006/relationships" xmlns:p="http://schemas.openxmlformats.org/presentationml/2006/main">
-  <p:cSld>
-    <p:spTree>
-      <p:nvGrpSpPr>
-        <p:cNvPr id="1" name="">
-          <a:extLst>
-            <a:ext uri="{FF2B5EF4-FFF2-40B4-BE49-F238E27FC236}">
-              <a16:creationId xmlns:a16="http://schemas.microsoft.com/office/drawing/2014/main" id="{1E938694-2EC5-196B-5FE2-A257F8DFAE2D}"/>
-            </a:ext>
-          </a:extLst>
-        </p:cNvPr>
-        <p:cNvGrpSpPr/>
-        <p:nvPr/>
-      </p:nvGrpSpPr>
-      <p:grpSpPr>
-        <a:xfrm>
-          <a:off x="0" y="0"/>
-          <a:ext cx="0" cy="0"/>
-          <a:chOff x="0" y="0"/>
-          <a:chExt cx="0" cy="0"/>
-        </a:xfrm>
-      </p:grpSpPr>
-      <p:sp>
-        <p:nvSpPr>
-          <p:cNvPr id="2" name="Title 1">
-            <a:extLst>
-              <a:ext uri="{FF2B5EF4-FFF2-40B4-BE49-F238E27FC236}">
-                <a16:creationId xmlns:a16="http://schemas.microsoft.com/office/drawing/2014/main" id="{3ED8C35C-4A3F-F1DC-DE4B-9198A72A7B18}"/>
-              </a:ext>
-            </a:extLst>
-          </p:cNvPr>
-          <p:cNvSpPr>
-            <a:spLocks noGrp="1"/>
-          </p:cNvSpPr>
-          <p:nvPr>
-            <p:ph type="title"/>
-          </p:nvPr>
-        </p:nvSpPr>
-        <p:spPr/>
-        <p:txBody>
-          <a:bodyPr/>
-          <a:lstStyle/>
-          <a:p>
-            <a:r>
-              <a:rPr lang="en-US" dirty="0"/>
-              <a:t>A model that overfits</a:t>
-            </a:r>
-            <a:endParaRPr lang="en-IL" dirty="0"/>
-          </a:p>
-        </p:txBody>
-      </p:sp>
-      <p:sp>
-        <p:nvSpPr>
-          <p:cNvPr id="4" name="Slide Number Placeholder 3">
-            <a:extLst>
-              <a:ext uri="{FF2B5EF4-FFF2-40B4-BE49-F238E27FC236}">
-                <a16:creationId xmlns:a16="http://schemas.microsoft.com/office/drawing/2014/main" id="{F03D8C96-C808-950D-9C31-4070F0B6687D}"/>
-              </a:ext>
-            </a:extLst>
-          </p:cNvPr>
-          <p:cNvSpPr>
-            <a:spLocks noGrp="1"/>
-          </p:cNvSpPr>
-          <p:nvPr>
-            <p:ph type="sldNum" sz="quarter" idx="12"/>
-          </p:nvPr>
-        </p:nvSpPr>
-        <p:spPr/>
-        <p:txBody>
-          <a:bodyPr/>
-          <a:lstStyle/>
-          <a:p>
-            <a:fld id="{E0DC7AD3-7C2E-418B-8082-788996B615FB}" type="slidenum">
-              <a:rPr lang="en-GB" smtClean="0"/>
-              <a:t>17</a:t>
-            </a:fld>
-            <a:endParaRPr lang="en-GB"/>
-          </a:p>
-        </p:txBody>
-      </p:sp>
-      <p:pic>
-        <p:nvPicPr>
-          <p:cNvPr id="5" name="Picture 4">
-            <a:extLst>
-              <a:ext uri="{FF2B5EF4-FFF2-40B4-BE49-F238E27FC236}">
-                <a16:creationId xmlns:a16="http://schemas.microsoft.com/office/drawing/2014/main" id="{AAE4FD3A-C2E9-1424-5D90-91A46FDB0914}"/>
-              </a:ext>
-            </a:extLst>
-          </p:cNvPr>
-          <p:cNvPicPr>
-            <a:picLocks noChangeAspect="1"/>
-          </p:cNvPicPr>
-          <p:nvPr/>
-        </p:nvPicPr>
-        <p:blipFill>
-          <a:blip r:embed="rId2" cstate="email">
-            <a:extLst>
-              <a:ext uri="{28A0092B-C50C-407E-A947-70E740481C1C}">
-                <a14:useLocalDpi xmlns:a14="http://schemas.microsoft.com/office/drawing/2010/main" val="0"/>
-              </a:ext>
-            </a:extLst>
-          </a:blip>
-          <a:srcRect/>
-          <a:stretch/>
-        </p:blipFill>
-        <p:spPr>
-          <a:xfrm>
-            <a:off x="813418" y="2027721"/>
-            <a:ext cx="10868506" cy="3691943"/>
-          </a:xfrm>
-          <a:prstGeom prst="rect">
-            <a:avLst/>
-          </a:prstGeom>
-        </p:spPr>
-      </p:pic>
-    </p:spTree>
-    <p:extLst>
-      <p:ext uri="{BB962C8B-B14F-4D97-AF65-F5344CB8AC3E}">
-        <p14:creationId xmlns:p14="http://schemas.microsoft.com/office/powerpoint/2010/main" val="3322188062"/>
-      </p:ext>
-    </p:extLst>
-  </p:cSld>
-  <p:clrMapOvr>
-    <a:masterClrMapping/>
-  </p:clrMapOvr>
-</p:sld>
-</file>
-
-<file path=ppt/slides/slide18.xml><?xml version="1.0" encoding="utf-8"?>
-<p:sld xmlns:a="http://schemas.openxmlformats.org/drawingml/2006/main" xmlns:r="http://schemas.openxmlformats.org/officeDocument/2006/relationships" xmlns:p="http://schemas.openxmlformats.org/presentationml/2006/main">
-  <p:cSld>
-    <p:spTree>
-      <p:nvGrpSpPr>
-        <p:cNvPr id="1" name="">
-          <a:extLst>
-            <a:ext uri="{FF2B5EF4-FFF2-40B4-BE49-F238E27FC236}">
-              <a16:creationId xmlns:a16="http://schemas.microsoft.com/office/drawing/2014/main" id="{4A48277F-6275-ACD9-7CCB-7CE134922D0D}"/>
-            </a:ext>
-          </a:extLst>
-        </p:cNvPr>
-        <p:cNvGrpSpPr/>
-        <p:nvPr/>
-      </p:nvGrpSpPr>
-      <p:grpSpPr>
-        <a:xfrm>
-          <a:off x="0" y="0"/>
-          <a:ext cx="0" cy="0"/>
-          <a:chOff x="0" y="0"/>
-          <a:chExt cx="0" cy="0"/>
-        </a:xfrm>
-      </p:grpSpPr>
-      <p:sp>
-        <p:nvSpPr>
-          <p:cNvPr id="2" name="Title 1">
-            <a:extLst>
-              <a:ext uri="{FF2B5EF4-FFF2-40B4-BE49-F238E27FC236}">
-                <a16:creationId xmlns:a16="http://schemas.microsoft.com/office/drawing/2014/main" id="{034E959B-1CFD-E9D9-93FD-C3EF5428571C}"/>
-              </a:ext>
-            </a:extLst>
-          </p:cNvPr>
-          <p:cNvSpPr>
-            <a:spLocks noGrp="1"/>
-          </p:cNvSpPr>
-          <p:nvPr>
-            <p:ph type="title"/>
-          </p:nvPr>
-        </p:nvSpPr>
-        <p:spPr/>
-        <p:txBody>
-          <a:bodyPr>
-            <a:normAutofit/>
-          </a:bodyPr>
-          <a:lstStyle/>
-          <a:p>
-            <a:r>
-              <a:rPr lang="en-US" sz="3600" dirty="0"/>
-              <a:t>A model that balances overfitting and underfitting?</a:t>
-            </a:r>
-            <a:endParaRPr lang="en-IL" sz="3600" dirty="0"/>
-          </a:p>
-        </p:txBody>
-      </p:sp>
-      <p:sp>
-        <p:nvSpPr>
-          <p:cNvPr id="4" name="Slide Number Placeholder 3">
-            <a:extLst>
-              <a:ext uri="{FF2B5EF4-FFF2-40B4-BE49-F238E27FC236}">
-                <a16:creationId xmlns:a16="http://schemas.microsoft.com/office/drawing/2014/main" id="{2B3EC7FE-02A6-093A-1487-9AEBC31EF610}"/>
-              </a:ext>
-            </a:extLst>
-          </p:cNvPr>
-          <p:cNvSpPr>
-            <a:spLocks noGrp="1"/>
-          </p:cNvSpPr>
-          <p:nvPr>
-            <p:ph type="sldNum" sz="quarter" idx="12"/>
-          </p:nvPr>
-        </p:nvSpPr>
-        <p:spPr/>
-        <p:txBody>
-          <a:bodyPr/>
-          <a:lstStyle/>
-          <a:p>
-            <a:fld id="{E0DC7AD3-7C2E-418B-8082-788996B615FB}" type="slidenum">
-              <a:rPr lang="en-GB" smtClean="0"/>
-              <a:t>18</a:t>
-            </a:fld>
-            <a:endParaRPr lang="en-GB"/>
-          </a:p>
-        </p:txBody>
-      </p:sp>
-      <p:pic>
-        <p:nvPicPr>
-          <p:cNvPr id="5" name="Picture 4">
-            <a:extLst>
-              <a:ext uri="{FF2B5EF4-FFF2-40B4-BE49-F238E27FC236}">
-                <a16:creationId xmlns:a16="http://schemas.microsoft.com/office/drawing/2014/main" id="{F75DA27D-3F4F-CC1C-4CFF-4FE03864CD39}"/>
-              </a:ext>
-            </a:extLst>
-          </p:cNvPr>
-          <p:cNvPicPr>
-            <a:picLocks noChangeAspect="1"/>
-          </p:cNvPicPr>
-          <p:nvPr/>
-        </p:nvPicPr>
-        <p:blipFill>
-          <a:blip r:embed="rId2" cstate="email">
-            <a:extLst>
-              <a:ext uri="{28A0092B-C50C-407E-A947-70E740481C1C}">
-                <a14:useLocalDpi xmlns:a14="http://schemas.microsoft.com/office/drawing/2010/main" val="0"/>
-              </a:ext>
-            </a:extLst>
-          </a:blip>
-          <a:srcRect/>
-          <a:stretch/>
-        </p:blipFill>
-        <p:spPr>
-          <a:xfrm>
-            <a:off x="813418" y="2027721"/>
-            <a:ext cx="10868506" cy="3691942"/>
-          </a:xfrm>
-          <a:prstGeom prst="rect">
-            <a:avLst/>
-          </a:prstGeom>
-        </p:spPr>
-      </p:pic>
-    </p:spTree>
-    <p:extLst>
-      <p:ext uri="{BB962C8B-B14F-4D97-AF65-F5344CB8AC3E}">
-        <p14:creationId xmlns:p14="http://schemas.microsoft.com/office/powerpoint/2010/main" val="1910213546"/>
-      </p:ext>
-    </p:extLst>
-  </p:cSld>
-  <p:clrMapOvr>
-    <a:masterClrMapping/>
-  </p:clrMapOvr>
-</p:sld>
-</file>
-
-<file path=ppt/slides/slide19.xml><?xml version="1.0" encoding="utf-8"?>
-<p:sld xmlns:a="http://schemas.openxmlformats.org/drawingml/2006/main" xmlns:r="http://schemas.openxmlformats.org/officeDocument/2006/relationships" xmlns:p="http://schemas.openxmlformats.org/presentationml/2006/main">
-  <p:cSld>
-    <p:spTree>
-      <p:nvGrpSpPr>
-        <p:cNvPr id="1" name=""/>
-        <p:cNvGrpSpPr/>
-        <p:nvPr/>
-      </p:nvGrpSpPr>
-      <p:grpSpPr>
-        <a:xfrm>
-          <a:off x="0" y="0"/>
-          <a:ext cx="0" cy="0"/>
-          <a:chOff x="0" y="0"/>
-          <a:chExt cx="0" cy="0"/>
-        </a:xfrm>
-      </p:grpSpPr>
-      <p:sp>
-        <p:nvSpPr>
-          <p:cNvPr id="2" name="Title 1">
-            <a:extLst>
-              <a:ext uri="{FF2B5EF4-FFF2-40B4-BE49-F238E27FC236}">
-                <a16:creationId xmlns:a16="http://schemas.microsoft.com/office/drawing/2014/main" id="{12785479-1970-11A5-ED52-28582FB2C383}"/>
-              </a:ext>
-            </a:extLst>
-          </p:cNvPr>
-          <p:cNvSpPr>
-            <a:spLocks noGrp="1"/>
-          </p:cNvSpPr>
-          <p:nvPr>
-            <p:ph type="title"/>
-          </p:nvPr>
-        </p:nvSpPr>
-        <p:spPr/>
-        <p:txBody>
-          <a:bodyPr/>
-          <a:lstStyle/>
-          <a:p>
-            <a:r>
-              <a:rPr lang="en-US" dirty="0"/>
-              <a:t>Coefficient of determination</a:t>
-            </a:r>
-            <a:endParaRPr lang="en-IL" dirty="0"/>
-          </a:p>
-        </p:txBody>
-      </p:sp>
-      <p:sp>
-        <p:nvSpPr>
-          <p:cNvPr id="4" name="Content Placeholder 3">
-            <a:extLst>
-              <a:ext uri="{FF2B5EF4-FFF2-40B4-BE49-F238E27FC236}">
-                <a16:creationId xmlns:a16="http://schemas.microsoft.com/office/drawing/2014/main" id="{B755E9C4-3CA7-BE73-1880-3A0439682C70}"/>
-              </a:ext>
-            </a:extLst>
-          </p:cNvPr>
-          <p:cNvSpPr>
-            <a:spLocks noGrp="1"/>
-          </p:cNvSpPr>
-          <p:nvPr>
-            <p:ph idx="1"/>
-          </p:nvPr>
-        </p:nvSpPr>
-        <p:spPr>
-          <a:xfrm>
-            <a:off x="838200" y="1825625"/>
-            <a:ext cx="10515600" cy="1038873"/>
-          </a:xfrm>
-        </p:spPr>
-        <p:txBody>
-          <a:bodyPr/>
-          <a:lstStyle/>
-          <a:p>
-            <a:r>
-              <a:rPr lang="en-US" dirty="0"/>
-              <a:t>How much the model explains</a:t>
-            </a:r>
-          </a:p>
-          <a:p>
-            <a:pPr lvl="1"/>
-            <a:r>
-              <a:rPr lang="en-US" dirty="0"/>
-              <a:t>Out of how much could be explained</a:t>
-            </a:r>
-            <a:endParaRPr lang="en-IL" dirty="0"/>
-          </a:p>
-        </p:txBody>
-      </p:sp>
-      <p:sp>
-        <p:nvSpPr>
-          <p:cNvPr id="3" name="Slide Number Placeholder 2">
-            <a:extLst>
-              <a:ext uri="{FF2B5EF4-FFF2-40B4-BE49-F238E27FC236}">
-                <a16:creationId xmlns:a16="http://schemas.microsoft.com/office/drawing/2014/main" id="{BD76D43A-8D33-0B36-6448-885363D80100}"/>
-              </a:ext>
-            </a:extLst>
-          </p:cNvPr>
-          <p:cNvSpPr>
-            <a:spLocks noGrp="1"/>
-          </p:cNvSpPr>
-          <p:nvPr>
-            <p:ph type="sldNum" sz="quarter" idx="12"/>
-          </p:nvPr>
-        </p:nvSpPr>
-        <p:spPr/>
-        <p:txBody>
-          <a:bodyPr/>
-          <a:lstStyle/>
-          <a:p>
-            <a:fld id="{E0DC7AD3-7C2E-418B-8082-788996B615FB}" type="slidenum">
-              <a:rPr lang="en-GB" smtClean="0"/>
-              <a:t>19</a:t>
-            </a:fld>
-            <a:endParaRPr lang="en-GB"/>
-          </a:p>
-        </p:txBody>
-      </p:sp>
-      <p:graphicFrame>
-        <p:nvGraphicFramePr>
-          <p:cNvPr id="5" name="Object 4">
-            <a:extLst>
-              <a:ext uri="{FF2B5EF4-FFF2-40B4-BE49-F238E27FC236}">
-                <a16:creationId xmlns:a16="http://schemas.microsoft.com/office/drawing/2014/main" id="{D4E26735-BD74-381C-BBD3-1AB1F722BBC3}"/>
-              </a:ext>
-            </a:extLst>
-          </p:cNvPr>
-          <p:cNvGraphicFramePr>
-            <a:graphicFrameLocks noChangeAspect="1"/>
-          </p:cNvGraphicFramePr>
-          <p:nvPr>
-            <p:extLst>
-              <p:ext uri="{D42A27DB-BD31-4B8C-83A1-F6EECF244321}">
-                <p14:modId xmlns:p14="http://schemas.microsoft.com/office/powerpoint/2010/main" val="3446519254"/>
-              </p:ext>
-            </p:extLst>
-          </p:nvPr>
-        </p:nvGraphicFramePr>
-        <p:xfrm>
-          <a:off x="1296587" y="4649983"/>
-          <a:ext cx="5054320" cy="939054"/>
-        </p:xfrm>
-        <a:graphic>
-          <a:graphicData uri="http://schemas.openxmlformats.org/presentationml/2006/ole">
-            <mc:AlternateContent xmlns:mc="http://schemas.openxmlformats.org/markup-compatibility/2006">
-              <mc:Choice xmlns:v="urn:schemas-microsoft-com:vml" Requires="v">
-                <p:oleObj name="Equation" r:id="rId2" imgW="2323800" imgH="431640" progId="Equation.DSMT4">
-                  <p:embed/>
-                </p:oleObj>
-              </mc:Choice>
-              <mc:Fallback>
-                <p:oleObj name="Equation" r:id="rId2" imgW="2323800" imgH="431640" progId="Equation.DSMT4">
-                  <p:embed/>
-                  <p:pic>
-                    <p:nvPicPr>
-                      <p:cNvPr id="0" name=""/>
-                      <p:cNvPicPr/>
-                      <p:nvPr/>
-                    </p:nvPicPr>
-                    <p:blipFill>
-                      <a:blip r:embed="rId3"/>
-                      <a:stretch>
-                        <a:fillRect/>
-                      </a:stretch>
-                    </p:blipFill>
-                    <p:spPr>
-                      <a:xfrm>
-                        <a:off x="1296587" y="4649983"/>
-                        <a:ext cx="5054320" cy="939054"/>
-                      </a:xfrm>
-                      <a:prstGeom prst="rect">
-                        <a:avLst/>
-                      </a:prstGeom>
-                    </p:spPr>
-                  </p:pic>
-                </p:oleObj>
-              </mc:Fallback>
-            </mc:AlternateContent>
-          </a:graphicData>
-        </a:graphic>
-      </p:graphicFrame>
-      <p:graphicFrame>
-        <p:nvGraphicFramePr>
-          <p:cNvPr id="6" name="Object 5">
-            <a:extLst>
-              <a:ext uri="{FF2B5EF4-FFF2-40B4-BE49-F238E27FC236}">
-                <a16:creationId xmlns:a16="http://schemas.microsoft.com/office/drawing/2014/main" id="{9D28A8A8-F42E-0C27-DE2E-5BFF935C6623}"/>
-              </a:ext>
-            </a:extLst>
-          </p:cNvPr>
-          <p:cNvGraphicFramePr>
-            <a:graphicFrameLocks noChangeAspect="1"/>
-          </p:cNvGraphicFramePr>
-          <p:nvPr>
-            <p:extLst>
-              <p:ext uri="{D42A27DB-BD31-4B8C-83A1-F6EECF244321}">
-                <p14:modId xmlns:p14="http://schemas.microsoft.com/office/powerpoint/2010/main" val="2118717906"/>
-              </p:ext>
-            </p:extLst>
-          </p:nvPr>
-        </p:nvGraphicFramePr>
-        <p:xfrm>
-          <a:off x="1296585" y="3389787"/>
-          <a:ext cx="5054318" cy="939054"/>
-        </p:xfrm>
-        <a:graphic>
-          <a:graphicData uri="http://schemas.openxmlformats.org/presentationml/2006/ole">
-            <mc:AlternateContent xmlns:mc="http://schemas.openxmlformats.org/markup-compatibility/2006">
-              <mc:Choice xmlns:v="urn:schemas-microsoft-com:vml" Requires="v">
-                <p:oleObj name="Equation" r:id="rId4" imgW="2323800" imgH="431640" progId="Equation.DSMT4">
-                  <p:embed/>
-                </p:oleObj>
-              </mc:Choice>
-              <mc:Fallback>
-                <p:oleObj name="Equation" r:id="rId4" imgW="2323800" imgH="431640" progId="Equation.DSMT4">
-                  <p:embed/>
-                  <p:pic>
-                    <p:nvPicPr>
-                      <p:cNvPr id="0" name=""/>
-                      <p:cNvPicPr/>
-                      <p:nvPr/>
-                    </p:nvPicPr>
-                    <p:blipFill>
-                      <a:blip r:embed="rId5"/>
-                      <a:stretch>
-                        <a:fillRect/>
-                      </a:stretch>
-                    </p:blipFill>
-                    <p:spPr>
-                      <a:xfrm>
-                        <a:off x="1296585" y="3389787"/>
-                        <a:ext cx="5054318" cy="939054"/>
-                      </a:xfrm>
-                      <a:prstGeom prst="rect">
-                        <a:avLst/>
-                      </a:prstGeom>
-                    </p:spPr>
-                  </p:pic>
-                </p:oleObj>
-              </mc:Fallback>
-            </mc:AlternateContent>
-          </a:graphicData>
-        </a:graphic>
-      </p:graphicFrame>
-      <p:graphicFrame>
-        <p:nvGraphicFramePr>
-          <p:cNvPr id="7" name="Object 6">
-            <a:extLst>
-              <a:ext uri="{FF2B5EF4-FFF2-40B4-BE49-F238E27FC236}">
-                <a16:creationId xmlns:a16="http://schemas.microsoft.com/office/drawing/2014/main" id="{DDFEA0ED-4CC5-6570-3588-C188C4F83EC8}"/>
-              </a:ext>
-            </a:extLst>
-          </p:cNvPr>
-          <p:cNvGraphicFramePr>
-            <a:graphicFrameLocks noChangeAspect="1"/>
-          </p:cNvGraphicFramePr>
-          <p:nvPr>
-            <p:extLst>
-              <p:ext uri="{D42A27DB-BD31-4B8C-83A1-F6EECF244321}">
-                <p14:modId xmlns:p14="http://schemas.microsoft.com/office/powerpoint/2010/main" val="2040538"/>
-              </p:ext>
-            </p:extLst>
-          </p:nvPr>
-        </p:nvGraphicFramePr>
-        <p:xfrm>
-          <a:off x="6350903" y="4821617"/>
-          <a:ext cx="1281538" cy="591479"/>
-        </p:xfrm>
-        <a:graphic>
-          <a:graphicData uri="http://schemas.openxmlformats.org/presentationml/2006/ole">
-            <mc:AlternateContent xmlns:mc="http://schemas.openxmlformats.org/markup-compatibility/2006">
-              <mc:Choice xmlns:v="urn:schemas-microsoft-com:vml" Requires="v">
-                <p:oleObj name="Equation" r:id="rId6" imgW="495000" imgH="228600" progId="Equation.DSMT4">
-                  <p:embed/>
-                </p:oleObj>
-              </mc:Choice>
-              <mc:Fallback>
-                <p:oleObj name="Equation" r:id="rId6" imgW="495000" imgH="228600" progId="Equation.DSMT4">
-                  <p:embed/>
-                  <p:pic>
-                    <p:nvPicPr>
-                      <p:cNvPr id="0" name=""/>
-                      <p:cNvPicPr/>
-                      <p:nvPr/>
-                    </p:nvPicPr>
-                    <p:blipFill>
-                      <a:blip r:embed="rId7"/>
-                      <a:stretch>
-                        <a:fillRect/>
-                      </a:stretch>
-                    </p:blipFill>
-                    <p:spPr>
-                      <a:xfrm>
-                        <a:off x="6350903" y="4821617"/>
-                        <a:ext cx="1281538" cy="591479"/>
-                      </a:xfrm>
-                      <a:prstGeom prst="rect">
-                        <a:avLst/>
-                      </a:prstGeom>
-                    </p:spPr>
-                  </p:pic>
-                </p:oleObj>
-              </mc:Fallback>
-            </mc:AlternateContent>
-          </a:graphicData>
-        </a:graphic>
-      </p:graphicFrame>
-      <p:graphicFrame>
-        <p:nvGraphicFramePr>
-          <p:cNvPr id="8" name="Object 7">
-            <a:extLst>
-              <a:ext uri="{FF2B5EF4-FFF2-40B4-BE49-F238E27FC236}">
-                <a16:creationId xmlns:a16="http://schemas.microsoft.com/office/drawing/2014/main" id="{4377E26C-42E8-3726-FAE2-5AC375CF7C8D}"/>
-              </a:ext>
-            </a:extLst>
-          </p:cNvPr>
-          <p:cNvGraphicFramePr>
-            <a:graphicFrameLocks noChangeAspect="1"/>
-          </p:cNvGraphicFramePr>
-          <p:nvPr>
-            <p:extLst>
-              <p:ext uri="{D42A27DB-BD31-4B8C-83A1-F6EECF244321}">
-                <p14:modId xmlns:p14="http://schemas.microsoft.com/office/powerpoint/2010/main" val="76022179"/>
-              </p:ext>
-            </p:extLst>
-          </p:nvPr>
-        </p:nvGraphicFramePr>
-        <p:xfrm>
-          <a:off x="6350903" y="3518505"/>
-          <a:ext cx="1712176" cy="591479"/>
-        </p:xfrm>
-        <a:graphic>
-          <a:graphicData uri="http://schemas.openxmlformats.org/presentationml/2006/ole">
-            <mc:AlternateContent xmlns:mc="http://schemas.openxmlformats.org/markup-compatibility/2006">
-              <mc:Choice xmlns:v="urn:schemas-microsoft-com:vml" Requires="v">
-                <p:oleObj name="Equation" r:id="rId8" imgW="698400" imgH="241200" progId="Equation.DSMT4">
-                  <p:embed/>
-                </p:oleObj>
-              </mc:Choice>
-              <mc:Fallback>
-                <p:oleObj name="Equation" r:id="rId8" imgW="698400" imgH="241200" progId="Equation.DSMT4">
-                  <p:embed/>
-                  <p:pic>
-                    <p:nvPicPr>
-                      <p:cNvPr id="0" name=""/>
-                      <p:cNvPicPr/>
-                      <p:nvPr/>
-                    </p:nvPicPr>
-                    <p:blipFill>
-                      <a:blip r:embed="rId9"/>
-                      <a:stretch>
-                        <a:fillRect/>
-                      </a:stretch>
-                    </p:blipFill>
-                    <p:spPr>
-                      <a:xfrm>
-                        <a:off x="6350903" y="3518505"/>
-                        <a:ext cx="1712176" cy="591479"/>
-                      </a:xfrm>
-                      <a:prstGeom prst="rect">
-                        <a:avLst/>
-                      </a:prstGeom>
-                    </p:spPr>
-                  </p:pic>
-                </p:oleObj>
-              </mc:Fallback>
-            </mc:AlternateContent>
-          </a:graphicData>
-        </a:graphic>
-      </p:graphicFrame>
-      <p:graphicFrame>
-        <p:nvGraphicFramePr>
-          <p:cNvPr id="9" name="Object 8">
-            <a:extLst>
-              <a:ext uri="{FF2B5EF4-FFF2-40B4-BE49-F238E27FC236}">
-                <a16:creationId xmlns:a16="http://schemas.microsoft.com/office/drawing/2014/main" id="{E09955B2-9164-FC77-DD54-4DEF0CC3ED96}"/>
-              </a:ext>
-            </a:extLst>
-          </p:cNvPr>
-          <p:cNvGraphicFramePr>
-            <a:graphicFrameLocks noChangeAspect="1"/>
-          </p:cNvGraphicFramePr>
-          <p:nvPr>
-            <p:extLst>
-              <p:ext uri="{D42A27DB-BD31-4B8C-83A1-F6EECF244321}">
-                <p14:modId xmlns:p14="http://schemas.microsoft.com/office/powerpoint/2010/main" val="1292013939"/>
-              </p:ext>
-            </p:extLst>
-          </p:nvPr>
-        </p:nvGraphicFramePr>
-        <p:xfrm>
-          <a:off x="8760134" y="4336033"/>
-          <a:ext cx="2444132" cy="1189037"/>
-        </p:xfrm>
-        <a:graphic>
-          <a:graphicData uri="http://schemas.openxmlformats.org/presentationml/2006/ole">
-            <mc:AlternateContent xmlns:mc="http://schemas.openxmlformats.org/markup-compatibility/2006">
-              <mc:Choice xmlns:v="urn:schemas-microsoft-com:vml" Requires="v">
-                <p:oleObj name="Equation" r:id="rId10" imgW="939600" imgH="457200" progId="Equation.DSMT4">
-                  <p:embed/>
-                </p:oleObj>
-              </mc:Choice>
-              <mc:Fallback>
-                <p:oleObj name="Equation" r:id="rId10" imgW="939600" imgH="457200" progId="Equation.DSMT4">
-                  <p:embed/>
-                  <p:pic>
-                    <p:nvPicPr>
-                      <p:cNvPr id="0" name=""/>
-                      <p:cNvPicPr/>
-                      <p:nvPr/>
-                    </p:nvPicPr>
-                    <p:blipFill>
-                      <a:blip r:embed="rId11"/>
-                      <a:stretch>
-                        <a:fillRect/>
-                      </a:stretch>
-                    </p:blipFill>
-                    <p:spPr>
-                      <a:xfrm>
-                        <a:off x="8760134" y="4336033"/>
-                        <a:ext cx="2444132" cy="1189037"/>
-                      </a:xfrm>
-                      <a:prstGeom prst="rect">
-                        <a:avLst/>
-                      </a:prstGeom>
-                    </p:spPr>
-                  </p:pic>
-                </p:oleObj>
-              </mc:Fallback>
-            </mc:AlternateContent>
-          </a:graphicData>
-        </a:graphic>
-      </p:graphicFrame>
-      <mc:AlternateContent xmlns:mc="http://schemas.openxmlformats.org/markup-compatibility/2006" xmlns:a14="http://schemas.microsoft.com/office/drawing/2010/main">
-        <mc:Choice Requires="a14">
-          <p:sp>
-            <p:nvSpPr>
-              <p:cNvPr id="10" name="TextBox 9">
-                <a:extLst>
-                  <a:ext uri="{FF2B5EF4-FFF2-40B4-BE49-F238E27FC236}">
-                    <a16:creationId xmlns:a16="http://schemas.microsoft.com/office/drawing/2014/main" id="{FA7F4EA3-C31D-1ACE-78B2-9FE0AC6CA705}"/>
-                  </a:ext>
-                </a:extLst>
-              </p:cNvPr>
-              <p:cNvSpPr txBox="1"/>
-              <p:nvPr/>
-            </p:nvSpPr>
-            <p:spPr>
-              <a:xfrm>
-                <a:off x="7598877" y="5790324"/>
-                <a:ext cx="4158254" cy="523220"/>
-              </a:xfrm>
-              <a:prstGeom prst="rect">
-                <a:avLst/>
-              </a:prstGeom>
-              <a:noFill/>
-            </p:spPr>
-            <p:txBody>
-              <a:bodyPr wrap="none" rtlCol="0">
-                <a:spAutoFit/>
-              </a:bodyPr>
-              <a:lstStyle/>
-              <a:p>
-                <a14:m>
-                  <m:oMath xmlns:m="http://schemas.openxmlformats.org/officeDocument/2006/math">
-                    <m:sSup>
-                      <m:sSupPr>
-                        <m:ctrlPr>
-                          <a:rPr lang="en-US" sz="2800" b="0" i="1" smtClean="0">
-                            <a:latin typeface="Cambria Math" panose="02040503050406030204" pitchFamily="18" charset="0"/>
-                          </a:rPr>
-                        </m:ctrlPr>
-                      </m:sSupPr>
-                      <m:e>
-                        <m:r>
-                          <a:rPr lang="en-US" sz="2800" b="0" i="1" smtClean="0">
-                            <a:latin typeface="Cambria Math" panose="02040503050406030204" pitchFamily="18" charset="0"/>
-                          </a:rPr>
-                          <m:t>𝑅</m:t>
-                        </m:r>
-                      </m:e>
-                      <m:sup>
-                        <m:r>
-                          <a:rPr lang="en-US" sz="2800" b="0" i="1" smtClean="0">
-                            <a:latin typeface="Cambria Math" panose="02040503050406030204" pitchFamily="18" charset="0"/>
-                          </a:rPr>
-                          <m:t>2</m:t>
-                        </m:r>
-                      </m:sup>
-                    </m:sSup>
-                  </m:oMath>
-                </a14:m>
-                <a:r>
-                  <a:rPr lang="en-US" sz="2800" dirty="0"/>
-                  <a:t> can be between 0 and 1</a:t>
-                </a:r>
-                <a:endParaRPr lang="en-IL" sz="2800" dirty="0"/>
-              </a:p>
-            </p:txBody>
-          </p:sp>
-        </mc:Choice>
-        <mc:Fallback xmlns="">
-          <p:sp>
-            <p:nvSpPr>
-              <p:cNvPr id="10" name="TextBox 9">
-                <a:extLst>
-                  <a:ext uri="{FF2B5EF4-FFF2-40B4-BE49-F238E27FC236}">
-                    <a16:creationId xmlns:a16="http://schemas.microsoft.com/office/drawing/2014/main" id="{FA7F4EA3-C31D-1ACE-78B2-9FE0AC6CA705}"/>
-                  </a:ext>
-                </a:extLst>
-              </p:cNvPr>
-              <p:cNvSpPr txBox="1">
-                <a:spLocks noRot="1" noChangeAspect="1" noMove="1" noResize="1" noEditPoints="1" noAdjustHandles="1" noChangeArrowheads="1" noChangeShapeType="1" noTextEdit="1"/>
-              </p:cNvSpPr>
-              <p:nvPr/>
-            </p:nvSpPr>
-            <p:spPr>
-              <a:xfrm>
-                <a:off x="7598877" y="5790324"/>
-                <a:ext cx="4158254" cy="523220"/>
-              </a:xfrm>
-              <a:prstGeom prst="rect">
-                <a:avLst/>
-              </a:prstGeom>
-              <a:blipFill>
-                <a:blip r:embed="rId12"/>
-                <a:stretch>
-                  <a:fillRect t="-11628" r="-1906" b="-32558"/>
-                </a:stretch>
-              </a:blipFill>
-            </p:spPr>
-            <p:txBody>
-              <a:bodyPr/>
-              <a:lstStyle/>
-              <a:p>
-                <a:r>
-                  <a:rPr lang="en-IL">
-                    <a:noFill/>
-                  </a:rPr>
-                  <a:t> </a:t>
-                </a:r>
-              </a:p>
-            </p:txBody>
-          </p:sp>
-        </mc:Fallback>
-      </mc:AlternateContent>
-    </p:spTree>
-    <p:extLst>
-      <p:ext uri="{BB962C8B-B14F-4D97-AF65-F5344CB8AC3E}">
-        <p14:creationId xmlns:p14="http://schemas.microsoft.com/office/powerpoint/2010/main" val="299150990"/>
-      </p:ext>
-    </p:extLst>
-  </p:cSld>
-  <p:clrMapOvr>
-    <a:masterClrMapping/>
-  </p:clrMapOvr>
-</p:sld>
-</file>
-
-<file path=ppt/slides/slide2.xml><?xml version="1.0" encoding="utf-8"?>
-<p:sld xmlns:a="http://schemas.openxmlformats.org/drawingml/2006/main" xmlns:r="http://schemas.openxmlformats.org/officeDocument/2006/relationships" xmlns:p="http://schemas.openxmlformats.org/presentationml/2006/main">
-  <p:cSld>
-    <p:spTree>
-      <p:nvGrpSpPr>
-        <p:cNvPr id="1" name="">
-          <a:extLst>
-            <a:ext uri="{FF2B5EF4-FFF2-40B4-BE49-F238E27FC236}">
-              <a16:creationId xmlns:a16="http://schemas.microsoft.com/office/drawing/2014/main" id="{67EAD03F-1386-FFFF-9FB8-3727CF8D4A37}"/>
-            </a:ext>
-          </a:extLst>
-        </p:cNvPr>
-        <p:cNvGrpSpPr/>
-        <p:nvPr/>
-      </p:nvGrpSpPr>
-      <p:grpSpPr>
-        <a:xfrm>
-          <a:off x="0" y="0"/>
-          <a:ext cx="0" cy="0"/>
-          <a:chOff x="0" y="0"/>
-          <a:chExt cx="0" cy="0"/>
-        </a:xfrm>
-      </p:grpSpPr>
-      <p:sp>
-        <p:nvSpPr>
-          <p:cNvPr id="6" name="Title 5">
-            <a:extLst>
-              <a:ext uri="{FF2B5EF4-FFF2-40B4-BE49-F238E27FC236}">
-                <a16:creationId xmlns:a16="http://schemas.microsoft.com/office/drawing/2014/main" id="{1BE10E59-0B27-D1E1-E8D2-67F19613D925}"/>
-              </a:ext>
-            </a:extLst>
-          </p:cNvPr>
-          <p:cNvSpPr>
-            <a:spLocks noGrp="1"/>
-          </p:cNvSpPr>
-          <p:nvPr>
-            <p:ph type="title"/>
-          </p:nvPr>
-        </p:nvSpPr>
-        <p:spPr/>
-        <p:txBody>
-          <a:bodyPr/>
-          <a:lstStyle/>
-          <a:p>
-            <a:endParaRPr lang="en-IL"/>
-          </a:p>
-        </p:txBody>
-      </p:sp>
-      <p:sp>
-        <p:nvSpPr>
-          <p:cNvPr id="7" name="Text Placeholder 6">
-            <a:extLst>
-              <a:ext uri="{FF2B5EF4-FFF2-40B4-BE49-F238E27FC236}">
-                <a16:creationId xmlns:a16="http://schemas.microsoft.com/office/drawing/2014/main" id="{A628FB38-F6C8-A105-F16D-64FC1B7EF341}"/>
-              </a:ext>
-            </a:extLst>
-          </p:cNvPr>
-          <p:cNvSpPr>
-            <a:spLocks noGrp="1"/>
-          </p:cNvSpPr>
-          <p:nvPr>
-            <p:ph type="body" idx="1"/>
-          </p:nvPr>
-        </p:nvSpPr>
-        <p:spPr/>
-        <p:txBody>
-          <a:bodyPr>
-            <a:normAutofit/>
-          </a:bodyPr>
-          <a:lstStyle/>
-          <a:p>
-            <a:pPr algn="ctr"/>
-            <a:r>
-              <a:rPr lang="en-US" sz="7200" dirty="0"/>
-              <a:t>8A Review</a:t>
-            </a:r>
-            <a:endParaRPr lang="en-IL" sz="7200" dirty="0"/>
-          </a:p>
-        </p:txBody>
-      </p:sp>
-      <p:sp>
-        <p:nvSpPr>
-          <p:cNvPr id="5" name="Slide Number Placeholder 4">
-            <a:extLst>
-              <a:ext uri="{FF2B5EF4-FFF2-40B4-BE49-F238E27FC236}">
-                <a16:creationId xmlns:a16="http://schemas.microsoft.com/office/drawing/2014/main" id="{ECDC25A1-06F1-03C0-D58C-B662FCCB45C1}"/>
-              </a:ext>
-            </a:extLst>
-          </p:cNvPr>
-          <p:cNvSpPr>
-            <a:spLocks noGrp="1"/>
-          </p:cNvSpPr>
-          <p:nvPr>
-            <p:ph type="sldNum" sz="quarter" idx="12"/>
-          </p:nvPr>
-        </p:nvSpPr>
-        <p:spPr/>
-        <p:txBody>
-          <a:bodyPr/>
-          <a:lstStyle/>
-          <a:p>
-            <a:pPr>
-              <a:defRPr/>
-            </a:pPr>
-            <a:fld id="{3469EAC8-EFAD-49DA-A425-6225312A328A}" type="slidenum">
-              <a:rPr lang="he-IL" altLang="en-US" smtClean="0"/>
-              <a:pPr>
-                <a:defRPr/>
-              </a:pPr>
-              <a:t>2</a:t>
-            </a:fld>
-            <a:r>
-              <a:rPr lang="en-US" altLang="en-US"/>
-              <a:t> /  72</a:t>
-            </a:r>
-          </a:p>
-        </p:txBody>
-      </p:sp>
-    </p:spTree>
-    <p:extLst>
-      <p:ext uri="{BB962C8B-B14F-4D97-AF65-F5344CB8AC3E}">
-        <p14:creationId xmlns:p14="http://schemas.microsoft.com/office/powerpoint/2010/main" val="324436810"/>
-      </p:ext>
-    </p:extLst>
-  </p:cSld>
-  <p:clrMapOvr>
-    <a:masterClrMapping/>
-  </p:clrMapOvr>
-</p:sld>
-</file>
-
-<file path=ppt/slides/slide20.xml><?xml version="1.0" encoding="utf-8"?>
-<p:sld xmlns:a="http://schemas.openxmlformats.org/drawingml/2006/main" xmlns:r="http://schemas.openxmlformats.org/officeDocument/2006/relationships" xmlns:p="http://schemas.openxmlformats.org/presentationml/2006/main">
-  <p:cSld>
-    <p:spTree>
-      <p:nvGrpSpPr>
         <p:cNvPr id="1" name=""/>
         <p:cNvGrpSpPr/>
         <p:nvPr/>
@@ -5916,7 +3571,7 @@
           <a:p>
             <a:fld id="{E0DC7AD3-7C2E-418B-8082-788996B615FB}" type="slidenum">
               <a:rPr lang="en-GB" smtClean="0"/>
-              <a:t>20</a:t>
+              <a:t>10</a:t>
             </a:fld>
             <a:endParaRPr lang="en-GB"/>
           </a:p>
@@ -5955,7 +3610,7 @@
     </p:spTree>
     <p:extLst>
       <p:ext uri="{BB962C8B-B14F-4D97-AF65-F5344CB8AC3E}">
-        <p14:creationId xmlns:p14="http://schemas.microsoft.com/office/powerpoint/2010/main" val="3551294259"/>
+        <p14:creationId xmlns:p14="http://schemas.microsoft.com/office/powerpoint/2010/main" val="1723391130"/>
       </p:ext>
     </p:extLst>
   </p:cSld>
@@ -5965,7 +3620,7 @@
 </p:sld>
 </file>
 
-<file path=ppt/slides/slide21.xml><?xml version="1.0" encoding="utf-8"?>
+<file path=ppt/slides/slide11.xml><?xml version="1.0" encoding="utf-8"?>
 <p:sld xmlns:a="http://schemas.openxmlformats.org/drawingml/2006/main" xmlns:r="http://schemas.openxmlformats.org/officeDocument/2006/relationships" xmlns:p="http://schemas.openxmlformats.org/presentationml/2006/main">
   <p:cSld>
     <p:spTree>
@@ -6005,7 +3660,7 @@
           <a:p>
             <a:r>
               <a:rPr lang="en-US" dirty="0"/>
-              <a:t>Criteria for a good model</a:t>
+              <a:t>How well should a model fit?</a:t>
             </a:r>
             <a:endParaRPr lang="he-IL" dirty="0"/>
           </a:p>
@@ -6032,7 +3687,52 @@
           <a:bodyPr/>
           <a:lstStyle/>
           <a:p>
-            <a:endParaRPr lang="he-IL"/>
+            <a:r>
+              <a:rPr lang="en-US" dirty="0"/>
+              <a:t>A model that is too simple</a:t>
+            </a:r>
+          </a:p>
+          <a:p>
+            <a:pPr lvl="1"/>
+            <a:r>
+              <a:rPr lang="en-US" dirty="0"/>
+              <a:t>Like a prior that is too strong</a:t>
+            </a:r>
+          </a:p>
+          <a:p>
+            <a:pPr lvl="2"/>
+            <a:r>
+              <a:rPr lang="en-US" dirty="0"/>
+              <a:t>Choice of model determines results</a:t>
+            </a:r>
+          </a:p>
+          <a:p>
+            <a:pPr lvl="2"/>
+            <a:r>
+              <a:rPr lang="en-US" dirty="0"/>
+              <a:t>The data doesn’t speak</a:t>
+            </a:r>
+          </a:p>
+          <a:p>
+            <a:r>
+              <a:rPr lang="en-US" dirty="0"/>
+              <a:t>A model that is too complex</a:t>
+            </a:r>
+          </a:p>
+          <a:p>
+            <a:pPr lvl="1"/>
+            <a:r>
+              <a:rPr lang="en-US" dirty="0"/>
+              <a:t>Like a prior that is too weak</a:t>
+            </a:r>
+          </a:p>
+          <a:p>
+            <a:pPr lvl="2"/>
+            <a:r>
+              <a:rPr lang="en-US" dirty="0"/>
+              <a:t>Results become noisy</a:t>
+            </a:r>
+            <a:endParaRPr lang="he-IL" dirty="0"/>
           </a:p>
         </p:txBody>
       </p:sp>
@@ -6059,7 +3759,7 @@
           <a:p>
             <a:fld id="{E0DC7AD3-7C2E-418B-8082-788996B615FB}" type="slidenum">
               <a:rPr lang="en-GB" smtClean="0"/>
-              <a:t>21</a:t>
+              <a:t>11</a:t>
             </a:fld>
             <a:endParaRPr lang="en-GB"/>
           </a:p>
@@ -6068,7 +3768,7 @@
     </p:spTree>
     <p:extLst>
       <p:ext uri="{BB962C8B-B14F-4D97-AF65-F5344CB8AC3E}">
-        <p14:creationId xmlns:p14="http://schemas.microsoft.com/office/powerpoint/2010/main" val="1257399335"/>
+        <p14:creationId xmlns:p14="http://schemas.microsoft.com/office/powerpoint/2010/main" val="2545643279"/>
       </p:ext>
     </p:extLst>
   </p:cSld>
@@ -6078,7 +3778,188 @@
 </p:sld>
 </file>
 
-<file path=ppt/slides/slide3.xml><?xml version="1.0" encoding="utf-8"?>
+<file path=ppt/slides/slide12.xml><?xml version="1.0" encoding="utf-8"?>
+<p:sld xmlns:a="http://schemas.openxmlformats.org/drawingml/2006/main" xmlns:r="http://schemas.openxmlformats.org/officeDocument/2006/relationships" xmlns:p="http://schemas.openxmlformats.org/presentationml/2006/main">
+  <p:cSld>
+    <p:spTree>
+      <p:nvGrpSpPr>
+        <p:cNvPr id="1" name=""/>
+        <p:cNvGrpSpPr/>
+        <p:nvPr/>
+      </p:nvGrpSpPr>
+      <p:grpSpPr>
+        <a:xfrm>
+          <a:off x="0" y="0"/>
+          <a:ext cx="0" cy="0"/>
+          <a:chOff x="0" y="0"/>
+          <a:chExt cx="0" cy="0"/>
+        </a:xfrm>
+      </p:grpSpPr>
+      <p:sp>
+        <p:nvSpPr>
+          <p:cNvPr id="2" name="Title 1">
+            <a:extLst>
+              <a:ext uri="{FF2B5EF4-FFF2-40B4-BE49-F238E27FC236}">
+                <a16:creationId xmlns:a16="http://schemas.microsoft.com/office/drawing/2014/main" id="{814F896C-0B05-9A44-20BE-977A18D40879}"/>
+              </a:ext>
+            </a:extLst>
+          </p:cNvPr>
+          <p:cNvSpPr>
+            <a:spLocks noGrp="1"/>
+          </p:cNvSpPr>
+          <p:nvPr>
+            <p:ph type="title"/>
+          </p:nvPr>
+        </p:nvSpPr>
+        <p:spPr>
+          <a:xfrm>
+            <a:off x="838200" y="365125"/>
+            <a:ext cx="5040086" cy="1325563"/>
+          </a:xfrm>
+        </p:spPr>
+        <p:txBody>
+          <a:bodyPr>
+            <a:normAutofit/>
+          </a:bodyPr>
+          <a:lstStyle/>
+          <a:p>
+            <a:r>
+              <a:rPr lang="en-US" sz="3200" dirty="0"/>
+              <a:t>Leaving out one data point</a:t>
+            </a:r>
+            <a:endParaRPr lang="he-IL" sz="3200" dirty="0"/>
+          </a:p>
+        </p:txBody>
+      </p:sp>
+      <p:sp>
+        <p:nvSpPr>
+          <p:cNvPr id="6" name="Content Placeholder 5">
+            <a:extLst>
+              <a:ext uri="{FF2B5EF4-FFF2-40B4-BE49-F238E27FC236}">
+                <a16:creationId xmlns:a16="http://schemas.microsoft.com/office/drawing/2014/main" id="{09C9B4B8-E5EF-C83A-5BAF-39D61384CDC1}"/>
+              </a:ext>
+            </a:extLst>
+          </p:cNvPr>
+          <p:cNvSpPr>
+            <a:spLocks noGrp="1"/>
+          </p:cNvSpPr>
+          <p:nvPr>
+            <p:ph idx="1"/>
+          </p:nvPr>
+        </p:nvSpPr>
+        <p:spPr>
+          <a:xfrm>
+            <a:off x="838200" y="1545771"/>
+            <a:ext cx="5040086" cy="4631192"/>
+          </a:xfrm>
+        </p:spPr>
+        <p:txBody>
+          <a:bodyPr>
+            <a:normAutofit/>
+          </a:bodyPr>
+          <a:lstStyle/>
+          <a:p>
+            <a:r>
+              <a:rPr lang="en-US" dirty="0"/>
+              <a:t>Overfit model </a:t>
+            </a:r>
+          </a:p>
+          <a:p>
+            <a:pPr lvl="1"/>
+            <a:r>
+              <a:rPr lang="en-US" sz="2000" dirty="0"/>
+              <a:t>Overly sensitive to data details</a:t>
+            </a:r>
+          </a:p>
+          <a:p>
+            <a:r>
+              <a:rPr lang="en-US" dirty="0"/>
+              <a:t>Underfit model</a:t>
+            </a:r>
+          </a:p>
+          <a:p>
+            <a:pPr lvl="1"/>
+            <a:r>
+              <a:rPr lang="en-US" sz="2000" dirty="0"/>
+              <a:t>Ignores important details</a:t>
+            </a:r>
+            <a:endParaRPr lang="he-IL" sz="2000" dirty="0"/>
+          </a:p>
+        </p:txBody>
+      </p:sp>
+      <p:sp>
+        <p:nvSpPr>
+          <p:cNvPr id="4" name="Slide Number Placeholder 3">
+            <a:extLst>
+              <a:ext uri="{FF2B5EF4-FFF2-40B4-BE49-F238E27FC236}">
+                <a16:creationId xmlns:a16="http://schemas.microsoft.com/office/drawing/2014/main" id="{A73565B5-F7DB-B713-E4EB-541135A532E6}"/>
+              </a:ext>
+            </a:extLst>
+          </p:cNvPr>
+          <p:cNvSpPr>
+            <a:spLocks noGrp="1"/>
+          </p:cNvSpPr>
+          <p:nvPr>
+            <p:ph type="sldNum" sz="quarter" idx="12"/>
+          </p:nvPr>
+        </p:nvSpPr>
+        <p:spPr/>
+        <p:txBody>
+          <a:bodyPr/>
+          <a:lstStyle/>
+          <a:p>
+            <a:fld id="{E0DC7AD3-7C2E-418B-8082-788996B615FB}" type="slidenum">
+              <a:rPr lang="en-GB" smtClean="0"/>
+              <a:t>12</a:t>
+            </a:fld>
+            <a:endParaRPr lang="en-GB"/>
+          </a:p>
+        </p:txBody>
+      </p:sp>
+      <p:pic>
+        <p:nvPicPr>
+          <p:cNvPr id="5" name="Picture 4">
+            <a:extLst>
+              <a:ext uri="{FF2B5EF4-FFF2-40B4-BE49-F238E27FC236}">
+                <a16:creationId xmlns:a16="http://schemas.microsoft.com/office/drawing/2014/main" id="{CD849416-BFDA-A092-1647-07E58A9ECCDA}"/>
+              </a:ext>
+            </a:extLst>
+          </p:cNvPr>
+          <p:cNvPicPr>
+            <a:picLocks noChangeAspect="1"/>
+          </p:cNvPicPr>
+          <p:nvPr/>
+        </p:nvPicPr>
+        <p:blipFill>
+          <a:blip r:embed="rId2"/>
+          <a:stretch>
+            <a:fillRect/>
+          </a:stretch>
+        </p:blipFill>
+        <p:spPr>
+          <a:xfrm>
+            <a:off x="6096000" y="0"/>
+            <a:ext cx="5690300" cy="6858000"/>
+          </a:xfrm>
+          <a:prstGeom prst="rect">
+            <a:avLst/>
+          </a:prstGeom>
+        </p:spPr>
+      </p:pic>
+    </p:spTree>
+    <p:extLst>
+      <p:ext uri="{BB962C8B-B14F-4D97-AF65-F5344CB8AC3E}">
+        <p14:creationId xmlns:p14="http://schemas.microsoft.com/office/powerpoint/2010/main" val="2657789147"/>
+      </p:ext>
+    </p:extLst>
+  </p:cSld>
+  <p:clrMapOvr>
+    <a:masterClrMapping/>
+  </p:clrMapOvr>
+</p:sld>
+</file>
+
+<file path=ppt/slides/slide13.xml><?xml version="1.0" encoding="utf-8"?>
 <p:sld xmlns:a="http://schemas.openxmlformats.org/drawingml/2006/main" xmlns:r="http://schemas.openxmlformats.org/officeDocument/2006/relationships" xmlns:p="http://schemas.openxmlformats.org/presentationml/2006/main">
   <p:cSld>
     <p:spTree>
@@ -6187,7 +4068,7 @@
               <a:pPr>
                 <a:defRPr/>
               </a:pPr>
-              <a:t>3</a:t>
+              <a:t>13</a:t>
             </a:fld>
             <a:r>
               <a:rPr lang="en-US" altLang="en-US"/>
@@ -6209,7 +4090,7 @@
 </p:sld>
 </file>
 
-<file path=ppt/slides/slide4.xml><?xml version="1.0" encoding="utf-8"?>
+<file path=ppt/slides/slide14.xml><?xml version="1.0" encoding="utf-8"?>
 <p:sld xmlns:a="http://schemas.openxmlformats.org/drawingml/2006/main" xmlns:r="http://schemas.openxmlformats.org/officeDocument/2006/relationships" xmlns:p="http://schemas.openxmlformats.org/presentationml/2006/main">
   <p:cSld>
     <p:spTree>
@@ -6319,7 +4200,7 @@
           <a:p>
             <a:fld id="{E0DC7AD3-7C2E-418B-8082-788996B615FB}" type="slidenum">
               <a:rPr lang="en-GB" smtClean="0"/>
-              <a:t>4</a:t>
+              <a:t>14</a:t>
             </a:fld>
             <a:endParaRPr lang="en-GB"/>
           </a:p>
@@ -6785,7 +4666,7 @@
 </p:sld>
 </file>
 
-<file path=ppt/slides/slide5.xml><?xml version="1.0" encoding="utf-8"?>
+<file path=ppt/slides/slide15.xml><?xml version="1.0" encoding="utf-8"?>
 <p:sld xmlns:a="http://schemas.openxmlformats.org/drawingml/2006/main" xmlns:r="http://schemas.openxmlformats.org/officeDocument/2006/relationships" xmlns:p="http://schemas.openxmlformats.org/presentationml/2006/main">
   <p:cSld>
     <p:spTree>
@@ -6918,7 +4799,7 @@
           <a:p>
             <a:fld id="{E0DC7AD3-7C2E-418B-8082-788996B615FB}" type="slidenum">
               <a:rPr lang="en-GB" smtClean="0"/>
-              <a:t>5</a:t>
+              <a:t>15</a:t>
             </a:fld>
             <a:endParaRPr lang="en-GB"/>
           </a:p>
@@ -6982,7 +4863,7 @@
 </p:sld>
 </file>
 
-<file path=ppt/slides/slide6.xml><?xml version="1.0" encoding="utf-8"?>
+<file path=ppt/slides/slide16.xml><?xml version="1.0" encoding="utf-8"?>
 <p:sld xmlns:a="http://schemas.openxmlformats.org/drawingml/2006/main" xmlns:r="http://schemas.openxmlformats.org/officeDocument/2006/relationships" xmlns:p="http://schemas.openxmlformats.org/presentationml/2006/main">
   <p:cSld>
     <p:spTree>
@@ -7157,7 +5038,7 @@
           <a:p>
             <a:fld id="{E0DC7AD3-7C2E-418B-8082-788996B615FB}" type="slidenum">
               <a:rPr lang="en-GB" smtClean="0"/>
-              <a:t>6</a:t>
+              <a:t>16</a:t>
             </a:fld>
             <a:endParaRPr lang="en-GB"/>
           </a:p>
@@ -7211,7 +5092,7 @@
 </p:sld>
 </file>
 
-<file path=ppt/slides/slide7.xml><?xml version="1.0" encoding="utf-8"?>
+<file path=ppt/slides/slide17.xml><?xml version="1.0" encoding="utf-8"?>
 <p:sld xmlns:a="http://schemas.openxmlformats.org/drawingml/2006/main" xmlns:r="http://schemas.openxmlformats.org/officeDocument/2006/relationships" xmlns:p="http://schemas.openxmlformats.org/presentationml/2006/main">
   <p:cSld>
     <p:spTree>
@@ -7373,7 +5254,7 @@
           <a:p>
             <a:fld id="{E0DC7AD3-7C2E-418B-8082-788996B615FB}" type="slidenum">
               <a:rPr lang="en-GB" smtClean="0"/>
-              <a:t>7</a:t>
+              <a:t>17</a:t>
             </a:fld>
             <a:endParaRPr lang="en-GB"/>
           </a:p>
@@ -7439,7 +5320,7 @@
 </p:sld>
 </file>
 
-<file path=ppt/slides/slide8.xml><?xml version="1.0" encoding="utf-8"?>
+<file path=ppt/slides/slide18.xml><?xml version="1.0" encoding="utf-8"?>
 <p:sld xmlns:a="http://schemas.openxmlformats.org/drawingml/2006/main" xmlns:r="http://schemas.openxmlformats.org/officeDocument/2006/relationships" xmlns:p="http://schemas.openxmlformats.org/presentationml/2006/main">
   <p:cSld>
     <p:spTree>
@@ -7610,7 +5491,7 @@
           <a:p>
             <a:fld id="{E0DC7AD3-7C2E-418B-8082-788996B615FB}" type="slidenum">
               <a:rPr lang="en-GB" smtClean="0"/>
-              <a:t>8</a:t>
+              <a:t>18</a:t>
             </a:fld>
             <a:endParaRPr lang="en-GB"/>
           </a:p>
@@ -7620,6 +5501,2247 @@
     <p:extLst>
       <p:ext uri="{BB962C8B-B14F-4D97-AF65-F5344CB8AC3E}">
         <p14:creationId xmlns:p14="http://schemas.microsoft.com/office/powerpoint/2010/main" val="1159666196"/>
+      </p:ext>
+    </p:extLst>
+  </p:cSld>
+  <p:clrMapOvr>
+    <a:masterClrMapping/>
+  </p:clrMapOvr>
+</p:sld>
+</file>
+
+<file path=ppt/slides/slide19.xml><?xml version="1.0" encoding="utf-8"?>
+<p:sld xmlns:a="http://schemas.openxmlformats.org/drawingml/2006/main" xmlns:r="http://schemas.openxmlformats.org/officeDocument/2006/relationships" xmlns:p="http://schemas.openxmlformats.org/presentationml/2006/main">
+  <p:cSld>
+    <p:spTree>
+      <p:nvGrpSpPr>
+        <p:cNvPr id="1" name=""/>
+        <p:cNvGrpSpPr/>
+        <p:nvPr/>
+      </p:nvGrpSpPr>
+      <p:grpSpPr>
+        <a:xfrm>
+          <a:off x="0" y="0"/>
+          <a:ext cx="0" cy="0"/>
+          <a:chOff x="0" y="0"/>
+          <a:chExt cx="0" cy="0"/>
+        </a:xfrm>
+      </p:grpSpPr>
+      <p:sp>
+        <p:nvSpPr>
+          <p:cNvPr id="2" name="Title 1">
+            <a:extLst>
+              <a:ext uri="{FF2B5EF4-FFF2-40B4-BE49-F238E27FC236}">
+                <a16:creationId xmlns:a16="http://schemas.microsoft.com/office/drawing/2014/main" id="{58EEC07E-7C00-8F09-7AE0-9189E2CCFB5A}"/>
+              </a:ext>
+            </a:extLst>
+          </p:cNvPr>
+          <p:cNvSpPr>
+            <a:spLocks noGrp="1"/>
+          </p:cNvSpPr>
+          <p:nvPr>
+            <p:ph type="title"/>
+          </p:nvPr>
+        </p:nvSpPr>
+        <p:spPr/>
+        <p:txBody>
+          <a:bodyPr/>
+          <a:lstStyle/>
+          <a:p>
+            <a:r>
+              <a:rPr lang="en-US" dirty="0"/>
+              <a:t>What makes a good model?</a:t>
+            </a:r>
+            <a:endParaRPr lang="en-IL" dirty="0"/>
+          </a:p>
+        </p:txBody>
+      </p:sp>
+      <p:sp>
+        <p:nvSpPr>
+          <p:cNvPr id="3" name="Content Placeholder 2">
+            <a:extLst>
+              <a:ext uri="{FF2B5EF4-FFF2-40B4-BE49-F238E27FC236}">
+                <a16:creationId xmlns:a16="http://schemas.microsoft.com/office/drawing/2014/main" id="{0C2C4C5F-BC2B-CAE4-CA7E-4BC2927862FE}"/>
+              </a:ext>
+            </a:extLst>
+          </p:cNvPr>
+          <p:cNvSpPr>
+            <a:spLocks noGrp="1"/>
+          </p:cNvSpPr>
+          <p:nvPr>
+            <p:ph idx="1"/>
+          </p:nvPr>
+        </p:nvSpPr>
+        <p:spPr/>
+        <p:txBody>
+          <a:bodyPr/>
+          <a:lstStyle/>
+          <a:p>
+            <a:r>
+              <a:rPr lang="en-US" dirty="0"/>
+              <a:t>Theory building</a:t>
+            </a:r>
+          </a:p>
+          <a:p>
+            <a:pPr lvl="1"/>
+            <a:r>
+              <a:rPr lang="en-US" dirty="0"/>
+              <a:t>Science is accepting good enough models</a:t>
+            </a:r>
+          </a:p>
+          <a:p>
+            <a:pPr lvl="1"/>
+            <a:r>
+              <a:rPr lang="en-US" dirty="0"/>
+              <a:t>Good models explain the phenomenon</a:t>
+            </a:r>
+          </a:p>
+          <a:p>
+            <a:r>
+              <a:rPr lang="en-US" dirty="0"/>
+              <a:t>Hypothesis testing</a:t>
+            </a:r>
+          </a:p>
+          <a:p>
+            <a:pPr lvl="1"/>
+            <a:r>
+              <a:rPr lang="en-US" dirty="0"/>
+              <a:t>Science is rejecting bad models</a:t>
+            </a:r>
+          </a:p>
+          <a:p>
+            <a:pPr lvl="1"/>
+            <a:r>
+              <a:rPr lang="en-US" dirty="0"/>
+              <a:t>Good models are what remains after the bad ones are rejected</a:t>
+            </a:r>
+          </a:p>
+          <a:p>
+            <a:r>
+              <a:rPr lang="en-US" dirty="0"/>
+              <a:t>Predictive power</a:t>
+            </a:r>
+          </a:p>
+          <a:p>
+            <a:pPr lvl="1"/>
+            <a:r>
+              <a:rPr lang="en-US" dirty="0"/>
+              <a:t>Science is comparing candidate models</a:t>
+            </a:r>
+          </a:p>
+          <a:p>
+            <a:pPr lvl="1"/>
+            <a:r>
+              <a:rPr lang="en-US" dirty="0"/>
+              <a:t>Good models have </a:t>
+            </a:r>
+            <a:r>
+              <a:rPr lang="en-US"/>
+              <a:t>better predictive power</a:t>
+            </a:r>
+            <a:endParaRPr lang="en-IL"/>
+          </a:p>
+        </p:txBody>
+      </p:sp>
+      <p:sp>
+        <p:nvSpPr>
+          <p:cNvPr id="4" name="Slide Number Placeholder 3">
+            <a:extLst>
+              <a:ext uri="{FF2B5EF4-FFF2-40B4-BE49-F238E27FC236}">
+                <a16:creationId xmlns:a16="http://schemas.microsoft.com/office/drawing/2014/main" id="{AAE510EC-6A9E-3369-EC68-ED6F428C42AB}"/>
+              </a:ext>
+            </a:extLst>
+          </p:cNvPr>
+          <p:cNvSpPr>
+            <a:spLocks noGrp="1"/>
+          </p:cNvSpPr>
+          <p:nvPr>
+            <p:ph type="sldNum" sz="quarter" idx="12"/>
+          </p:nvPr>
+        </p:nvSpPr>
+        <p:spPr/>
+        <p:txBody>
+          <a:bodyPr/>
+          <a:lstStyle/>
+          <a:p>
+            <a:fld id="{E0DC7AD3-7C2E-418B-8082-788996B615FB}" type="slidenum">
+              <a:rPr lang="en-GB" smtClean="0"/>
+              <a:t>19</a:t>
+            </a:fld>
+            <a:endParaRPr lang="en-GB"/>
+          </a:p>
+        </p:txBody>
+      </p:sp>
+    </p:spTree>
+    <p:extLst>
+      <p:ext uri="{BB962C8B-B14F-4D97-AF65-F5344CB8AC3E}">
+        <p14:creationId xmlns:p14="http://schemas.microsoft.com/office/powerpoint/2010/main" val="464227462"/>
+      </p:ext>
+    </p:extLst>
+  </p:cSld>
+  <p:clrMapOvr>
+    <a:masterClrMapping/>
+  </p:clrMapOvr>
+</p:sld>
+</file>
+
+<file path=ppt/slides/slide2.xml><?xml version="1.0" encoding="utf-8"?>
+<p:sld xmlns:a="http://schemas.openxmlformats.org/drawingml/2006/main" xmlns:r="http://schemas.openxmlformats.org/officeDocument/2006/relationships" xmlns:p="http://schemas.openxmlformats.org/presentationml/2006/main">
+  <p:cSld>
+    <p:spTree>
+      <p:nvGrpSpPr>
+        <p:cNvPr id="1" name="">
+          <a:extLst>
+            <a:ext uri="{FF2B5EF4-FFF2-40B4-BE49-F238E27FC236}">
+              <a16:creationId xmlns:a16="http://schemas.microsoft.com/office/drawing/2014/main" id="{67EAD03F-1386-FFFF-9FB8-3727CF8D4A37}"/>
+            </a:ext>
+          </a:extLst>
+        </p:cNvPr>
+        <p:cNvGrpSpPr/>
+        <p:nvPr/>
+      </p:nvGrpSpPr>
+      <p:grpSpPr>
+        <a:xfrm>
+          <a:off x="0" y="0"/>
+          <a:ext cx="0" cy="0"/>
+          <a:chOff x="0" y="0"/>
+          <a:chExt cx="0" cy="0"/>
+        </a:xfrm>
+      </p:grpSpPr>
+      <p:sp>
+        <p:nvSpPr>
+          <p:cNvPr id="6" name="Title 5">
+            <a:extLst>
+              <a:ext uri="{FF2B5EF4-FFF2-40B4-BE49-F238E27FC236}">
+                <a16:creationId xmlns:a16="http://schemas.microsoft.com/office/drawing/2014/main" id="{1BE10E59-0B27-D1E1-E8D2-67F19613D925}"/>
+              </a:ext>
+            </a:extLst>
+          </p:cNvPr>
+          <p:cNvSpPr>
+            <a:spLocks noGrp="1"/>
+          </p:cNvSpPr>
+          <p:nvPr>
+            <p:ph type="title"/>
+          </p:nvPr>
+        </p:nvSpPr>
+        <p:spPr/>
+        <p:txBody>
+          <a:bodyPr/>
+          <a:lstStyle/>
+          <a:p>
+            <a:endParaRPr lang="en-IL"/>
+          </a:p>
+        </p:txBody>
+      </p:sp>
+      <p:sp>
+        <p:nvSpPr>
+          <p:cNvPr id="7" name="Text Placeholder 6">
+            <a:extLst>
+              <a:ext uri="{FF2B5EF4-FFF2-40B4-BE49-F238E27FC236}">
+                <a16:creationId xmlns:a16="http://schemas.microsoft.com/office/drawing/2014/main" id="{A628FB38-F6C8-A105-F16D-64FC1B7EF341}"/>
+              </a:ext>
+            </a:extLst>
+          </p:cNvPr>
+          <p:cNvSpPr>
+            <a:spLocks noGrp="1"/>
+          </p:cNvSpPr>
+          <p:nvPr>
+            <p:ph type="body" idx="1"/>
+          </p:nvPr>
+        </p:nvSpPr>
+        <p:spPr/>
+        <p:txBody>
+          <a:bodyPr>
+            <a:normAutofit/>
+          </a:bodyPr>
+          <a:lstStyle/>
+          <a:p>
+            <a:pPr algn="ctr"/>
+            <a:r>
+              <a:rPr lang="en-US" sz="7200" dirty="0"/>
+              <a:t>8A Review</a:t>
+            </a:r>
+            <a:endParaRPr lang="en-IL" sz="7200" dirty="0"/>
+          </a:p>
+        </p:txBody>
+      </p:sp>
+      <p:sp>
+        <p:nvSpPr>
+          <p:cNvPr id="5" name="Slide Number Placeholder 4">
+            <a:extLst>
+              <a:ext uri="{FF2B5EF4-FFF2-40B4-BE49-F238E27FC236}">
+                <a16:creationId xmlns:a16="http://schemas.microsoft.com/office/drawing/2014/main" id="{ECDC25A1-06F1-03C0-D58C-B662FCCB45C1}"/>
+              </a:ext>
+            </a:extLst>
+          </p:cNvPr>
+          <p:cNvSpPr>
+            <a:spLocks noGrp="1"/>
+          </p:cNvSpPr>
+          <p:nvPr>
+            <p:ph type="sldNum" sz="quarter" idx="12"/>
+          </p:nvPr>
+        </p:nvSpPr>
+        <p:spPr/>
+        <p:txBody>
+          <a:bodyPr/>
+          <a:lstStyle/>
+          <a:p>
+            <a:pPr>
+              <a:defRPr/>
+            </a:pPr>
+            <a:fld id="{3469EAC8-EFAD-49DA-A425-6225312A328A}" type="slidenum">
+              <a:rPr lang="he-IL" altLang="en-US" smtClean="0"/>
+              <a:pPr>
+                <a:defRPr/>
+              </a:pPr>
+              <a:t>2</a:t>
+            </a:fld>
+            <a:r>
+              <a:rPr lang="en-US" altLang="en-US"/>
+              <a:t> /  72</a:t>
+            </a:r>
+          </a:p>
+        </p:txBody>
+      </p:sp>
+    </p:spTree>
+    <p:extLst>
+      <p:ext uri="{BB962C8B-B14F-4D97-AF65-F5344CB8AC3E}">
+        <p14:creationId xmlns:p14="http://schemas.microsoft.com/office/powerpoint/2010/main" val="324436810"/>
+      </p:ext>
+    </p:extLst>
+  </p:cSld>
+  <p:clrMapOvr>
+    <a:masterClrMapping/>
+  </p:clrMapOvr>
+</p:sld>
+</file>
+
+<file path=ppt/slides/slide20.xml><?xml version="1.0" encoding="utf-8"?>
+<p:sld xmlns:a="http://schemas.openxmlformats.org/drawingml/2006/main" xmlns:r="http://schemas.openxmlformats.org/officeDocument/2006/relationships" xmlns:p="http://schemas.openxmlformats.org/presentationml/2006/main">
+  <p:cSld>
+    <p:spTree>
+      <p:nvGrpSpPr>
+        <p:cNvPr id="1" name="">
+          <a:extLst>
+            <a:ext uri="{FF2B5EF4-FFF2-40B4-BE49-F238E27FC236}">
+              <a16:creationId xmlns:a16="http://schemas.microsoft.com/office/drawing/2014/main" id="{EAD5DFBF-B798-CF04-ADA3-3689E905BF92}"/>
+            </a:ext>
+          </a:extLst>
+        </p:cNvPr>
+        <p:cNvGrpSpPr/>
+        <p:nvPr/>
+      </p:nvGrpSpPr>
+      <p:grpSpPr>
+        <a:xfrm>
+          <a:off x="0" y="0"/>
+          <a:ext cx="0" cy="0"/>
+          <a:chOff x="0" y="0"/>
+          <a:chExt cx="0" cy="0"/>
+        </a:xfrm>
+      </p:grpSpPr>
+      <p:sp>
+        <p:nvSpPr>
+          <p:cNvPr id="6" name="Title 5">
+            <a:extLst>
+              <a:ext uri="{FF2B5EF4-FFF2-40B4-BE49-F238E27FC236}">
+                <a16:creationId xmlns:a16="http://schemas.microsoft.com/office/drawing/2014/main" id="{4233CD83-0AB0-CAF3-771E-EFE74826BAE7}"/>
+              </a:ext>
+            </a:extLst>
+          </p:cNvPr>
+          <p:cNvSpPr>
+            <a:spLocks noGrp="1"/>
+          </p:cNvSpPr>
+          <p:nvPr>
+            <p:ph type="title"/>
+          </p:nvPr>
+        </p:nvSpPr>
+        <p:spPr/>
+        <p:txBody>
+          <a:bodyPr/>
+          <a:lstStyle/>
+          <a:p>
+            <a:endParaRPr lang="en-IL"/>
+          </a:p>
+        </p:txBody>
+      </p:sp>
+      <p:sp>
+        <p:nvSpPr>
+          <p:cNvPr id="7" name="Text Placeholder 6">
+            <a:extLst>
+              <a:ext uri="{FF2B5EF4-FFF2-40B4-BE49-F238E27FC236}">
+                <a16:creationId xmlns:a16="http://schemas.microsoft.com/office/drawing/2014/main" id="{A70E4589-AB26-9C3B-D278-539103CF2E97}"/>
+              </a:ext>
+            </a:extLst>
+          </p:cNvPr>
+          <p:cNvSpPr>
+            <a:spLocks noGrp="1"/>
+          </p:cNvSpPr>
+          <p:nvPr>
+            <p:ph type="body" idx="1"/>
+          </p:nvPr>
+        </p:nvSpPr>
+        <p:spPr/>
+        <p:txBody>
+          <a:bodyPr>
+            <a:normAutofit/>
+          </a:bodyPr>
+          <a:lstStyle/>
+          <a:p>
+            <a:pPr algn="ctr"/>
+            <a:r>
+              <a:rPr lang="en-US" sz="7200" dirty="0"/>
+              <a:t>8C ROPE and HDI</a:t>
+            </a:r>
+            <a:endParaRPr lang="en-IL" sz="7200" dirty="0"/>
+          </a:p>
+        </p:txBody>
+      </p:sp>
+      <p:sp>
+        <p:nvSpPr>
+          <p:cNvPr id="5" name="Slide Number Placeholder 4">
+            <a:extLst>
+              <a:ext uri="{FF2B5EF4-FFF2-40B4-BE49-F238E27FC236}">
+                <a16:creationId xmlns:a16="http://schemas.microsoft.com/office/drawing/2014/main" id="{C11B7548-CF5F-DCF2-B922-E4E5982FC176}"/>
+              </a:ext>
+            </a:extLst>
+          </p:cNvPr>
+          <p:cNvSpPr>
+            <a:spLocks noGrp="1"/>
+          </p:cNvSpPr>
+          <p:nvPr>
+            <p:ph type="sldNum" sz="quarter" idx="12"/>
+          </p:nvPr>
+        </p:nvSpPr>
+        <p:spPr/>
+        <p:txBody>
+          <a:bodyPr/>
+          <a:lstStyle/>
+          <a:p>
+            <a:pPr>
+              <a:defRPr/>
+            </a:pPr>
+            <a:fld id="{3469EAC8-EFAD-49DA-A425-6225312A328A}" type="slidenum">
+              <a:rPr lang="he-IL" altLang="en-US" smtClean="0"/>
+              <a:pPr>
+                <a:defRPr/>
+              </a:pPr>
+              <a:t>20</a:t>
+            </a:fld>
+            <a:r>
+              <a:rPr lang="en-US" altLang="en-US"/>
+              <a:t> /  72</a:t>
+            </a:r>
+          </a:p>
+        </p:txBody>
+      </p:sp>
+    </p:spTree>
+    <p:extLst>
+      <p:ext uri="{BB962C8B-B14F-4D97-AF65-F5344CB8AC3E}">
+        <p14:creationId xmlns:p14="http://schemas.microsoft.com/office/powerpoint/2010/main" val="1108716515"/>
+      </p:ext>
+    </p:extLst>
+  </p:cSld>
+  <p:clrMapOvr>
+    <a:masterClrMapping/>
+  </p:clrMapOvr>
+</p:sld>
+</file>
+
+<file path=ppt/slides/slide21.xml><?xml version="1.0" encoding="utf-8"?>
+<p:sld xmlns:a="http://schemas.openxmlformats.org/drawingml/2006/main" xmlns:r="http://schemas.openxmlformats.org/officeDocument/2006/relationships" xmlns:p="http://schemas.openxmlformats.org/presentationml/2006/main">
+  <p:cSld>
+    <p:spTree>
+      <p:nvGrpSpPr>
+        <p:cNvPr id="1" name=""/>
+        <p:cNvGrpSpPr/>
+        <p:nvPr/>
+      </p:nvGrpSpPr>
+      <p:grpSpPr>
+        <a:xfrm>
+          <a:off x="0" y="0"/>
+          <a:ext cx="0" cy="0"/>
+          <a:chOff x="0" y="0"/>
+          <a:chExt cx="0" cy="0"/>
+        </a:xfrm>
+      </p:grpSpPr>
+      <p:sp>
+        <p:nvSpPr>
+          <p:cNvPr id="5" name="Title 4">
+            <a:extLst>
+              <a:ext uri="{FF2B5EF4-FFF2-40B4-BE49-F238E27FC236}">
+                <a16:creationId xmlns:a16="http://schemas.microsoft.com/office/drawing/2014/main" id="{20DDEC64-0068-DE7D-62C6-8A672128E205}"/>
+              </a:ext>
+            </a:extLst>
+          </p:cNvPr>
+          <p:cNvSpPr>
+            <a:spLocks noGrp="1"/>
+          </p:cNvSpPr>
+          <p:nvPr>
+            <p:ph type="title"/>
+          </p:nvPr>
+        </p:nvSpPr>
+        <p:spPr/>
+        <p:txBody>
+          <a:bodyPr/>
+          <a:lstStyle/>
+          <a:p>
+            <a:r>
+              <a:rPr lang="en-US" dirty="0"/>
+              <a:t>Reminder: Using the HDI and the ROPE</a:t>
+            </a:r>
+            <a:endParaRPr lang="en-IL" dirty="0"/>
+          </a:p>
+        </p:txBody>
+      </p:sp>
+      <p:sp>
+        <p:nvSpPr>
+          <p:cNvPr id="7" name="Content Placeholder 6">
+            <a:extLst>
+              <a:ext uri="{FF2B5EF4-FFF2-40B4-BE49-F238E27FC236}">
+                <a16:creationId xmlns:a16="http://schemas.microsoft.com/office/drawing/2014/main" id="{855310EE-A75E-A0E5-AF3E-A628A9A7C85A}"/>
+              </a:ext>
+            </a:extLst>
+          </p:cNvPr>
+          <p:cNvSpPr>
+            <a:spLocks noGrp="1"/>
+          </p:cNvSpPr>
+          <p:nvPr>
+            <p:ph idx="1"/>
+          </p:nvPr>
+        </p:nvSpPr>
+        <p:spPr>
+          <a:xfrm>
+            <a:off x="368820" y="1825625"/>
+            <a:ext cx="5405816" cy="4351338"/>
+          </a:xfrm>
+        </p:spPr>
+        <p:txBody>
+          <a:bodyPr/>
+          <a:lstStyle/>
+          <a:p>
+            <a:r>
+              <a:rPr lang="en-US" dirty="0"/>
+              <a:t>HDI doesn’t overlap ROPE</a:t>
+            </a:r>
+          </a:p>
+          <a:p>
+            <a:pPr lvl="1"/>
+            <a:r>
+              <a:rPr lang="en-US" dirty="0"/>
+              <a:t>Reject null model</a:t>
+            </a:r>
+          </a:p>
+          <a:p>
+            <a:pPr lvl="2"/>
+            <a:r>
+              <a:rPr lang="en-US" dirty="0"/>
+              <a:t>Falsified!!</a:t>
+            </a:r>
+          </a:p>
+          <a:p>
+            <a:pPr lvl="1"/>
+            <a:r>
+              <a:rPr lang="en-US" dirty="0"/>
+              <a:t>Popperian hypothesis testing</a:t>
+            </a:r>
+          </a:p>
+          <a:p>
+            <a:r>
+              <a:rPr lang="en-US" dirty="0"/>
+              <a:t>HDI within ROPE</a:t>
+            </a:r>
+          </a:p>
+          <a:p>
+            <a:pPr lvl="1"/>
+            <a:r>
+              <a:rPr lang="en-US" dirty="0"/>
+              <a:t>Accept null model?</a:t>
+            </a:r>
+          </a:p>
+          <a:p>
+            <a:pPr lvl="2"/>
+            <a:r>
+              <a:rPr lang="en-US" dirty="0"/>
+              <a:t>Falsify vague alternative possibilities</a:t>
+            </a:r>
+          </a:p>
+          <a:p>
+            <a:r>
+              <a:rPr lang="en-US" dirty="0"/>
+              <a:t>Otherwise</a:t>
+            </a:r>
+          </a:p>
+          <a:p>
+            <a:pPr lvl="1"/>
+            <a:r>
+              <a:rPr lang="en-US" dirty="0"/>
+              <a:t>Inconclusive</a:t>
+            </a:r>
+          </a:p>
+          <a:p>
+            <a:pPr lvl="2"/>
+            <a:r>
+              <a:rPr lang="en-US" dirty="0"/>
+              <a:t>Get more data or rethink experiment</a:t>
+            </a:r>
+          </a:p>
+          <a:p>
+            <a:endParaRPr lang="en-IL" dirty="0"/>
+          </a:p>
+        </p:txBody>
+      </p:sp>
+      <p:sp>
+        <p:nvSpPr>
+          <p:cNvPr id="4" name="Slide Number Placeholder 3">
+            <a:extLst>
+              <a:ext uri="{FF2B5EF4-FFF2-40B4-BE49-F238E27FC236}">
+                <a16:creationId xmlns:a16="http://schemas.microsoft.com/office/drawing/2014/main" id="{70688E58-C718-A7C3-F7A8-2E5438284652}"/>
+              </a:ext>
+            </a:extLst>
+          </p:cNvPr>
+          <p:cNvSpPr>
+            <a:spLocks noGrp="1"/>
+          </p:cNvSpPr>
+          <p:nvPr>
+            <p:ph type="sldNum" sz="quarter" idx="12"/>
+          </p:nvPr>
+        </p:nvSpPr>
+        <p:spPr/>
+        <p:txBody>
+          <a:bodyPr/>
+          <a:lstStyle/>
+          <a:p>
+            <a:fld id="{E0DC7AD3-7C2E-418B-8082-788996B615FB}" type="slidenum">
+              <a:rPr lang="en-GB" smtClean="0"/>
+              <a:t>21</a:t>
+            </a:fld>
+            <a:endParaRPr lang="en-GB"/>
+          </a:p>
+        </p:txBody>
+      </p:sp>
+      <p:pic>
+        <p:nvPicPr>
+          <p:cNvPr id="6" name="Picture 5">
+            <a:extLst>
+              <a:ext uri="{FF2B5EF4-FFF2-40B4-BE49-F238E27FC236}">
+                <a16:creationId xmlns:a16="http://schemas.microsoft.com/office/drawing/2014/main" id="{361954E3-BAE5-9D8D-0746-85FC36E50B05}"/>
+              </a:ext>
+            </a:extLst>
+          </p:cNvPr>
+          <p:cNvPicPr>
+            <a:picLocks noChangeAspect="1"/>
+          </p:cNvPicPr>
+          <p:nvPr/>
+        </p:nvPicPr>
+        <p:blipFill>
+          <a:blip r:embed="rId2" cstate="email">
+            <a:extLst>
+              <a:ext uri="{28A0092B-C50C-407E-A947-70E740481C1C}">
+                <a14:useLocalDpi xmlns:a14="http://schemas.microsoft.com/office/drawing/2010/main" val="0"/>
+              </a:ext>
+            </a:extLst>
+          </a:blip>
+          <a:srcRect/>
+          <a:stretch/>
+        </p:blipFill>
+        <p:spPr>
+          <a:xfrm>
+            <a:off x="6241135" y="1570381"/>
+            <a:ext cx="5582046" cy="4922493"/>
+          </a:xfrm>
+          <a:prstGeom prst="rect">
+            <a:avLst/>
+          </a:prstGeom>
+        </p:spPr>
+      </p:pic>
+    </p:spTree>
+    <p:extLst>
+      <p:ext uri="{BB962C8B-B14F-4D97-AF65-F5344CB8AC3E}">
+        <p14:creationId xmlns:p14="http://schemas.microsoft.com/office/powerpoint/2010/main" val="3013090218"/>
+      </p:ext>
+    </p:extLst>
+  </p:cSld>
+  <p:clrMapOvr>
+    <a:masterClrMapping/>
+  </p:clrMapOvr>
+</p:sld>
+</file>
+
+<file path=ppt/slides/slide22.xml><?xml version="1.0" encoding="utf-8"?>
+<p:sld xmlns:a="http://schemas.openxmlformats.org/drawingml/2006/main" xmlns:r="http://schemas.openxmlformats.org/officeDocument/2006/relationships" xmlns:p="http://schemas.openxmlformats.org/presentationml/2006/main">
+  <p:cSld>
+    <p:spTree>
+      <p:nvGrpSpPr>
+        <p:cNvPr id="1" name=""/>
+        <p:cNvGrpSpPr/>
+        <p:nvPr/>
+      </p:nvGrpSpPr>
+      <p:grpSpPr>
+        <a:xfrm>
+          <a:off x="0" y="0"/>
+          <a:ext cx="0" cy="0"/>
+          <a:chOff x="0" y="0"/>
+          <a:chExt cx="0" cy="0"/>
+        </a:xfrm>
+      </p:grpSpPr>
+      <p:sp>
+        <p:nvSpPr>
+          <p:cNvPr id="2" name="Title 1">
+            <a:extLst>
+              <a:ext uri="{FF2B5EF4-FFF2-40B4-BE49-F238E27FC236}">
+                <a16:creationId xmlns:a16="http://schemas.microsoft.com/office/drawing/2014/main" id="{CF43A61F-EA9B-3E7F-299E-3CB559DFD5F4}"/>
+              </a:ext>
+            </a:extLst>
+          </p:cNvPr>
+          <p:cNvSpPr>
+            <a:spLocks noGrp="1"/>
+          </p:cNvSpPr>
+          <p:nvPr>
+            <p:ph type="title"/>
+          </p:nvPr>
+        </p:nvSpPr>
+        <p:spPr/>
+        <p:txBody>
+          <a:bodyPr/>
+          <a:lstStyle/>
+          <a:p>
+            <a:r>
+              <a:rPr lang="en-US" dirty="0"/>
+              <a:t>HDI and ROPE as model comparison</a:t>
+            </a:r>
+            <a:endParaRPr lang="en-IL" dirty="0"/>
+          </a:p>
+        </p:txBody>
+      </p:sp>
+      <p:sp>
+        <p:nvSpPr>
+          <p:cNvPr id="3" name="Content Placeholder 2">
+            <a:extLst>
+              <a:ext uri="{FF2B5EF4-FFF2-40B4-BE49-F238E27FC236}">
+                <a16:creationId xmlns:a16="http://schemas.microsoft.com/office/drawing/2014/main" id="{6975D424-FAAB-FEC5-D502-A5A0A00C7BEF}"/>
+              </a:ext>
+            </a:extLst>
+          </p:cNvPr>
+          <p:cNvSpPr>
+            <a:spLocks noGrp="1"/>
+          </p:cNvSpPr>
+          <p:nvPr>
+            <p:ph sz="half" idx="1"/>
+          </p:nvPr>
+        </p:nvSpPr>
+        <p:spPr/>
+        <p:txBody>
+          <a:bodyPr>
+            <a:normAutofit/>
+          </a:bodyPr>
+          <a:lstStyle/>
+          <a:p>
+            <a:r>
+              <a:rPr lang="en-US" dirty="0"/>
+              <a:t>Compare</a:t>
+            </a:r>
+          </a:p>
+          <a:p>
+            <a:pPr lvl="1"/>
+            <a:r>
+              <a:rPr lang="en-US" dirty="0"/>
+              <a:t>A model centered near the null value</a:t>
+            </a:r>
+          </a:p>
+          <a:p>
+            <a:pPr lvl="1"/>
+            <a:r>
+              <a:rPr lang="en-US" dirty="0"/>
+              <a:t>All other models</a:t>
+            </a:r>
+          </a:p>
+          <a:p>
+            <a:r>
+              <a:rPr lang="en-US" dirty="0"/>
+              <a:t>If one is falsified</a:t>
+            </a:r>
+          </a:p>
+          <a:p>
+            <a:pPr lvl="1"/>
+            <a:r>
+              <a:rPr lang="en-US" dirty="0"/>
+              <a:t>The other model is better</a:t>
+            </a:r>
+          </a:p>
+          <a:p>
+            <a:pPr lvl="1"/>
+            <a:endParaRPr lang="en-US" dirty="0"/>
+          </a:p>
+        </p:txBody>
+      </p:sp>
+      <p:sp>
+        <p:nvSpPr>
+          <p:cNvPr id="5" name="Content Placeholder 4">
+            <a:extLst>
+              <a:ext uri="{FF2B5EF4-FFF2-40B4-BE49-F238E27FC236}">
+                <a16:creationId xmlns:a16="http://schemas.microsoft.com/office/drawing/2014/main" id="{65713EF7-36C3-B0F4-E2B1-43696DD4C5DE}"/>
+              </a:ext>
+            </a:extLst>
+          </p:cNvPr>
+          <p:cNvSpPr>
+            <a:spLocks noGrp="1"/>
+          </p:cNvSpPr>
+          <p:nvPr>
+            <p:ph sz="half" idx="2"/>
+          </p:nvPr>
+        </p:nvSpPr>
+        <p:spPr/>
+        <p:txBody>
+          <a:bodyPr>
+            <a:normAutofit/>
+          </a:bodyPr>
+          <a:lstStyle/>
+          <a:p>
+            <a:r>
+              <a:rPr lang="en-US" dirty="0"/>
+              <a:t>Weaknesses</a:t>
+            </a:r>
+          </a:p>
+          <a:p>
+            <a:pPr lvl="1"/>
+            <a:r>
+              <a:rPr lang="en-US" dirty="0"/>
+              <a:t>Arbitrary ROPE</a:t>
+            </a:r>
+          </a:p>
+          <a:p>
+            <a:pPr lvl="1"/>
+            <a:r>
+              <a:rPr lang="en-US" dirty="0"/>
+              <a:t>Arbitrary HDI width</a:t>
+            </a:r>
+          </a:p>
+          <a:p>
+            <a:pPr lvl="1"/>
+            <a:r>
+              <a:rPr lang="en-US" dirty="0"/>
+              <a:t>Poorly specified alternatives</a:t>
+            </a:r>
+            <a:endParaRPr lang="en-IL" dirty="0"/>
+          </a:p>
+          <a:p>
+            <a:r>
+              <a:rPr lang="en-US" dirty="0"/>
+              <a:t>Strengths</a:t>
+            </a:r>
+          </a:p>
+          <a:p>
+            <a:pPr lvl="1"/>
+            <a:r>
+              <a:rPr lang="en-US" dirty="0"/>
+              <a:t>Simple to apply</a:t>
+            </a:r>
+          </a:p>
+          <a:p>
+            <a:pPr lvl="1"/>
+            <a:r>
+              <a:rPr lang="en-US" dirty="0"/>
+              <a:t>Simple to understand</a:t>
+            </a:r>
+          </a:p>
+          <a:p>
+            <a:pPr lvl="1"/>
+            <a:r>
+              <a:rPr lang="en-US" dirty="0"/>
+              <a:t>Clear parallels in frequentist methods</a:t>
+            </a:r>
+          </a:p>
+        </p:txBody>
+      </p:sp>
+      <p:sp>
+        <p:nvSpPr>
+          <p:cNvPr id="4" name="Slide Number Placeholder 3">
+            <a:extLst>
+              <a:ext uri="{FF2B5EF4-FFF2-40B4-BE49-F238E27FC236}">
+                <a16:creationId xmlns:a16="http://schemas.microsoft.com/office/drawing/2014/main" id="{0DCBD676-9BE5-5B74-1A5E-07B140707ED0}"/>
+              </a:ext>
+            </a:extLst>
+          </p:cNvPr>
+          <p:cNvSpPr>
+            <a:spLocks noGrp="1"/>
+          </p:cNvSpPr>
+          <p:nvPr>
+            <p:ph type="sldNum" sz="quarter" idx="12"/>
+          </p:nvPr>
+        </p:nvSpPr>
+        <p:spPr/>
+        <p:txBody>
+          <a:bodyPr/>
+          <a:lstStyle/>
+          <a:p>
+            <a:fld id="{E0DC7AD3-7C2E-418B-8082-788996B615FB}" type="slidenum">
+              <a:rPr lang="en-GB" smtClean="0"/>
+              <a:t>22</a:t>
+            </a:fld>
+            <a:endParaRPr lang="en-GB"/>
+          </a:p>
+        </p:txBody>
+      </p:sp>
+    </p:spTree>
+    <p:extLst>
+      <p:ext uri="{BB962C8B-B14F-4D97-AF65-F5344CB8AC3E}">
+        <p14:creationId xmlns:p14="http://schemas.microsoft.com/office/powerpoint/2010/main" val="578022685"/>
+      </p:ext>
+    </p:extLst>
+  </p:cSld>
+  <p:clrMapOvr>
+    <a:masterClrMapping/>
+  </p:clrMapOvr>
+</p:sld>
+</file>
+
+<file path=ppt/slides/slide23.xml><?xml version="1.0" encoding="utf-8"?>
+<p:sld xmlns:a="http://schemas.openxmlformats.org/drawingml/2006/main" xmlns:r="http://schemas.openxmlformats.org/officeDocument/2006/relationships" xmlns:p="http://schemas.openxmlformats.org/presentationml/2006/main">
+  <p:cSld>
+    <p:spTree>
+      <p:nvGrpSpPr>
+        <p:cNvPr id="1" name="">
+          <a:extLst>
+            <a:ext uri="{FF2B5EF4-FFF2-40B4-BE49-F238E27FC236}">
+              <a16:creationId xmlns:a16="http://schemas.microsoft.com/office/drawing/2014/main" id="{E2BBA615-B70A-3482-6B1D-DDAFFA27679D}"/>
+            </a:ext>
+          </a:extLst>
+        </p:cNvPr>
+        <p:cNvGrpSpPr/>
+        <p:nvPr/>
+      </p:nvGrpSpPr>
+      <p:grpSpPr>
+        <a:xfrm>
+          <a:off x="0" y="0"/>
+          <a:ext cx="0" cy="0"/>
+          <a:chOff x="0" y="0"/>
+          <a:chExt cx="0" cy="0"/>
+        </a:xfrm>
+      </p:grpSpPr>
+      <p:sp>
+        <p:nvSpPr>
+          <p:cNvPr id="2" name="Title 1">
+            <a:extLst>
+              <a:ext uri="{FF2B5EF4-FFF2-40B4-BE49-F238E27FC236}">
+                <a16:creationId xmlns:a16="http://schemas.microsoft.com/office/drawing/2014/main" id="{6700D132-0175-A2CD-E157-09827BEC9BF7}"/>
+              </a:ext>
+            </a:extLst>
+          </p:cNvPr>
+          <p:cNvSpPr>
+            <a:spLocks noGrp="1"/>
+          </p:cNvSpPr>
+          <p:nvPr>
+            <p:ph type="title"/>
+          </p:nvPr>
+        </p:nvSpPr>
+        <p:spPr/>
+        <p:txBody>
+          <a:bodyPr/>
+          <a:lstStyle/>
+          <a:p>
+            <a:r>
+              <a:rPr lang="en-US" dirty="0"/>
+              <a:t>What makes a good model?</a:t>
+            </a:r>
+            <a:endParaRPr lang="en-IL" dirty="0"/>
+          </a:p>
+        </p:txBody>
+      </p:sp>
+      <p:sp>
+        <p:nvSpPr>
+          <p:cNvPr id="3" name="Content Placeholder 2">
+            <a:extLst>
+              <a:ext uri="{FF2B5EF4-FFF2-40B4-BE49-F238E27FC236}">
+                <a16:creationId xmlns:a16="http://schemas.microsoft.com/office/drawing/2014/main" id="{863A2874-9E3F-DEBE-C93A-534415260B51}"/>
+              </a:ext>
+            </a:extLst>
+          </p:cNvPr>
+          <p:cNvSpPr>
+            <a:spLocks noGrp="1"/>
+          </p:cNvSpPr>
+          <p:nvPr>
+            <p:ph idx="1"/>
+          </p:nvPr>
+        </p:nvSpPr>
+        <p:spPr/>
+        <p:txBody>
+          <a:bodyPr/>
+          <a:lstStyle/>
+          <a:p>
+            <a:r>
+              <a:rPr lang="en-US" dirty="0"/>
+              <a:t>Theory building</a:t>
+            </a:r>
+          </a:p>
+          <a:p>
+            <a:pPr lvl="1"/>
+            <a:r>
+              <a:rPr lang="en-US" dirty="0"/>
+              <a:t>Science is accepting good enough models</a:t>
+            </a:r>
+          </a:p>
+          <a:p>
+            <a:pPr lvl="1"/>
+            <a:r>
+              <a:rPr lang="en-US" dirty="0"/>
+              <a:t>Good models explain the phenomenon</a:t>
+            </a:r>
+          </a:p>
+          <a:p>
+            <a:r>
+              <a:rPr lang="en-US" dirty="0"/>
+              <a:t>Hypothesis testing</a:t>
+            </a:r>
+          </a:p>
+          <a:p>
+            <a:pPr lvl="1"/>
+            <a:r>
+              <a:rPr lang="en-US" dirty="0"/>
+              <a:t>Science is rejecting bad models</a:t>
+            </a:r>
+          </a:p>
+          <a:p>
+            <a:pPr lvl="1"/>
+            <a:r>
+              <a:rPr lang="en-US" dirty="0"/>
+              <a:t>Good models are what remains after the bad ones are rejected</a:t>
+            </a:r>
+          </a:p>
+          <a:p>
+            <a:r>
+              <a:rPr lang="en-US" dirty="0"/>
+              <a:t>Predictive power</a:t>
+            </a:r>
+          </a:p>
+          <a:p>
+            <a:pPr lvl="1"/>
+            <a:r>
+              <a:rPr lang="en-US" dirty="0"/>
+              <a:t>Science is comparing candidate models</a:t>
+            </a:r>
+          </a:p>
+          <a:p>
+            <a:pPr lvl="1"/>
+            <a:r>
+              <a:rPr lang="en-US" dirty="0"/>
+              <a:t>Good models have </a:t>
+            </a:r>
+            <a:r>
+              <a:rPr lang="en-US"/>
+              <a:t>better predictive power</a:t>
+            </a:r>
+            <a:endParaRPr lang="en-IL"/>
+          </a:p>
+        </p:txBody>
+      </p:sp>
+      <p:sp>
+        <p:nvSpPr>
+          <p:cNvPr id="4" name="Slide Number Placeholder 3">
+            <a:extLst>
+              <a:ext uri="{FF2B5EF4-FFF2-40B4-BE49-F238E27FC236}">
+                <a16:creationId xmlns:a16="http://schemas.microsoft.com/office/drawing/2014/main" id="{6205210E-647E-2523-32A7-85C06166FE86}"/>
+              </a:ext>
+            </a:extLst>
+          </p:cNvPr>
+          <p:cNvSpPr>
+            <a:spLocks noGrp="1"/>
+          </p:cNvSpPr>
+          <p:nvPr>
+            <p:ph type="sldNum" sz="quarter" idx="12"/>
+          </p:nvPr>
+        </p:nvSpPr>
+        <p:spPr/>
+        <p:txBody>
+          <a:bodyPr/>
+          <a:lstStyle/>
+          <a:p>
+            <a:fld id="{E0DC7AD3-7C2E-418B-8082-788996B615FB}" type="slidenum">
+              <a:rPr lang="en-GB" smtClean="0"/>
+              <a:t>23</a:t>
+            </a:fld>
+            <a:endParaRPr lang="en-GB"/>
+          </a:p>
+        </p:txBody>
+      </p:sp>
+      <p:sp>
+        <p:nvSpPr>
+          <p:cNvPr id="5" name="Rectangle 4">
+            <a:extLst>
+              <a:ext uri="{FF2B5EF4-FFF2-40B4-BE49-F238E27FC236}">
+                <a16:creationId xmlns:a16="http://schemas.microsoft.com/office/drawing/2014/main" id="{3242E253-D45F-1533-6DB2-8F6DF256A135}"/>
+              </a:ext>
+            </a:extLst>
+          </p:cNvPr>
+          <p:cNvSpPr/>
+          <p:nvPr/>
+        </p:nvSpPr>
+        <p:spPr>
+          <a:xfrm>
+            <a:off x="707571" y="3135086"/>
+            <a:ext cx="9383486" cy="1325563"/>
+          </a:xfrm>
+          <a:prstGeom prst="rect">
+            <a:avLst/>
+          </a:prstGeom>
+          <a:noFill/>
+          <a:ln w="38100" cap="flat" cmpd="sng" algn="ctr">
+            <a:solidFill>
+              <a:srgbClr val="FF0000"/>
+            </a:solidFill>
+            <a:prstDash val="solid"/>
+            <a:round/>
+            <a:headEnd type="none" w="med" len="med"/>
+            <a:tailEnd type="none" w="med" len="med"/>
+          </a:ln>
+        </p:spPr>
+        <p:style>
+          <a:lnRef idx="0">
+            <a:scrgbClr r="0" g="0" b="0"/>
+          </a:lnRef>
+          <a:fillRef idx="0">
+            <a:scrgbClr r="0" g="0" b="0"/>
+          </a:fillRef>
+          <a:effectRef idx="0">
+            <a:scrgbClr r="0" g="0" b="0"/>
+          </a:effectRef>
+          <a:fontRef idx="minor">
+            <a:schemeClr val="accent2"/>
+          </a:fontRef>
+        </p:style>
+        <p:txBody>
+          <a:bodyPr rtlCol="1" anchor="ctr"/>
+          <a:lstStyle/>
+          <a:p>
+            <a:pPr algn="ctr"/>
+            <a:endParaRPr lang="he-IL"/>
+          </a:p>
+        </p:txBody>
+      </p:sp>
+      <p:sp>
+        <p:nvSpPr>
+          <p:cNvPr id="6" name="TextBox 5">
+            <a:extLst>
+              <a:ext uri="{FF2B5EF4-FFF2-40B4-BE49-F238E27FC236}">
+                <a16:creationId xmlns:a16="http://schemas.microsoft.com/office/drawing/2014/main" id="{8EB56C89-84DC-FAD9-9EEA-AC5213E426E2}"/>
+              </a:ext>
+            </a:extLst>
+          </p:cNvPr>
+          <p:cNvSpPr txBox="1"/>
+          <p:nvPr/>
+        </p:nvSpPr>
+        <p:spPr>
+          <a:xfrm>
+            <a:off x="10091057" y="3135086"/>
+            <a:ext cx="1890389" cy="461665"/>
+          </a:xfrm>
+          <a:prstGeom prst="rect">
+            <a:avLst/>
+          </a:prstGeom>
+          <a:noFill/>
+          <a:ln w="38100">
+            <a:solidFill>
+              <a:srgbClr val="FF0000"/>
+            </a:solidFill>
+          </a:ln>
+        </p:spPr>
+        <p:txBody>
+          <a:bodyPr wrap="none" rtlCol="1">
+            <a:spAutoFit/>
+          </a:bodyPr>
+          <a:lstStyle/>
+          <a:p>
+            <a:r>
+              <a:rPr lang="en-US" sz="2400" dirty="0"/>
+              <a:t>Rope and HDI</a:t>
+            </a:r>
+            <a:endParaRPr lang="he-IL" sz="2400" dirty="0"/>
+          </a:p>
+        </p:txBody>
+      </p:sp>
+    </p:spTree>
+    <p:extLst>
+      <p:ext uri="{BB962C8B-B14F-4D97-AF65-F5344CB8AC3E}">
+        <p14:creationId xmlns:p14="http://schemas.microsoft.com/office/powerpoint/2010/main" val="1895196880"/>
+      </p:ext>
+    </p:extLst>
+  </p:cSld>
+  <p:clrMapOvr>
+    <a:masterClrMapping/>
+  </p:clrMapOvr>
+</p:sld>
+</file>
+
+<file path=ppt/slides/slide3.xml><?xml version="1.0" encoding="utf-8"?>
+<p:sld xmlns:a="http://schemas.openxmlformats.org/drawingml/2006/main" xmlns:r="http://schemas.openxmlformats.org/officeDocument/2006/relationships" xmlns:p="http://schemas.openxmlformats.org/presentationml/2006/main">
+  <p:cSld>
+    <p:spTree>
+      <p:nvGrpSpPr>
+        <p:cNvPr id="1" name="">
+          <a:extLst>
+            <a:ext uri="{FF2B5EF4-FFF2-40B4-BE49-F238E27FC236}">
+              <a16:creationId xmlns:a16="http://schemas.microsoft.com/office/drawing/2014/main" id="{42324501-CF21-4119-1252-FA5CBAEBF296}"/>
+            </a:ext>
+          </a:extLst>
+        </p:cNvPr>
+        <p:cNvGrpSpPr/>
+        <p:nvPr/>
+      </p:nvGrpSpPr>
+      <p:grpSpPr>
+        <a:xfrm>
+          <a:off x="0" y="0"/>
+          <a:ext cx="0" cy="0"/>
+          <a:chOff x="0" y="0"/>
+          <a:chExt cx="0" cy="0"/>
+        </a:xfrm>
+      </p:grpSpPr>
+      <p:sp>
+        <p:nvSpPr>
+          <p:cNvPr id="6" name="Title 5">
+            <a:extLst>
+              <a:ext uri="{FF2B5EF4-FFF2-40B4-BE49-F238E27FC236}">
+                <a16:creationId xmlns:a16="http://schemas.microsoft.com/office/drawing/2014/main" id="{92F8815B-65D2-3D74-FECC-90AB1A240C72}"/>
+              </a:ext>
+            </a:extLst>
+          </p:cNvPr>
+          <p:cNvSpPr>
+            <a:spLocks noGrp="1"/>
+          </p:cNvSpPr>
+          <p:nvPr>
+            <p:ph type="title"/>
+          </p:nvPr>
+        </p:nvSpPr>
+        <p:spPr/>
+        <p:txBody>
+          <a:bodyPr/>
+          <a:lstStyle/>
+          <a:p>
+            <a:endParaRPr lang="en-IL"/>
+          </a:p>
+        </p:txBody>
+      </p:sp>
+      <p:sp>
+        <p:nvSpPr>
+          <p:cNvPr id="7" name="Text Placeholder 6">
+            <a:extLst>
+              <a:ext uri="{FF2B5EF4-FFF2-40B4-BE49-F238E27FC236}">
+                <a16:creationId xmlns:a16="http://schemas.microsoft.com/office/drawing/2014/main" id="{6022E3A7-54C1-F892-6552-809F16904057}"/>
+              </a:ext>
+            </a:extLst>
+          </p:cNvPr>
+          <p:cNvSpPr>
+            <a:spLocks noGrp="1"/>
+          </p:cNvSpPr>
+          <p:nvPr>
+            <p:ph type="body" idx="1"/>
+          </p:nvPr>
+        </p:nvSpPr>
+        <p:spPr/>
+        <p:txBody>
+          <a:bodyPr>
+            <a:normAutofit fontScale="85000" lnSpcReduction="10000"/>
+          </a:bodyPr>
+          <a:lstStyle/>
+          <a:p>
+            <a:pPr algn="ctr"/>
+            <a:r>
+              <a:rPr lang="en-US" sz="7200" dirty="0"/>
+              <a:t>8B Overfitting and underfitting</a:t>
+            </a:r>
+            <a:endParaRPr lang="en-IL" sz="7200" dirty="0"/>
+          </a:p>
+        </p:txBody>
+      </p:sp>
+      <p:sp>
+        <p:nvSpPr>
+          <p:cNvPr id="5" name="Slide Number Placeholder 4">
+            <a:extLst>
+              <a:ext uri="{FF2B5EF4-FFF2-40B4-BE49-F238E27FC236}">
+                <a16:creationId xmlns:a16="http://schemas.microsoft.com/office/drawing/2014/main" id="{3C7D7606-2528-021C-25F9-6CA56999FCC7}"/>
+              </a:ext>
+            </a:extLst>
+          </p:cNvPr>
+          <p:cNvSpPr>
+            <a:spLocks noGrp="1"/>
+          </p:cNvSpPr>
+          <p:nvPr>
+            <p:ph type="sldNum" sz="quarter" idx="12"/>
+          </p:nvPr>
+        </p:nvSpPr>
+        <p:spPr/>
+        <p:txBody>
+          <a:bodyPr/>
+          <a:lstStyle/>
+          <a:p>
+            <a:pPr>
+              <a:defRPr/>
+            </a:pPr>
+            <a:fld id="{3469EAC8-EFAD-49DA-A425-6225312A328A}" type="slidenum">
+              <a:rPr lang="he-IL" altLang="en-US" smtClean="0"/>
+              <a:pPr>
+                <a:defRPr/>
+              </a:pPr>
+              <a:t>3</a:t>
+            </a:fld>
+            <a:r>
+              <a:rPr lang="en-US" altLang="en-US"/>
+              <a:t> /  72</a:t>
+            </a:r>
+          </a:p>
+        </p:txBody>
+      </p:sp>
+    </p:spTree>
+    <p:extLst>
+      <p:ext uri="{BB962C8B-B14F-4D97-AF65-F5344CB8AC3E}">
+        <p14:creationId xmlns:p14="http://schemas.microsoft.com/office/powerpoint/2010/main" val="3950791214"/>
+      </p:ext>
+    </p:extLst>
+  </p:cSld>
+  <p:clrMapOvr>
+    <a:masterClrMapping/>
+  </p:clrMapOvr>
+</p:sld>
+</file>
+
+<file path=ppt/slides/slide4.xml><?xml version="1.0" encoding="utf-8"?>
+<p:sld xmlns:a="http://schemas.openxmlformats.org/drawingml/2006/main" xmlns:r="http://schemas.openxmlformats.org/officeDocument/2006/relationships" xmlns:p="http://schemas.openxmlformats.org/presentationml/2006/main">
+  <p:cSld>
+    <p:spTree>
+      <p:nvGrpSpPr>
+        <p:cNvPr id="1" name=""/>
+        <p:cNvGrpSpPr/>
+        <p:nvPr/>
+      </p:nvGrpSpPr>
+      <p:grpSpPr>
+        <a:xfrm>
+          <a:off x="0" y="0"/>
+          <a:ext cx="0" cy="0"/>
+          <a:chOff x="0" y="0"/>
+          <a:chExt cx="0" cy="0"/>
+        </a:xfrm>
+      </p:grpSpPr>
+      <p:sp>
+        <p:nvSpPr>
+          <p:cNvPr id="2" name="Title 1">
+            <a:extLst>
+              <a:ext uri="{FF2B5EF4-FFF2-40B4-BE49-F238E27FC236}">
+                <a16:creationId xmlns:a16="http://schemas.microsoft.com/office/drawing/2014/main" id="{5334833A-A9A2-99D0-40FD-4AFE6D91F890}"/>
+              </a:ext>
+            </a:extLst>
+          </p:cNvPr>
+          <p:cNvSpPr>
+            <a:spLocks noGrp="1"/>
+          </p:cNvSpPr>
+          <p:nvPr>
+            <p:ph type="title"/>
+          </p:nvPr>
+        </p:nvSpPr>
+        <p:spPr>
+          <a:xfrm>
+            <a:off x="838200" y="365125"/>
+            <a:ext cx="10515600" cy="707895"/>
+          </a:xfrm>
+        </p:spPr>
+        <p:txBody>
+          <a:bodyPr/>
+          <a:lstStyle/>
+          <a:p>
+            <a:r>
+              <a:rPr lang="en-US" dirty="0"/>
+              <a:t>Occam’s razor</a:t>
+            </a:r>
+            <a:endParaRPr lang="en-IL" dirty="0"/>
+          </a:p>
+        </p:txBody>
+      </p:sp>
+      <p:sp>
+        <p:nvSpPr>
+          <p:cNvPr id="3" name="Content Placeholder 2">
+            <a:extLst>
+              <a:ext uri="{FF2B5EF4-FFF2-40B4-BE49-F238E27FC236}">
+                <a16:creationId xmlns:a16="http://schemas.microsoft.com/office/drawing/2014/main" id="{58E9E594-3ABB-F879-1353-104420C3CADA}"/>
+              </a:ext>
+            </a:extLst>
+          </p:cNvPr>
+          <p:cNvSpPr>
+            <a:spLocks noGrp="1"/>
+          </p:cNvSpPr>
+          <p:nvPr>
+            <p:ph idx="1"/>
+          </p:nvPr>
+        </p:nvSpPr>
+        <p:spPr>
+          <a:xfrm>
+            <a:off x="838200" y="1117730"/>
+            <a:ext cx="10515600" cy="2642507"/>
+          </a:xfrm>
+        </p:spPr>
+        <p:txBody>
+          <a:bodyPr/>
+          <a:lstStyle/>
+          <a:p>
+            <a:r>
+              <a:rPr lang="en-US" dirty="0"/>
+              <a:t>Given two explanations that both explain the phenomena</a:t>
+            </a:r>
+          </a:p>
+          <a:p>
+            <a:pPr lvl="1"/>
+            <a:r>
+              <a:rPr lang="en-US" dirty="0"/>
+              <a:t>Prefer the simpler</a:t>
+            </a:r>
+          </a:p>
+          <a:p>
+            <a:r>
+              <a:rPr lang="en-US" dirty="0"/>
+              <a:t>William of Ockham 1287-1347</a:t>
+            </a:r>
+          </a:p>
+          <a:p>
+            <a:pPr lvl="1"/>
+            <a:r>
+              <a:rPr lang="en-US" dirty="0"/>
+              <a:t>English Friar and Theologian</a:t>
+            </a:r>
+          </a:p>
+          <a:p>
+            <a:pPr lvl="1"/>
+            <a:r>
+              <a:rPr lang="en-US" dirty="0"/>
+              <a:t>Used the principle effectively</a:t>
+            </a:r>
+          </a:p>
+          <a:p>
+            <a:pPr lvl="1"/>
+            <a:r>
+              <a:rPr lang="en-US" dirty="0"/>
+              <a:t>Attributed to him by philosophers in 1600s</a:t>
+            </a:r>
+          </a:p>
+          <a:p>
+            <a:endParaRPr lang="en-IL" dirty="0"/>
+          </a:p>
+        </p:txBody>
+      </p:sp>
+      <p:sp>
+        <p:nvSpPr>
+          <p:cNvPr id="4" name="Slide Number Placeholder 3">
+            <a:extLst>
+              <a:ext uri="{FF2B5EF4-FFF2-40B4-BE49-F238E27FC236}">
+                <a16:creationId xmlns:a16="http://schemas.microsoft.com/office/drawing/2014/main" id="{F4A45E16-C23F-1007-B386-5BE016144128}"/>
+              </a:ext>
+            </a:extLst>
+          </p:cNvPr>
+          <p:cNvSpPr>
+            <a:spLocks noGrp="1"/>
+          </p:cNvSpPr>
+          <p:nvPr>
+            <p:ph type="sldNum" sz="quarter" idx="12"/>
+          </p:nvPr>
+        </p:nvSpPr>
+        <p:spPr/>
+        <p:txBody>
+          <a:bodyPr/>
+          <a:lstStyle/>
+          <a:p>
+            <a:fld id="{E0DC7AD3-7C2E-418B-8082-788996B615FB}" type="slidenum">
+              <a:rPr lang="en-GB" smtClean="0"/>
+              <a:t>4</a:t>
+            </a:fld>
+            <a:endParaRPr lang="en-GB"/>
+          </a:p>
+        </p:txBody>
+      </p:sp>
+      <p:sp>
+        <p:nvSpPr>
+          <p:cNvPr id="5" name="Title 1">
+            <a:extLst>
+              <a:ext uri="{FF2B5EF4-FFF2-40B4-BE49-F238E27FC236}">
+                <a16:creationId xmlns:a16="http://schemas.microsoft.com/office/drawing/2014/main" id="{0FB47CB3-E092-4F99-54DF-A3EC40986DA3}"/>
+              </a:ext>
+            </a:extLst>
+          </p:cNvPr>
+          <p:cNvSpPr txBox="1">
+            <a:spLocks/>
+          </p:cNvSpPr>
+          <p:nvPr/>
+        </p:nvSpPr>
+        <p:spPr>
+          <a:xfrm>
+            <a:off x="838200" y="3956183"/>
+            <a:ext cx="10515600" cy="707895"/>
+          </a:xfrm>
+          <a:prstGeom prst="rect">
+            <a:avLst/>
+          </a:prstGeom>
+        </p:spPr>
+        <p:txBody>
+          <a:bodyPr vert="horz" lIns="91440" tIns="45720" rIns="91440" bIns="45720" rtlCol="0" anchor="ctr">
+            <a:normAutofit/>
+          </a:bodyPr>
+          <a:lstStyle>
+            <a:lvl1pPr algn="l" defTabSz="914400" rtl="0" eaLnBrk="1" latinLnBrk="0" hangingPunct="1">
+              <a:lnSpc>
+                <a:spcPct val="90000"/>
+              </a:lnSpc>
+              <a:spcBef>
+                <a:spcPct val="0"/>
+              </a:spcBef>
+              <a:buNone/>
+              <a:defRPr sz="4400" kern="1200">
+                <a:solidFill>
+                  <a:schemeClr val="tx1"/>
+                </a:solidFill>
+                <a:latin typeface="+mj-lt"/>
+                <a:ea typeface="+mj-ea"/>
+                <a:cs typeface="+mj-cs"/>
+              </a:defRPr>
+            </a:lvl1pPr>
+          </a:lstStyle>
+          <a:p>
+            <a:r>
+              <a:rPr lang="en-US" dirty="0" err="1"/>
+              <a:t>Chatton’s</a:t>
+            </a:r>
+            <a:r>
+              <a:rPr lang="en-US" dirty="0"/>
+              <a:t> anti-razor</a:t>
+            </a:r>
+            <a:endParaRPr lang="en-IL" dirty="0"/>
+          </a:p>
+        </p:txBody>
+      </p:sp>
+      <p:sp>
+        <p:nvSpPr>
+          <p:cNvPr id="6" name="Content Placeholder 2">
+            <a:extLst>
+              <a:ext uri="{FF2B5EF4-FFF2-40B4-BE49-F238E27FC236}">
+                <a16:creationId xmlns:a16="http://schemas.microsoft.com/office/drawing/2014/main" id="{BD8BB9CF-94DF-A04A-FDF9-5E1A2888A24A}"/>
+              </a:ext>
+            </a:extLst>
+          </p:cNvPr>
+          <p:cNvSpPr txBox="1">
+            <a:spLocks/>
+          </p:cNvSpPr>
+          <p:nvPr/>
+        </p:nvSpPr>
+        <p:spPr>
+          <a:xfrm>
+            <a:off x="838200" y="4708788"/>
+            <a:ext cx="10515600" cy="1412097"/>
+          </a:xfrm>
+          <a:prstGeom prst="rect">
+            <a:avLst/>
+          </a:prstGeom>
+        </p:spPr>
+        <p:txBody>
+          <a:bodyPr vert="horz" lIns="91440" tIns="45720" rIns="91440" bIns="45720" rtlCol="0">
+            <a:normAutofit/>
+          </a:bodyPr>
+          <a:lstStyle>
+            <a:lvl1pPr marL="228600" indent="-228600" algn="l" defTabSz="914400" rtl="0" eaLnBrk="1" latinLnBrk="0" hangingPunct="1">
+              <a:lnSpc>
+                <a:spcPct val="90000"/>
+              </a:lnSpc>
+              <a:spcBef>
+                <a:spcPts val="1000"/>
+              </a:spcBef>
+              <a:buFont typeface="Arial" panose="020B0604020202020204" pitchFamily="34" charset="0"/>
+              <a:buChar char="•"/>
+              <a:defRPr sz="2800" kern="1200">
+                <a:solidFill>
+                  <a:schemeClr val="tx1"/>
+                </a:solidFill>
+                <a:latin typeface="+mn-lt"/>
+                <a:ea typeface="+mn-ea"/>
+                <a:cs typeface="+mn-cs"/>
+              </a:defRPr>
+            </a:lvl1pPr>
+            <a:lvl2pPr marL="685800" indent="-228600" algn="l" defTabSz="914400" rtl="0" eaLnBrk="1" latinLnBrk="0" hangingPunct="1">
+              <a:lnSpc>
+                <a:spcPct val="90000"/>
+              </a:lnSpc>
+              <a:spcBef>
+                <a:spcPts val="500"/>
+              </a:spcBef>
+              <a:buFont typeface="Arial" panose="020B0604020202020204" pitchFamily="34" charset="0"/>
+              <a:buChar char="•"/>
+              <a:defRPr sz="2400" kern="1200">
+                <a:solidFill>
+                  <a:schemeClr val="tx1"/>
+                </a:solidFill>
+                <a:latin typeface="+mn-lt"/>
+                <a:ea typeface="+mn-ea"/>
+                <a:cs typeface="+mn-cs"/>
+              </a:defRPr>
+            </a:lvl2pPr>
+            <a:lvl3pPr marL="1143000" indent="-228600" algn="l" defTabSz="914400" rtl="0" eaLnBrk="1" latinLnBrk="0" hangingPunct="1">
+              <a:lnSpc>
+                <a:spcPct val="90000"/>
+              </a:lnSpc>
+              <a:spcBef>
+                <a:spcPts val="500"/>
+              </a:spcBef>
+              <a:buFont typeface="Arial" panose="020B0604020202020204" pitchFamily="34" charset="0"/>
+              <a:buChar char="•"/>
+              <a:defRPr sz="2000" kern="1200">
+                <a:solidFill>
+                  <a:schemeClr val="tx1"/>
+                </a:solidFill>
+                <a:latin typeface="+mn-lt"/>
+                <a:ea typeface="+mn-ea"/>
+                <a:cs typeface="+mn-cs"/>
+              </a:defRPr>
+            </a:lvl3pPr>
+            <a:lvl4pPr marL="1600200" indent="-228600" algn="l" defTabSz="914400" rtl="0" eaLnBrk="1" latinLnBrk="0" hangingPunct="1">
+              <a:lnSpc>
+                <a:spcPct val="90000"/>
+              </a:lnSpc>
+              <a:spcBef>
+                <a:spcPts val="500"/>
+              </a:spcBef>
+              <a:buFont typeface="Arial" panose="020B0604020202020204" pitchFamily="34" charset="0"/>
+              <a:buChar char="•"/>
+              <a:defRPr sz="1800" kern="1200">
+                <a:solidFill>
+                  <a:schemeClr val="tx1"/>
+                </a:solidFill>
+                <a:latin typeface="+mn-lt"/>
+                <a:ea typeface="+mn-ea"/>
+                <a:cs typeface="+mn-cs"/>
+              </a:defRPr>
+            </a:lvl4pPr>
+            <a:lvl5pPr marL="2057400" indent="-228600" algn="l" defTabSz="914400" rtl="0" eaLnBrk="1" latinLnBrk="0" hangingPunct="1">
+              <a:lnSpc>
+                <a:spcPct val="90000"/>
+              </a:lnSpc>
+              <a:spcBef>
+                <a:spcPts val="500"/>
+              </a:spcBef>
+              <a:buFont typeface="Arial" panose="020B0604020202020204" pitchFamily="34" charset="0"/>
+              <a:buChar char="•"/>
+              <a:defRPr sz="1800" kern="1200">
+                <a:solidFill>
+                  <a:schemeClr val="tx1"/>
+                </a:solidFill>
+                <a:latin typeface="+mn-lt"/>
+                <a:ea typeface="+mn-ea"/>
+                <a:cs typeface="+mn-cs"/>
+              </a:defRPr>
+            </a:lvl5pPr>
+            <a:lvl6pPr marL="2514600" indent="-228600" algn="l" defTabSz="914400" rtl="0" eaLnBrk="1" latinLnBrk="0" hangingPunct="1">
+              <a:lnSpc>
+                <a:spcPct val="90000"/>
+              </a:lnSpc>
+              <a:spcBef>
+                <a:spcPts val="500"/>
+              </a:spcBef>
+              <a:buFont typeface="Arial" panose="020B0604020202020204" pitchFamily="34" charset="0"/>
+              <a:buChar char="•"/>
+              <a:defRPr sz="1800" kern="1200">
+                <a:solidFill>
+                  <a:schemeClr val="tx1"/>
+                </a:solidFill>
+                <a:latin typeface="+mn-lt"/>
+                <a:ea typeface="+mn-ea"/>
+                <a:cs typeface="+mn-cs"/>
+              </a:defRPr>
+            </a:lvl6pPr>
+            <a:lvl7pPr marL="2971800" indent="-228600" algn="l" defTabSz="914400" rtl="0" eaLnBrk="1" latinLnBrk="0" hangingPunct="1">
+              <a:lnSpc>
+                <a:spcPct val="90000"/>
+              </a:lnSpc>
+              <a:spcBef>
+                <a:spcPts val="500"/>
+              </a:spcBef>
+              <a:buFont typeface="Arial" panose="020B0604020202020204" pitchFamily="34" charset="0"/>
+              <a:buChar char="•"/>
+              <a:defRPr sz="1800" kern="1200">
+                <a:solidFill>
+                  <a:schemeClr val="tx1"/>
+                </a:solidFill>
+                <a:latin typeface="+mn-lt"/>
+                <a:ea typeface="+mn-ea"/>
+                <a:cs typeface="+mn-cs"/>
+              </a:defRPr>
+            </a:lvl7pPr>
+            <a:lvl8pPr marL="3429000" indent="-228600" algn="l" defTabSz="914400" rtl="0" eaLnBrk="1" latinLnBrk="0" hangingPunct="1">
+              <a:lnSpc>
+                <a:spcPct val="90000"/>
+              </a:lnSpc>
+              <a:spcBef>
+                <a:spcPts val="500"/>
+              </a:spcBef>
+              <a:buFont typeface="Arial" panose="020B0604020202020204" pitchFamily="34" charset="0"/>
+              <a:buChar char="•"/>
+              <a:defRPr sz="1800" kern="1200">
+                <a:solidFill>
+                  <a:schemeClr val="tx1"/>
+                </a:solidFill>
+                <a:latin typeface="+mn-lt"/>
+                <a:ea typeface="+mn-ea"/>
+                <a:cs typeface="+mn-cs"/>
+              </a:defRPr>
+            </a:lvl8pPr>
+            <a:lvl9pPr marL="3886200" indent="-228600" algn="l" defTabSz="914400" rtl="0" eaLnBrk="1" latinLnBrk="0" hangingPunct="1">
+              <a:lnSpc>
+                <a:spcPct val="90000"/>
+              </a:lnSpc>
+              <a:spcBef>
+                <a:spcPts val="500"/>
+              </a:spcBef>
+              <a:buFont typeface="Arial" panose="020B0604020202020204" pitchFamily="34" charset="0"/>
+              <a:buChar char="•"/>
+              <a:defRPr sz="1800" kern="1200">
+                <a:solidFill>
+                  <a:schemeClr val="tx1"/>
+                </a:solidFill>
+                <a:latin typeface="+mn-lt"/>
+                <a:ea typeface="+mn-ea"/>
+                <a:cs typeface="+mn-cs"/>
+              </a:defRPr>
+            </a:lvl9pPr>
+          </a:lstStyle>
+          <a:p>
+            <a:r>
+              <a:rPr lang="en-US" dirty="0"/>
+              <a:t>Contemporary disputant of William of Ockham</a:t>
+            </a:r>
+          </a:p>
+          <a:p>
+            <a:r>
+              <a:rPr lang="en-US" dirty="0"/>
+              <a:t>If three assumptions are not enough to explain the phenomena</a:t>
+            </a:r>
+          </a:p>
+          <a:p>
+            <a:pPr lvl="1"/>
+            <a:r>
+              <a:rPr lang="en-US" dirty="0"/>
+              <a:t>A fourth will be necessary</a:t>
+            </a:r>
+          </a:p>
+          <a:p>
+            <a:endParaRPr lang="en-IL" dirty="0"/>
+          </a:p>
+        </p:txBody>
+      </p:sp>
+    </p:spTree>
+    <p:extLst>
+      <p:ext uri="{BB962C8B-B14F-4D97-AF65-F5344CB8AC3E}">
+        <p14:creationId xmlns:p14="http://schemas.microsoft.com/office/powerpoint/2010/main" val="1750320849"/>
+      </p:ext>
+    </p:extLst>
+  </p:cSld>
+  <p:clrMapOvr>
+    <a:masterClrMapping/>
+  </p:clrMapOvr>
+</p:sld>
+</file>
+
+<file path=ppt/slides/slide5.xml><?xml version="1.0" encoding="utf-8"?>
+<p:sld xmlns:a="http://schemas.openxmlformats.org/drawingml/2006/main" xmlns:r="http://schemas.openxmlformats.org/officeDocument/2006/relationships" xmlns:p="http://schemas.openxmlformats.org/presentationml/2006/main">
+  <p:cSld>
+    <p:spTree>
+      <p:nvGrpSpPr>
+        <p:cNvPr id="1" name=""/>
+        <p:cNvGrpSpPr/>
+        <p:nvPr/>
+      </p:nvGrpSpPr>
+      <p:grpSpPr>
+        <a:xfrm>
+          <a:off x="0" y="0"/>
+          <a:ext cx="0" cy="0"/>
+          <a:chOff x="0" y="0"/>
+          <a:chExt cx="0" cy="0"/>
+        </a:xfrm>
+      </p:grpSpPr>
+      <p:sp>
+        <p:nvSpPr>
+          <p:cNvPr id="2" name="Title 1">
+            <a:extLst>
+              <a:ext uri="{FF2B5EF4-FFF2-40B4-BE49-F238E27FC236}">
+                <a16:creationId xmlns:a16="http://schemas.microsoft.com/office/drawing/2014/main" id="{106E984F-6720-DCA6-93DA-50386DAC9E2C}"/>
+              </a:ext>
+            </a:extLst>
+          </p:cNvPr>
+          <p:cNvSpPr>
+            <a:spLocks noGrp="1"/>
+          </p:cNvSpPr>
+          <p:nvPr>
+            <p:ph type="title"/>
+          </p:nvPr>
+        </p:nvSpPr>
+        <p:spPr/>
+        <p:txBody>
+          <a:bodyPr/>
+          <a:lstStyle/>
+          <a:p>
+            <a:r>
+              <a:rPr lang="en-US" dirty="0"/>
+              <a:t>Some data</a:t>
+            </a:r>
+            <a:endParaRPr lang="en-IL" dirty="0"/>
+          </a:p>
+        </p:txBody>
+      </p:sp>
+      <p:sp>
+        <p:nvSpPr>
+          <p:cNvPr id="4" name="Slide Number Placeholder 3">
+            <a:extLst>
+              <a:ext uri="{FF2B5EF4-FFF2-40B4-BE49-F238E27FC236}">
+                <a16:creationId xmlns:a16="http://schemas.microsoft.com/office/drawing/2014/main" id="{82B9D95D-F34D-03DC-9E59-2F393686D7FB}"/>
+              </a:ext>
+            </a:extLst>
+          </p:cNvPr>
+          <p:cNvSpPr>
+            <a:spLocks noGrp="1"/>
+          </p:cNvSpPr>
+          <p:nvPr>
+            <p:ph type="sldNum" sz="quarter" idx="12"/>
+          </p:nvPr>
+        </p:nvSpPr>
+        <p:spPr/>
+        <p:txBody>
+          <a:bodyPr/>
+          <a:lstStyle/>
+          <a:p>
+            <a:fld id="{E0DC7AD3-7C2E-418B-8082-788996B615FB}" type="slidenum">
+              <a:rPr lang="en-GB" smtClean="0"/>
+              <a:t>5</a:t>
+            </a:fld>
+            <a:endParaRPr lang="en-GB"/>
+          </a:p>
+        </p:txBody>
+      </p:sp>
+      <p:pic>
+        <p:nvPicPr>
+          <p:cNvPr id="5" name="Picture 4">
+            <a:extLst>
+              <a:ext uri="{FF2B5EF4-FFF2-40B4-BE49-F238E27FC236}">
+                <a16:creationId xmlns:a16="http://schemas.microsoft.com/office/drawing/2014/main" id="{B5FCDE8D-9DCF-C25A-000E-095C3297DB32}"/>
+              </a:ext>
+            </a:extLst>
+          </p:cNvPr>
+          <p:cNvPicPr>
+            <a:picLocks noChangeAspect="1"/>
+          </p:cNvPicPr>
+          <p:nvPr/>
+        </p:nvPicPr>
+        <p:blipFill>
+          <a:blip r:embed="rId2" cstate="email">
+            <a:extLst>
+              <a:ext uri="{28A0092B-C50C-407E-A947-70E740481C1C}">
+                <a14:useLocalDpi xmlns:a14="http://schemas.microsoft.com/office/drawing/2010/main" val="0"/>
+              </a:ext>
+            </a:extLst>
+          </a:blip>
+          <a:srcRect/>
+          <a:stretch/>
+        </p:blipFill>
+        <p:spPr>
+          <a:xfrm>
+            <a:off x="813417" y="2027721"/>
+            <a:ext cx="10868509" cy="3691943"/>
+          </a:xfrm>
+          <a:prstGeom prst="rect">
+            <a:avLst/>
+          </a:prstGeom>
+        </p:spPr>
+      </p:pic>
+    </p:spTree>
+    <p:extLst>
+      <p:ext uri="{BB962C8B-B14F-4D97-AF65-F5344CB8AC3E}">
+        <p14:creationId xmlns:p14="http://schemas.microsoft.com/office/powerpoint/2010/main" val="346009063"/>
+      </p:ext>
+    </p:extLst>
+  </p:cSld>
+  <p:clrMapOvr>
+    <a:masterClrMapping/>
+  </p:clrMapOvr>
+</p:sld>
+</file>
+
+<file path=ppt/slides/slide6.xml><?xml version="1.0" encoding="utf-8"?>
+<p:sld xmlns:a="http://schemas.openxmlformats.org/drawingml/2006/main" xmlns:r="http://schemas.openxmlformats.org/officeDocument/2006/relationships" xmlns:p="http://schemas.openxmlformats.org/presentationml/2006/main">
+  <p:cSld>
+    <p:spTree>
+      <p:nvGrpSpPr>
+        <p:cNvPr id="1" name="">
+          <a:extLst>
+            <a:ext uri="{FF2B5EF4-FFF2-40B4-BE49-F238E27FC236}">
+              <a16:creationId xmlns:a16="http://schemas.microsoft.com/office/drawing/2014/main" id="{AB771894-79A5-A639-FE3E-8DDED5531A36}"/>
+            </a:ext>
+          </a:extLst>
+        </p:cNvPr>
+        <p:cNvGrpSpPr/>
+        <p:nvPr/>
+      </p:nvGrpSpPr>
+      <p:grpSpPr>
+        <a:xfrm>
+          <a:off x="0" y="0"/>
+          <a:ext cx="0" cy="0"/>
+          <a:chOff x="0" y="0"/>
+          <a:chExt cx="0" cy="0"/>
+        </a:xfrm>
+      </p:grpSpPr>
+      <p:sp>
+        <p:nvSpPr>
+          <p:cNvPr id="2" name="Title 1">
+            <a:extLst>
+              <a:ext uri="{FF2B5EF4-FFF2-40B4-BE49-F238E27FC236}">
+                <a16:creationId xmlns:a16="http://schemas.microsoft.com/office/drawing/2014/main" id="{E4FB70B3-2ADF-E6ED-BFA2-5EEE93D06CF7}"/>
+              </a:ext>
+            </a:extLst>
+          </p:cNvPr>
+          <p:cNvSpPr>
+            <a:spLocks noGrp="1"/>
+          </p:cNvSpPr>
+          <p:nvPr>
+            <p:ph type="title"/>
+          </p:nvPr>
+        </p:nvSpPr>
+        <p:spPr/>
+        <p:txBody>
+          <a:bodyPr/>
+          <a:lstStyle/>
+          <a:p>
+            <a:r>
+              <a:rPr lang="en-US" dirty="0"/>
+              <a:t>A model that underfits</a:t>
+            </a:r>
+            <a:endParaRPr lang="en-IL" dirty="0"/>
+          </a:p>
+        </p:txBody>
+      </p:sp>
+      <p:sp>
+        <p:nvSpPr>
+          <p:cNvPr id="4" name="Slide Number Placeholder 3">
+            <a:extLst>
+              <a:ext uri="{FF2B5EF4-FFF2-40B4-BE49-F238E27FC236}">
+                <a16:creationId xmlns:a16="http://schemas.microsoft.com/office/drawing/2014/main" id="{531C08A4-E9A6-2FD2-8724-6211C2384F17}"/>
+              </a:ext>
+            </a:extLst>
+          </p:cNvPr>
+          <p:cNvSpPr>
+            <a:spLocks noGrp="1"/>
+          </p:cNvSpPr>
+          <p:nvPr>
+            <p:ph type="sldNum" sz="quarter" idx="12"/>
+          </p:nvPr>
+        </p:nvSpPr>
+        <p:spPr/>
+        <p:txBody>
+          <a:bodyPr/>
+          <a:lstStyle/>
+          <a:p>
+            <a:fld id="{E0DC7AD3-7C2E-418B-8082-788996B615FB}" type="slidenum">
+              <a:rPr lang="en-GB" smtClean="0"/>
+              <a:t>6</a:t>
+            </a:fld>
+            <a:endParaRPr lang="en-GB"/>
+          </a:p>
+        </p:txBody>
+      </p:sp>
+      <p:pic>
+        <p:nvPicPr>
+          <p:cNvPr id="5" name="Picture 4">
+            <a:extLst>
+              <a:ext uri="{FF2B5EF4-FFF2-40B4-BE49-F238E27FC236}">
+                <a16:creationId xmlns:a16="http://schemas.microsoft.com/office/drawing/2014/main" id="{980BACEA-AAD8-C685-1459-5FC24AC3929F}"/>
+              </a:ext>
+            </a:extLst>
+          </p:cNvPr>
+          <p:cNvPicPr>
+            <a:picLocks noChangeAspect="1"/>
+          </p:cNvPicPr>
+          <p:nvPr/>
+        </p:nvPicPr>
+        <p:blipFill>
+          <a:blip r:embed="rId2" cstate="email">
+            <a:extLst>
+              <a:ext uri="{28A0092B-C50C-407E-A947-70E740481C1C}">
+                <a14:useLocalDpi xmlns:a14="http://schemas.microsoft.com/office/drawing/2010/main" val="0"/>
+              </a:ext>
+            </a:extLst>
+          </a:blip>
+          <a:srcRect/>
+          <a:stretch/>
+        </p:blipFill>
+        <p:spPr>
+          <a:xfrm>
+            <a:off x="813417" y="2027721"/>
+            <a:ext cx="10868509" cy="3691943"/>
+          </a:xfrm>
+          <a:prstGeom prst="rect">
+            <a:avLst/>
+          </a:prstGeom>
+        </p:spPr>
+      </p:pic>
+    </p:spTree>
+    <p:extLst>
+      <p:ext uri="{BB962C8B-B14F-4D97-AF65-F5344CB8AC3E}">
+        <p14:creationId xmlns:p14="http://schemas.microsoft.com/office/powerpoint/2010/main" val="2553729653"/>
+      </p:ext>
+    </p:extLst>
+  </p:cSld>
+  <p:clrMapOvr>
+    <a:masterClrMapping/>
+  </p:clrMapOvr>
+</p:sld>
+</file>
+
+<file path=ppt/slides/slide7.xml><?xml version="1.0" encoding="utf-8"?>
+<p:sld xmlns:a="http://schemas.openxmlformats.org/drawingml/2006/main" xmlns:r="http://schemas.openxmlformats.org/officeDocument/2006/relationships" xmlns:p="http://schemas.openxmlformats.org/presentationml/2006/main">
+  <p:cSld>
+    <p:spTree>
+      <p:nvGrpSpPr>
+        <p:cNvPr id="1" name="">
+          <a:extLst>
+            <a:ext uri="{FF2B5EF4-FFF2-40B4-BE49-F238E27FC236}">
+              <a16:creationId xmlns:a16="http://schemas.microsoft.com/office/drawing/2014/main" id="{1E938694-2EC5-196B-5FE2-A257F8DFAE2D}"/>
+            </a:ext>
+          </a:extLst>
+        </p:cNvPr>
+        <p:cNvGrpSpPr/>
+        <p:nvPr/>
+      </p:nvGrpSpPr>
+      <p:grpSpPr>
+        <a:xfrm>
+          <a:off x="0" y="0"/>
+          <a:ext cx="0" cy="0"/>
+          <a:chOff x="0" y="0"/>
+          <a:chExt cx="0" cy="0"/>
+        </a:xfrm>
+      </p:grpSpPr>
+      <p:sp>
+        <p:nvSpPr>
+          <p:cNvPr id="2" name="Title 1">
+            <a:extLst>
+              <a:ext uri="{FF2B5EF4-FFF2-40B4-BE49-F238E27FC236}">
+                <a16:creationId xmlns:a16="http://schemas.microsoft.com/office/drawing/2014/main" id="{3ED8C35C-4A3F-F1DC-DE4B-9198A72A7B18}"/>
+              </a:ext>
+            </a:extLst>
+          </p:cNvPr>
+          <p:cNvSpPr>
+            <a:spLocks noGrp="1"/>
+          </p:cNvSpPr>
+          <p:nvPr>
+            <p:ph type="title"/>
+          </p:nvPr>
+        </p:nvSpPr>
+        <p:spPr/>
+        <p:txBody>
+          <a:bodyPr/>
+          <a:lstStyle/>
+          <a:p>
+            <a:r>
+              <a:rPr lang="en-US" dirty="0"/>
+              <a:t>A model that overfits</a:t>
+            </a:r>
+            <a:endParaRPr lang="en-IL" dirty="0"/>
+          </a:p>
+        </p:txBody>
+      </p:sp>
+      <p:sp>
+        <p:nvSpPr>
+          <p:cNvPr id="4" name="Slide Number Placeholder 3">
+            <a:extLst>
+              <a:ext uri="{FF2B5EF4-FFF2-40B4-BE49-F238E27FC236}">
+                <a16:creationId xmlns:a16="http://schemas.microsoft.com/office/drawing/2014/main" id="{F03D8C96-C808-950D-9C31-4070F0B6687D}"/>
+              </a:ext>
+            </a:extLst>
+          </p:cNvPr>
+          <p:cNvSpPr>
+            <a:spLocks noGrp="1"/>
+          </p:cNvSpPr>
+          <p:nvPr>
+            <p:ph type="sldNum" sz="quarter" idx="12"/>
+          </p:nvPr>
+        </p:nvSpPr>
+        <p:spPr/>
+        <p:txBody>
+          <a:bodyPr/>
+          <a:lstStyle/>
+          <a:p>
+            <a:fld id="{E0DC7AD3-7C2E-418B-8082-788996B615FB}" type="slidenum">
+              <a:rPr lang="en-GB" smtClean="0"/>
+              <a:t>7</a:t>
+            </a:fld>
+            <a:endParaRPr lang="en-GB"/>
+          </a:p>
+        </p:txBody>
+      </p:sp>
+      <p:pic>
+        <p:nvPicPr>
+          <p:cNvPr id="5" name="Picture 4">
+            <a:extLst>
+              <a:ext uri="{FF2B5EF4-FFF2-40B4-BE49-F238E27FC236}">
+                <a16:creationId xmlns:a16="http://schemas.microsoft.com/office/drawing/2014/main" id="{AAE4FD3A-C2E9-1424-5D90-91A46FDB0914}"/>
+              </a:ext>
+            </a:extLst>
+          </p:cNvPr>
+          <p:cNvPicPr>
+            <a:picLocks noChangeAspect="1"/>
+          </p:cNvPicPr>
+          <p:nvPr/>
+        </p:nvPicPr>
+        <p:blipFill>
+          <a:blip r:embed="rId2" cstate="email">
+            <a:extLst>
+              <a:ext uri="{28A0092B-C50C-407E-A947-70E740481C1C}">
+                <a14:useLocalDpi xmlns:a14="http://schemas.microsoft.com/office/drawing/2010/main" val="0"/>
+              </a:ext>
+            </a:extLst>
+          </a:blip>
+          <a:srcRect/>
+          <a:stretch/>
+        </p:blipFill>
+        <p:spPr>
+          <a:xfrm>
+            <a:off x="813418" y="2027721"/>
+            <a:ext cx="10868506" cy="3691943"/>
+          </a:xfrm>
+          <a:prstGeom prst="rect">
+            <a:avLst/>
+          </a:prstGeom>
+        </p:spPr>
+      </p:pic>
+    </p:spTree>
+    <p:extLst>
+      <p:ext uri="{BB962C8B-B14F-4D97-AF65-F5344CB8AC3E}">
+        <p14:creationId xmlns:p14="http://schemas.microsoft.com/office/powerpoint/2010/main" val="1743680179"/>
+      </p:ext>
+    </p:extLst>
+  </p:cSld>
+  <p:clrMapOvr>
+    <a:masterClrMapping/>
+  </p:clrMapOvr>
+</p:sld>
+</file>
+
+<file path=ppt/slides/slide8.xml><?xml version="1.0" encoding="utf-8"?>
+<p:sld xmlns:a="http://schemas.openxmlformats.org/drawingml/2006/main" xmlns:r="http://schemas.openxmlformats.org/officeDocument/2006/relationships" xmlns:p="http://schemas.openxmlformats.org/presentationml/2006/main">
+  <p:cSld>
+    <p:spTree>
+      <p:nvGrpSpPr>
+        <p:cNvPr id="1" name="">
+          <a:extLst>
+            <a:ext uri="{FF2B5EF4-FFF2-40B4-BE49-F238E27FC236}">
+              <a16:creationId xmlns:a16="http://schemas.microsoft.com/office/drawing/2014/main" id="{4A48277F-6275-ACD9-7CCB-7CE134922D0D}"/>
+            </a:ext>
+          </a:extLst>
+        </p:cNvPr>
+        <p:cNvGrpSpPr/>
+        <p:nvPr/>
+      </p:nvGrpSpPr>
+      <p:grpSpPr>
+        <a:xfrm>
+          <a:off x="0" y="0"/>
+          <a:ext cx="0" cy="0"/>
+          <a:chOff x="0" y="0"/>
+          <a:chExt cx="0" cy="0"/>
+        </a:xfrm>
+      </p:grpSpPr>
+      <p:sp>
+        <p:nvSpPr>
+          <p:cNvPr id="2" name="Title 1">
+            <a:extLst>
+              <a:ext uri="{FF2B5EF4-FFF2-40B4-BE49-F238E27FC236}">
+                <a16:creationId xmlns:a16="http://schemas.microsoft.com/office/drawing/2014/main" id="{034E959B-1CFD-E9D9-93FD-C3EF5428571C}"/>
+              </a:ext>
+            </a:extLst>
+          </p:cNvPr>
+          <p:cNvSpPr>
+            <a:spLocks noGrp="1"/>
+          </p:cNvSpPr>
+          <p:nvPr>
+            <p:ph type="title"/>
+          </p:nvPr>
+        </p:nvSpPr>
+        <p:spPr/>
+        <p:txBody>
+          <a:bodyPr>
+            <a:normAutofit/>
+          </a:bodyPr>
+          <a:lstStyle/>
+          <a:p>
+            <a:r>
+              <a:rPr lang="en-US" sz="3600" dirty="0"/>
+              <a:t>A model that balances overfitting and underfitting?</a:t>
+            </a:r>
+            <a:endParaRPr lang="en-IL" sz="3600" dirty="0"/>
+          </a:p>
+        </p:txBody>
+      </p:sp>
+      <p:sp>
+        <p:nvSpPr>
+          <p:cNvPr id="4" name="Slide Number Placeholder 3">
+            <a:extLst>
+              <a:ext uri="{FF2B5EF4-FFF2-40B4-BE49-F238E27FC236}">
+                <a16:creationId xmlns:a16="http://schemas.microsoft.com/office/drawing/2014/main" id="{2B3EC7FE-02A6-093A-1487-9AEBC31EF610}"/>
+              </a:ext>
+            </a:extLst>
+          </p:cNvPr>
+          <p:cNvSpPr>
+            <a:spLocks noGrp="1"/>
+          </p:cNvSpPr>
+          <p:nvPr>
+            <p:ph type="sldNum" sz="quarter" idx="12"/>
+          </p:nvPr>
+        </p:nvSpPr>
+        <p:spPr/>
+        <p:txBody>
+          <a:bodyPr/>
+          <a:lstStyle/>
+          <a:p>
+            <a:fld id="{E0DC7AD3-7C2E-418B-8082-788996B615FB}" type="slidenum">
+              <a:rPr lang="en-GB" smtClean="0"/>
+              <a:t>8</a:t>
+            </a:fld>
+            <a:endParaRPr lang="en-GB"/>
+          </a:p>
+        </p:txBody>
+      </p:sp>
+      <p:pic>
+        <p:nvPicPr>
+          <p:cNvPr id="5" name="Picture 4">
+            <a:extLst>
+              <a:ext uri="{FF2B5EF4-FFF2-40B4-BE49-F238E27FC236}">
+                <a16:creationId xmlns:a16="http://schemas.microsoft.com/office/drawing/2014/main" id="{F75DA27D-3F4F-CC1C-4CFF-4FE03864CD39}"/>
+              </a:ext>
+            </a:extLst>
+          </p:cNvPr>
+          <p:cNvPicPr>
+            <a:picLocks noChangeAspect="1"/>
+          </p:cNvPicPr>
+          <p:nvPr/>
+        </p:nvPicPr>
+        <p:blipFill>
+          <a:blip r:embed="rId2" cstate="email">
+            <a:extLst>
+              <a:ext uri="{28A0092B-C50C-407E-A947-70E740481C1C}">
+                <a14:useLocalDpi xmlns:a14="http://schemas.microsoft.com/office/drawing/2010/main" val="0"/>
+              </a:ext>
+            </a:extLst>
+          </a:blip>
+          <a:srcRect/>
+          <a:stretch/>
+        </p:blipFill>
+        <p:spPr>
+          <a:xfrm>
+            <a:off x="813418" y="2027721"/>
+            <a:ext cx="10868506" cy="3691942"/>
+          </a:xfrm>
+          <a:prstGeom prst="rect">
+            <a:avLst/>
+          </a:prstGeom>
+        </p:spPr>
+      </p:pic>
+    </p:spTree>
+    <p:extLst>
+      <p:ext uri="{BB962C8B-B14F-4D97-AF65-F5344CB8AC3E}">
+        <p14:creationId xmlns:p14="http://schemas.microsoft.com/office/powerpoint/2010/main" val="2693109677"/>
       </p:ext>
     </p:extLst>
   </p:cSld>
@@ -7651,7 +7773,7 @@
           <p:cNvPr id="2" name="Title 1">
             <a:extLst>
               <a:ext uri="{FF2B5EF4-FFF2-40B4-BE49-F238E27FC236}">
-                <a16:creationId xmlns:a16="http://schemas.microsoft.com/office/drawing/2014/main" id="{58EEC07E-7C00-8F09-7AE0-9189E2CCFB5A}"/>
+                <a16:creationId xmlns:a16="http://schemas.microsoft.com/office/drawing/2014/main" id="{12785479-1970-11A5-ED52-28582FB2C383}"/>
               </a:ext>
             </a:extLst>
           </p:cNvPr>
@@ -7669,7 +7791,7 @@
           <a:p>
             <a:r>
               <a:rPr lang="en-US" dirty="0"/>
-              <a:t>What makes a good model?</a:t>
+              <a:t>Coefficient of determination</a:t>
             </a:r>
             <a:endParaRPr lang="en-IL" dirty="0"/>
           </a:p>
@@ -7677,10 +7799,10 @@
       </p:sp>
       <p:sp>
         <p:nvSpPr>
-          <p:cNvPr id="3" name="Content Placeholder 2">
+          <p:cNvPr id="4" name="Content Placeholder 3">
             <a:extLst>
               <a:ext uri="{FF2B5EF4-FFF2-40B4-BE49-F238E27FC236}">
-                <a16:creationId xmlns:a16="http://schemas.microsoft.com/office/drawing/2014/main" id="{0C2C4C5F-BC2B-CAE4-CA7E-4BC2927862FE}"/>
+                <a16:creationId xmlns:a16="http://schemas.microsoft.com/office/drawing/2014/main" id="{B755E9C4-3CA7-BE73-1880-3A0439682C70}"/>
               </a:ext>
             </a:extLst>
           </p:cNvPr>
@@ -7691,83 +7813,37 @@
             <p:ph idx="1"/>
           </p:nvPr>
         </p:nvSpPr>
-        <p:spPr/>
-        <p:txBody>
-          <a:bodyPr/>
-          <a:lstStyle/>
-          <a:p>
-            <a:r>
-              <a:rPr lang="en-US" dirty="0"/>
-              <a:t>Theory building</a:t>
+        <p:spPr>
+          <a:xfrm>
+            <a:off x="838200" y="1825625"/>
+            <a:ext cx="10515600" cy="1038873"/>
+          </a:xfrm>
+        </p:spPr>
+        <p:txBody>
+          <a:bodyPr/>
+          <a:lstStyle/>
+          <a:p>
+            <a:r>
+              <a:rPr lang="en-US" dirty="0"/>
+              <a:t>How much the model explains</a:t>
             </a:r>
           </a:p>
           <a:p>
             <a:pPr lvl="1"/>
             <a:r>
               <a:rPr lang="en-US" dirty="0"/>
-              <a:t>Science is accepting good enough models</a:t>
-            </a:r>
-          </a:p>
-          <a:p>
-            <a:pPr lvl="1"/>
-            <a:r>
-              <a:rPr lang="en-US" dirty="0"/>
-              <a:t>Good models explain the phenomenon</a:t>
-            </a:r>
-          </a:p>
-          <a:p>
-            <a:r>
-              <a:rPr lang="en-US" dirty="0"/>
-              <a:t>Hypothesis testing</a:t>
-            </a:r>
-          </a:p>
-          <a:p>
-            <a:pPr lvl="1"/>
-            <a:r>
-              <a:rPr lang="en-US" dirty="0"/>
-              <a:t>Science is rejecting bad models</a:t>
-            </a:r>
-          </a:p>
-          <a:p>
-            <a:pPr lvl="1"/>
-            <a:r>
-              <a:rPr lang="en-US" dirty="0"/>
-              <a:t>Good models are what remains after the bad ones are rejected</a:t>
-            </a:r>
-          </a:p>
-          <a:p>
-            <a:r>
-              <a:rPr lang="en-US" dirty="0"/>
-              <a:t>Predictive power</a:t>
-            </a:r>
-          </a:p>
-          <a:p>
-            <a:pPr lvl="1"/>
-            <a:r>
-              <a:rPr lang="en-US" dirty="0"/>
-              <a:t>Science is comparing candidate models</a:t>
-            </a:r>
-          </a:p>
-          <a:p>
-            <a:pPr lvl="1"/>
-            <a:r>
-              <a:rPr lang="en-US" dirty="0"/>
-              <a:t>Good models have </a:t>
-            </a:r>
-            <a:r>
-              <a:rPr lang="en-US"/>
-              <a:t>better predictive power</a:t>
-            </a:r>
-            <a:endParaRPr lang="en-IL"/>
-          </a:p>
-        </p:txBody>
-      </p:sp>
-      <p:sp>
-        <p:nvSpPr>
-          <p:cNvPr id="4" name="Slide Number Placeholder 3">
+              <a:t>Out of how much could be explained</a:t>
+            </a:r>
+            <a:endParaRPr lang="en-IL" dirty="0"/>
+          </a:p>
+        </p:txBody>
+      </p:sp>
+      <p:sp>
+        <p:nvSpPr>
+          <p:cNvPr id="3" name="Slide Number Placeholder 2">
             <a:extLst>
               <a:ext uri="{FF2B5EF4-FFF2-40B4-BE49-F238E27FC236}">
-                <a16:creationId xmlns:a16="http://schemas.microsoft.com/office/drawing/2014/main" id="{AAE510EC-6A9E-3369-EC68-ED6F428C42AB}"/>
+                <a16:creationId xmlns:a16="http://schemas.microsoft.com/office/drawing/2014/main" id="{BD76D43A-8D33-0B36-6448-885363D80100}"/>
               </a:ext>
             </a:extLst>
           </p:cNvPr>
@@ -7791,10 +7867,438 @@
           </a:p>
         </p:txBody>
       </p:sp>
+      <p:graphicFrame>
+        <p:nvGraphicFramePr>
+          <p:cNvPr id="5" name="Object 4">
+            <a:extLst>
+              <a:ext uri="{FF2B5EF4-FFF2-40B4-BE49-F238E27FC236}">
+                <a16:creationId xmlns:a16="http://schemas.microsoft.com/office/drawing/2014/main" id="{D4E26735-BD74-381C-BBD3-1AB1F722BBC3}"/>
+              </a:ext>
+            </a:extLst>
+          </p:cNvPr>
+          <p:cNvGraphicFramePr>
+            <a:graphicFrameLocks noChangeAspect="1"/>
+          </p:cNvGraphicFramePr>
+          <p:nvPr/>
+        </p:nvGraphicFramePr>
+        <p:xfrm>
+          <a:off x="1296587" y="4649983"/>
+          <a:ext cx="5054320" cy="939054"/>
+        </p:xfrm>
+        <a:graphic>
+          <a:graphicData uri="http://schemas.openxmlformats.org/presentationml/2006/ole">
+            <mc:AlternateContent xmlns:mc="http://schemas.openxmlformats.org/markup-compatibility/2006">
+              <mc:Choice xmlns:v="urn:schemas-microsoft-com:vml" Requires="v">
+                <p:oleObj name="Equation" r:id="rId2" imgW="2323800" imgH="431640" progId="Equation.DSMT4">
+                  <p:embed/>
+                </p:oleObj>
+              </mc:Choice>
+              <mc:Fallback>
+                <p:oleObj name="Equation" r:id="rId2" imgW="2323800" imgH="431640" progId="Equation.DSMT4">
+                  <p:embed/>
+                  <p:pic>
+                    <p:nvPicPr>
+                      <p:cNvPr id="5" name="Object 4">
+                        <a:extLst>
+                          <a:ext uri="{FF2B5EF4-FFF2-40B4-BE49-F238E27FC236}">
+                            <a16:creationId xmlns:a16="http://schemas.microsoft.com/office/drawing/2014/main" id="{D4E26735-BD74-381C-BBD3-1AB1F722BBC3}"/>
+                          </a:ext>
+                        </a:extLst>
+                      </p:cNvPr>
+                      <p:cNvPicPr/>
+                      <p:nvPr/>
+                    </p:nvPicPr>
+                    <p:blipFill>
+                      <a:blip r:embed="rId3"/>
+                      <a:stretch>
+                        <a:fillRect/>
+                      </a:stretch>
+                    </p:blipFill>
+                    <p:spPr>
+                      <a:xfrm>
+                        <a:off x="1296587" y="4649983"/>
+                        <a:ext cx="5054320" cy="939054"/>
+                      </a:xfrm>
+                      <a:prstGeom prst="rect">
+                        <a:avLst/>
+                      </a:prstGeom>
+                    </p:spPr>
+                  </p:pic>
+                </p:oleObj>
+              </mc:Fallback>
+            </mc:AlternateContent>
+          </a:graphicData>
+        </a:graphic>
+      </p:graphicFrame>
+      <p:graphicFrame>
+        <p:nvGraphicFramePr>
+          <p:cNvPr id="6" name="Object 5">
+            <a:extLst>
+              <a:ext uri="{FF2B5EF4-FFF2-40B4-BE49-F238E27FC236}">
+                <a16:creationId xmlns:a16="http://schemas.microsoft.com/office/drawing/2014/main" id="{9D28A8A8-F42E-0C27-DE2E-5BFF935C6623}"/>
+              </a:ext>
+            </a:extLst>
+          </p:cNvPr>
+          <p:cNvGraphicFramePr>
+            <a:graphicFrameLocks noChangeAspect="1"/>
+          </p:cNvGraphicFramePr>
+          <p:nvPr/>
+        </p:nvGraphicFramePr>
+        <p:xfrm>
+          <a:off x="1296585" y="3389787"/>
+          <a:ext cx="5054318" cy="939054"/>
+        </p:xfrm>
+        <a:graphic>
+          <a:graphicData uri="http://schemas.openxmlformats.org/presentationml/2006/ole">
+            <mc:AlternateContent xmlns:mc="http://schemas.openxmlformats.org/markup-compatibility/2006">
+              <mc:Choice xmlns:v="urn:schemas-microsoft-com:vml" Requires="v">
+                <p:oleObj name="Equation" r:id="rId4" imgW="2323800" imgH="431640" progId="Equation.DSMT4">
+                  <p:embed/>
+                </p:oleObj>
+              </mc:Choice>
+              <mc:Fallback>
+                <p:oleObj name="Equation" r:id="rId4" imgW="2323800" imgH="431640" progId="Equation.DSMT4">
+                  <p:embed/>
+                  <p:pic>
+                    <p:nvPicPr>
+                      <p:cNvPr id="6" name="Object 5">
+                        <a:extLst>
+                          <a:ext uri="{FF2B5EF4-FFF2-40B4-BE49-F238E27FC236}">
+                            <a16:creationId xmlns:a16="http://schemas.microsoft.com/office/drawing/2014/main" id="{9D28A8A8-F42E-0C27-DE2E-5BFF935C6623}"/>
+                          </a:ext>
+                        </a:extLst>
+                      </p:cNvPr>
+                      <p:cNvPicPr/>
+                      <p:nvPr/>
+                    </p:nvPicPr>
+                    <p:blipFill>
+                      <a:blip r:embed="rId5"/>
+                      <a:stretch>
+                        <a:fillRect/>
+                      </a:stretch>
+                    </p:blipFill>
+                    <p:spPr>
+                      <a:xfrm>
+                        <a:off x="1296585" y="3389787"/>
+                        <a:ext cx="5054318" cy="939054"/>
+                      </a:xfrm>
+                      <a:prstGeom prst="rect">
+                        <a:avLst/>
+                      </a:prstGeom>
+                    </p:spPr>
+                  </p:pic>
+                </p:oleObj>
+              </mc:Fallback>
+            </mc:AlternateContent>
+          </a:graphicData>
+        </a:graphic>
+      </p:graphicFrame>
+      <p:graphicFrame>
+        <p:nvGraphicFramePr>
+          <p:cNvPr id="7" name="Object 6">
+            <a:extLst>
+              <a:ext uri="{FF2B5EF4-FFF2-40B4-BE49-F238E27FC236}">
+                <a16:creationId xmlns:a16="http://schemas.microsoft.com/office/drawing/2014/main" id="{DDFEA0ED-4CC5-6570-3588-C188C4F83EC8}"/>
+              </a:ext>
+            </a:extLst>
+          </p:cNvPr>
+          <p:cNvGraphicFramePr>
+            <a:graphicFrameLocks noChangeAspect="1"/>
+          </p:cNvGraphicFramePr>
+          <p:nvPr/>
+        </p:nvGraphicFramePr>
+        <p:xfrm>
+          <a:off x="6350903" y="4821617"/>
+          <a:ext cx="1281538" cy="591479"/>
+        </p:xfrm>
+        <a:graphic>
+          <a:graphicData uri="http://schemas.openxmlformats.org/presentationml/2006/ole">
+            <mc:AlternateContent xmlns:mc="http://schemas.openxmlformats.org/markup-compatibility/2006">
+              <mc:Choice xmlns:v="urn:schemas-microsoft-com:vml" Requires="v">
+                <p:oleObj name="Equation" r:id="rId6" imgW="495000" imgH="228600" progId="Equation.DSMT4">
+                  <p:embed/>
+                </p:oleObj>
+              </mc:Choice>
+              <mc:Fallback>
+                <p:oleObj name="Equation" r:id="rId6" imgW="495000" imgH="228600" progId="Equation.DSMT4">
+                  <p:embed/>
+                  <p:pic>
+                    <p:nvPicPr>
+                      <p:cNvPr id="7" name="Object 6">
+                        <a:extLst>
+                          <a:ext uri="{FF2B5EF4-FFF2-40B4-BE49-F238E27FC236}">
+                            <a16:creationId xmlns:a16="http://schemas.microsoft.com/office/drawing/2014/main" id="{DDFEA0ED-4CC5-6570-3588-C188C4F83EC8}"/>
+                          </a:ext>
+                        </a:extLst>
+                      </p:cNvPr>
+                      <p:cNvPicPr/>
+                      <p:nvPr/>
+                    </p:nvPicPr>
+                    <p:blipFill>
+                      <a:blip r:embed="rId7"/>
+                      <a:stretch>
+                        <a:fillRect/>
+                      </a:stretch>
+                    </p:blipFill>
+                    <p:spPr>
+                      <a:xfrm>
+                        <a:off x="6350903" y="4821617"/>
+                        <a:ext cx="1281538" cy="591479"/>
+                      </a:xfrm>
+                      <a:prstGeom prst="rect">
+                        <a:avLst/>
+                      </a:prstGeom>
+                    </p:spPr>
+                  </p:pic>
+                </p:oleObj>
+              </mc:Fallback>
+            </mc:AlternateContent>
+          </a:graphicData>
+        </a:graphic>
+      </p:graphicFrame>
+      <p:graphicFrame>
+        <p:nvGraphicFramePr>
+          <p:cNvPr id="8" name="Object 7">
+            <a:extLst>
+              <a:ext uri="{FF2B5EF4-FFF2-40B4-BE49-F238E27FC236}">
+                <a16:creationId xmlns:a16="http://schemas.microsoft.com/office/drawing/2014/main" id="{4377E26C-42E8-3726-FAE2-5AC375CF7C8D}"/>
+              </a:ext>
+            </a:extLst>
+          </p:cNvPr>
+          <p:cNvGraphicFramePr>
+            <a:graphicFrameLocks noChangeAspect="1"/>
+          </p:cNvGraphicFramePr>
+          <p:nvPr/>
+        </p:nvGraphicFramePr>
+        <p:xfrm>
+          <a:off x="6350903" y="3518505"/>
+          <a:ext cx="1712176" cy="591479"/>
+        </p:xfrm>
+        <a:graphic>
+          <a:graphicData uri="http://schemas.openxmlformats.org/presentationml/2006/ole">
+            <mc:AlternateContent xmlns:mc="http://schemas.openxmlformats.org/markup-compatibility/2006">
+              <mc:Choice xmlns:v="urn:schemas-microsoft-com:vml" Requires="v">
+                <p:oleObj name="Equation" r:id="rId8" imgW="698400" imgH="241200" progId="Equation.DSMT4">
+                  <p:embed/>
+                </p:oleObj>
+              </mc:Choice>
+              <mc:Fallback>
+                <p:oleObj name="Equation" r:id="rId8" imgW="698400" imgH="241200" progId="Equation.DSMT4">
+                  <p:embed/>
+                  <p:pic>
+                    <p:nvPicPr>
+                      <p:cNvPr id="8" name="Object 7">
+                        <a:extLst>
+                          <a:ext uri="{FF2B5EF4-FFF2-40B4-BE49-F238E27FC236}">
+                            <a16:creationId xmlns:a16="http://schemas.microsoft.com/office/drawing/2014/main" id="{4377E26C-42E8-3726-FAE2-5AC375CF7C8D}"/>
+                          </a:ext>
+                        </a:extLst>
+                      </p:cNvPr>
+                      <p:cNvPicPr/>
+                      <p:nvPr/>
+                    </p:nvPicPr>
+                    <p:blipFill>
+                      <a:blip r:embed="rId9"/>
+                      <a:stretch>
+                        <a:fillRect/>
+                      </a:stretch>
+                    </p:blipFill>
+                    <p:spPr>
+                      <a:xfrm>
+                        <a:off x="6350903" y="3518505"/>
+                        <a:ext cx="1712176" cy="591479"/>
+                      </a:xfrm>
+                      <a:prstGeom prst="rect">
+                        <a:avLst/>
+                      </a:prstGeom>
+                    </p:spPr>
+                  </p:pic>
+                </p:oleObj>
+              </mc:Fallback>
+            </mc:AlternateContent>
+          </a:graphicData>
+        </a:graphic>
+      </p:graphicFrame>
+      <p:graphicFrame>
+        <p:nvGraphicFramePr>
+          <p:cNvPr id="9" name="Object 8">
+            <a:extLst>
+              <a:ext uri="{FF2B5EF4-FFF2-40B4-BE49-F238E27FC236}">
+                <a16:creationId xmlns:a16="http://schemas.microsoft.com/office/drawing/2014/main" id="{E09955B2-9164-FC77-DD54-4DEF0CC3ED96}"/>
+              </a:ext>
+            </a:extLst>
+          </p:cNvPr>
+          <p:cNvGraphicFramePr>
+            <a:graphicFrameLocks noChangeAspect="1"/>
+          </p:cNvGraphicFramePr>
+          <p:nvPr/>
+        </p:nvGraphicFramePr>
+        <p:xfrm>
+          <a:off x="8760134" y="4336033"/>
+          <a:ext cx="2444132" cy="1189037"/>
+        </p:xfrm>
+        <a:graphic>
+          <a:graphicData uri="http://schemas.openxmlformats.org/presentationml/2006/ole">
+            <mc:AlternateContent xmlns:mc="http://schemas.openxmlformats.org/markup-compatibility/2006">
+              <mc:Choice xmlns:v="urn:schemas-microsoft-com:vml" Requires="v">
+                <p:oleObj name="Equation" r:id="rId10" imgW="939600" imgH="457200" progId="Equation.DSMT4">
+                  <p:embed/>
+                </p:oleObj>
+              </mc:Choice>
+              <mc:Fallback>
+                <p:oleObj name="Equation" r:id="rId10" imgW="939600" imgH="457200" progId="Equation.DSMT4">
+                  <p:embed/>
+                  <p:pic>
+                    <p:nvPicPr>
+                      <p:cNvPr id="9" name="Object 8">
+                        <a:extLst>
+                          <a:ext uri="{FF2B5EF4-FFF2-40B4-BE49-F238E27FC236}">
+                            <a16:creationId xmlns:a16="http://schemas.microsoft.com/office/drawing/2014/main" id="{E09955B2-9164-FC77-DD54-4DEF0CC3ED96}"/>
+                          </a:ext>
+                        </a:extLst>
+                      </p:cNvPr>
+                      <p:cNvPicPr/>
+                      <p:nvPr/>
+                    </p:nvPicPr>
+                    <p:blipFill>
+                      <a:blip r:embed="rId11"/>
+                      <a:stretch>
+                        <a:fillRect/>
+                      </a:stretch>
+                    </p:blipFill>
+                    <p:spPr>
+                      <a:xfrm>
+                        <a:off x="8760134" y="4336033"/>
+                        <a:ext cx="2444132" cy="1189037"/>
+                      </a:xfrm>
+                      <a:prstGeom prst="rect">
+                        <a:avLst/>
+                      </a:prstGeom>
+                    </p:spPr>
+                  </p:pic>
+                </p:oleObj>
+              </mc:Fallback>
+            </mc:AlternateContent>
+          </a:graphicData>
+        </a:graphic>
+      </p:graphicFrame>
+      <mc:AlternateContent xmlns:mc="http://schemas.openxmlformats.org/markup-compatibility/2006" xmlns:a14="http://schemas.microsoft.com/office/drawing/2010/main">
+        <mc:Choice Requires="a14">
+          <p:sp>
+            <p:nvSpPr>
+              <p:cNvPr id="10" name="TextBox 9">
+                <a:extLst>
+                  <a:ext uri="{FF2B5EF4-FFF2-40B4-BE49-F238E27FC236}">
+                    <a16:creationId xmlns:a16="http://schemas.microsoft.com/office/drawing/2014/main" id="{FA7F4EA3-C31D-1ACE-78B2-9FE0AC6CA705}"/>
+                  </a:ext>
+                </a:extLst>
+              </p:cNvPr>
+              <p:cNvSpPr txBox="1"/>
+              <p:nvPr/>
+            </p:nvSpPr>
+            <p:spPr>
+              <a:xfrm>
+                <a:off x="7598877" y="5790324"/>
+                <a:ext cx="4158254" cy="523220"/>
+              </a:xfrm>
+              <a:prstGeom prst="rect">
+                <a:avLst/>
+              </a:prstGeom>
+              <a:noFill/>
+            </p:spPr>
+            <p:txBody>
+              <a:bodyPr wrap="none" rtlCol="0">
+                <a:spAutoFit/>
+              </a:bodyPr>
+              <a:lstStyle/>
+              <a:p>
+                <a14:m>
+                  <m:oMath xmlns:m="http://schemas.openxmlformats.org/officeDocument/2006/math">
+                    <m:sSup>
+                      <m:sSupPr>
+                        <m:ctrlPr>
+                          <a:rPr lang="en-US" sz="2800" b="0" i="1" smtClean="0">
+                            <a:latin typeface="Cambria Math" panose="02040503050406030204" pitchFamily="18" charset="0"/>
+                          </a:rPr>
+                        </m:ctrlPr>
+                      </m:sSupPr>
+                      <m:e>
+                        <m:r>
+                          <a:rPr lang="en-US" sz="2800" b="0" i="1" smtClean="0">
+                            <a:latin typeface="Cambria Math" panose="02040503050406030204" pitchFamily="18" charset="0"/>
+                          </a:rPr>
+                          <m:t>𝑅</m:t>
+                        </m:r>
+                      </m:e>
+                      <m:sup>
+                        <m:r>
+                          <a:rPr lang="en-US" sz="2800" b="0" i="1" smtClean="0">
+                            <a:latin typeface="Cambria Math" panose="02040503050406030204" pitchFamily="18" charset="0"/>
+                          </a:rPr>
+                          <m:t>2</m:t>
+                        </m:r>
+                      </m:sup>
+                    </m:sSup>
+                  </m:oMath>
+                </a14:m>
+                <a:r>
+                  <a:rPr lang="en-US" sz="2800" dirty="0"/>
+                  <a:t> can be between 0 and 1</a:t>
+                </a:r>
+                <a:endParaRPr lang="en-IL" sz="2800" dirty="0"/>
+              </a:p>
+            </p:txBody>
+          </p:sp>
+        </mc:Choice>
+        <mc:Fallback xmlns="">
+          <p:sp>
+            <p:nvSpPr>
+              <p:cNvPr id="10" name="TextBox 9">
+                <a:extLst>
+                  <a:ext uri="{FF2B5EF4-FFF2-40B4-BE49-F238E27FC236}">
+                    <a16:creationId xmlns:a16="http://schemas.microsoft.com/office/drawing/2014/main" id="{FA7F4EA3-C31D-1ACE-78B2-9FE0AC6CA705}"/>
+                  </a:ext>
+                </a:extLst>
+              </p:cNvPr>
+              <p:cNvSpPr txBox="1">
+                <a:spLocks noRot="1" noChangeAspect="1" noMove="1" noResize="1" noEditPoints="1" noAdjustHandles="1" noChangeArrowheads="1" noChangeShapeType="1" noTextEdit="1"/>
+              </p:cNvSpPr>
+              <p:nvPr/>
+            </p:nvSpPr>
+            <p:spPr>
+              <a:xfrm>
+                <a:off x="7598877" y="5790324"/>
+                <a:ext cx="4158254" cy="523220"/>
+              </a:xfrm>
+              <a:prstGeom prst="rect">
+                <a:avLst/>
+              </a:prstGeom>
+              <a:blipFill>
+                <a:blip r:embed="rId12"/>
+                <a:stretch>
+                  <a:fillRect t="-11628" r="-1906" b="-32558"/>
+                </a:stretch>
+              </a:blipFill>
+            </p:spPr>
+            <p:txBody>
+              <a:bodyPr/>
+              <a:lstStyle/>
+              <a:p>
+                <a:r>
+                  <a:rPr lang="en-IL">
+                    <a:noFill/>
+                  </a:rPr>
+                  <a:t> </a:t>
+                </a:r>
+              </a:p>
+            </p:txBody>
+          </p:sp>
+        </mc:Fallback>
+      </mc:AlternateContent>
     </p:spTree>
     <p:extLst>
       <p:ext uri="{BB962C8B-B14F-4D97-AF65-F5344CB8AC3E}">
-        <p14:creationId xmlns:p14="http://schemas.microsoft.com/office/powerpoint/2010/main" val="464227462"/>
+        <p14:creationId xmlns:p14="http://schemas.microsoft.com/office/powerpoint/2010/main" val="4211830404"/>
       </p:ext>
     </p:extLst>
   </p:cSld>
